--- a/Java_PPT/#2_Tokens.pptx
+++ b/Java_PPT/#2_Tokens.pptx
@@ -21,6 +21,15 @@
     <p:sldId id="269" r:id="rId16"/>
     <p:sldId id="270" r:id="rId17"/>
     <p:sldId id="271" r:id="rId18"/>
+    <p:sldId id="272" r:id="rId19"/>
+    <p:sldId id="273" r:id="rId20"/>
+    <p:sldId id="274" r:id="rId21"/>
+    <p:sldId id="275" r:id="rId22"/>
+    <p:sldId id="276" r:id="rId23"/>
+    <p:sldId id="277" r:id="rId24"/>
+    <p:sldId id="278" r:id="rId25"/>
+    <p:sldId id="279" r:id="rId26"/>
+    <p:sldId id="280" r:id="rId27"/>
   </p:sldIdLst>
   <p:sldSz cx="12188825" cy="6858000"/>
   <p:notesSz cx="12188825" cy="6858000"/>
@@ -5074,17 +5083,21 @@
                       <a:r>
                         <a:rPr lang="en-US" sz="2400">
                           <a:solidFill>
-                            <a:schemeClr val="tx1"/>
+                            <a:schemeClr val="bg1"/>
                           </a:solidFill>
                           <a:latin typeface="Verdana"/>
                           <a:ea typeface="Verdana"/>
                         </a:rPr>
-                        <a:t>Java</a:t>
-                      </a:r>
-                      <a:endParaRPr/>
-                    </a:p>
-                  </a:txBody>
-                  <a:tcPr anchor="ctr"/>
+                        <a:t>Java Tokens &amp; Block</a:t>
+                      </a:r>
+                      <a:endParaRPr>
+                        <a:solidFill>
+                          <a:schemeClr val="bg1"/>
+                        </a:solidFill>
+                      </a:endParaRPr>
+                    </a:p>
+                  </a:txBody>
+                  <a:tcPr anchor="t"/>
                 </a:tc>
                 <a:tc hMerge="1">
                   <a:txBody>
@@ -5170,11 +5183,11 @@
                 </a:tc>
               </a:tr>
               <a:tr h="462148">
-                <a:tc>
-                  <a:txBody>
-                    <a:bodyPr/>
-                    <a:p>
-                      <a:pPr marL="342900" marR="0" lvl="0" indent="-342900" algn="l" defTabSz="914400">
+                <a:tc gridSpan="2">
+                  <a:txBody>
+                    <a:bodyPr/>
+                    <a:p>
+                      <a:pPr marL="342900" marR="0" lvl="0" indent="-342900" algn="ctr" defTabSz="914400">
                         <a:lnSpc>
                           <a:spcPct val="100000"/>
                         </a:lnSpc>
@@ -5213,41 +5226,13 @@
                   </a:txBody>
                   <a:tcPr anchor="ctr"/>
                 </a:tc>
-                <a:tc>
-                  <a:txBody>
-                    <a:bodyPr/>
-                    <a:p>
-                      <a:pPr marL="285750" marR="0" lvl="0" indent="-285750" algn="l" defTabSz="914400">
-                        <a:lnSpc>
-                          <a:spcPct val="100000"/>
-                        </a:lnSpc>
-                        <a:spcBef>
-                          <a:spcPts val="0"/>
-                        </a:spcBef>
-                        <a:spcAft>
-                          <a:spcPts val="0"/>
-                        </a:spcAft>
-                        <a:buClrTx/>
-                        <a:buSzTx/>
-                        <a:buFont typeface="Wingdings"/>
-                        <a:buChar char="Ø"/>
-                        <a:defRPr/>
-                      </a:pPr>
-                      <a:r>
-                        <a:rPr lang="en-IN" sz="2400">
-                          <a:solidFill>
-                            <a:schemeClr val="dk1"/>
-                          </a:solidFill>
-                          <a:latin typeface="+mn-lt"/>
-                          <a:ea typeface="+mn-ea"/>
-                          <a:cs typeface="+mn-cs"/>
-                        </a:rPr>
-                        <a:t>Take user input in JAVA</a:t>
-                      </a:r>
+                <a:tc hMerge="1">
+                  <a:txBody>
+                    <a:bodyPr/>
+                    <a:p>
                       <a:endParaRPr/>
                     </a:p>
                   </a:txBody>
-                  <a:tcPr anchor="ctr"/>
                 </a:tc>
               </a:tr>
               <a:tr h="462148">
@@ -5377,14 +5362,14 @@
       </p:grpSpPr>
       <p:sp>
         <p:nvSpPr>
-          <p:cNvPr id="4" name="Rectangle 3"/>
+          <p:cNvPr id="1271837781" name="Rectangle 2"/>
           <p:cNvSpPr/>
           <p:nvPr/>
         </p:nvSpPr>
         <p:spPr bwMode="auto">
           <a:xfrm flipH="0" flipV="0">
-            <a:off x="0" y="8708"/>
-            <a:ext cx="11976275" cy="849461"/>
+            <a:off x="-32067" y="0"/>
+            <a:ext cx="11896857" cy="761999"/>
           </a:xfrm>
           <a:prstGeom prst="rect">
             <a:avLst/>
@@ -5396,11 +5381,11 @@
           </a:bodyPr>
           <a:lstStyle/>
           <a:p>
-            <a:pPr marR="0">
-              <a:defRPr/>
-            </a:pPr>
-            <a:r>
-              <a:rPr lang="en-US" sz="4400" b="1" i="0" u="none" strike="noStrike" cap="none" spc="0">
+            <a:pPr defTabSz="914400">
+              <a:defRPr/>
+            </a:pPr>
+            <a:r>
+              <a:rPr lang="en-US" sz="4000" b="1" i="0" u="none" strike="noStrike" cap="none" spc="0">
                 <a:solidFill>
                   <a:schemeClr val="dk1"/>
                 </a:solidFill>
@@ -5411,463 +5396,414 @@
               <a:t>Tokens</a:t>
             </a:r>
             <a:r>
-              <a:rPr lang="en-US" sz="4400" b="1">
+              <a:rPr lang="en-US" sz="4000" b="1" i="0" u="none" strike="noStrike" cap="none" spc="0">
                 <a:solidFill>
-                  <a:srgbClr val="000000"/>
+                  <a:schemeClr val="dk1"/>
                 </a:solidFill>
-                <a:latin typeface="Constantia"/>
+                <a:latin typeface="+mn-lt"/>
+                <a:ea typeface="+mn-ea"/>
+                <a:cs typeface="+mn-cs"/>
               </a:rPr>
-              <a:t>				</a:t>
-            </a:r>
-            <a:r>
-              <a:rPr lang="en-US" sz="4400" b="1">
+              <a:t>	</a:t>
+            </a:r>
+            <a:r>
+              <a:rPr lang="en-US" sz="4000" b="1">
+                <a:solidFill>
+                  <a:schemeClr val="dk1"/>
+                </a:solidFill>
+              </a:rPr>
+              <a:t>						</a:t>
+            </a:r>
+            <a:r>
+              <a:rPr lang="en-US" sz="4000" b="1">
                 <a:solidFill>
                   <a:srgbClr val="C00000"/>
                 </a:solidFill>
-                <a:latin typeface="Constantia"/>
               </a:rPr>
-              <a:t>Special Symbols</a:t>
-            </a:r>
-            <a:endParaRPr>
-              <a:solidFill>
-                <a:srgbClr val="C00000"/>
-              </a:solidFill>
-            </a:endParaRPr>
+              <a:t>Operators</a:t>
+            </a:r>
+            <a:r>
+              <a:rPr lang="en-US" sz="4000" b="1">
+                <a:solidFill>
+                  <a:schemeClr val="dk1"/>
+                </a:solidFill>
+              </a:rPr>
+              <a:t> </a:t>
+            </a:r>
+            <a:endParaRPr/>
           </a:p>
         </p:txBody>
       </p:sp>
       <p:graphicFrame>
         <p:nvGraphicFramePr>
-          <p:cNvPr id="2" name="Table 1"/>
+          <p:cNvPr id="474083302" name="Table 6"/>
           <p:cNvGraphicFramePr>
-            <a:graphicFrameLocks xmlns:a="http://schemas.openxmlformats.org/drawingml/2006/main" noGrp="1"/>
+            <a:graphicFrameLocks xmlns:a="http://schemas.openxmlformats.org/drawingml/2006/main"/>
           </p:cNvGraphicFramePr>
           <p:nvPr/>
         </p:nvGraphicFramePr>
         <p:xfrm>
-          <a:off x="455611" y="1512336"/>
-          <a:ext cx="10909299" cy="5074672"/>
+          <a:off x="313009" y="1593979"/>
+          <a:ext cx="11041038" cy="2556744"/>
         </p:xfrm>
         <a:graphic>
           <a:graphicData uri="http://schemas.openxmlformats.org/drawingml/2006/table">
             <a:tbl>
-              <a:tblPr firstRow="1" firstCol="1" lastRow="0" lastCol="0" bandRow="1" bandCol="0">
-                <a:tableStyleId>{5C22544A-7EE6-4342-B048-85BDC9FD1C3A}</a:tableStyleId>
+              <a:tblPr firstRow="1" firstCol="0" lastRow="0" lastCol="0" bandRow="1" bandCol="0">
+                <a:tableStyleId>{17292A2E-F333-43FB-9621-5CBBE7FDCDCB}</a:tableStyleId>
               </a:tblPr>
               <a:tblGrid>
-                <a:gridCol w="2788087"/>
-                <a:gridCol w="8603242"/>
+                <a:gridCol w="5650959"/>
+                <a:gridCol w="5650959"/>
               </a:tblGrid>
-              <a:tr h="561235">
-                <a:tc>
-                  <a:txBody>
-                    <a:bodyPr/>
-                    <a:p>
-                      <a:pPr marL="0" marR="0" algn="ctr">
-                        <a:lnSpc>
-                          <a:spcPct val="107000"/>
-                        </a:lnSpc>
-                        <a:spcBef>
-                          <a:spcPts val="0"/>
-                        </a:spcBef>
-                        <a:spcAft>
-                          <a:spcPts val="800"/>
-                        </a:spcAft>
-                        <a:defRPr/>
-                      </a:pPr>
-                      <a:r>
-                        <a:rPr lang="en-US" sz="2400"/>
-                        <a:t>Symbol</a:t>
-                      </a:r>
-                      <a:endParaRPr lang="en-US" sz="2400">
-                        <a:latin typeface="Calibri"/>
-                        <a:ea typeface="Calibri"/>
-                        <a:cs typeface="Times New Roman"/>
+              <a:tr h="867097">
+                <a:tc gridSpan="2">
+                  <a:txBody>
+                    <a:bodyPr/>
+                    <a:p>
+                      <a:pPr algn="ctr">
+                        <a:defRPr/>
+                      </a:pPr>
+                      <a:r>
+                        <a:rPr lang="en-US" sz="4800" b="1" i="0" u="none" strike="noStrike" cap="none" spc="0">
+                          <a:solidFill>
+                            <a:schemeClr val="bg1"/>
+                          </a:solidFill>
+                          <a:latin typeface="Constantia"/>
+                          <a:ea typeface="Verdana"/>
+                          <a:cs typeface="Constantia"/>
+                        </a:rPr>
+                        <a:t>Types of operators</a:t>
+                      </a:r>
+                      <a:endParaRPr sz="4800" b="1" i="0" u="none" strike="noStrike" cap="none" spc="0">
+                        <a:solidFill>
+                          <a:schemeClr val="bg1"/>
+                        </a:solidFill>
+                        <a:latin typeface="Constantia"/>
+                        <a:cs typeface="Constantia"/>
                       </a:endParaRPr>
                     </a:p>
                   </a:txBody>
-                  <a:tcPr marL="47625" marR="9525" marT="9525" marB="9525" anchor="ctr"/>
-                </a:tc>
-                <a:tc>
-                  <a:txBody>
-                    <a:bodyPr/>
-                    <a:p>
-                      <a:pPr marL="0" marR="0" algn="ctr">
-                        <a:lnSpc>
-                          <a:spcPct val="107000"/>
-                        </a:lnSpc>
-                        <a:spcBef>
-                          <a:spcPts val="0"/>
-                        </a:spcBef>
-                        <a:spcAft>
-                          <a:spcPts val="800"/>
-                        </a:spcAft>
-                        <a:defRPr/>
-                      </a:pPr>
-                      <a:r>
-                        <a:rPr lang="en-US" sz="2400"/>
-                        <a:t>Description</a:t>
-                      </a:r>
-                      <a:endParaRPr lang="en-US" sz="2400">
-                        <a:latin typeface="Calibri"/>
-                        <a:ea typeface="Calibri"/>
-                        <a:cs typeface="Times New Roman"/>
+                  <a:tcPr anchor="ctr"/>
+                </a:tc>
+                <a:tc hMerge="1">
+                  <a:txBody>
+                    <a:bodyPr/>
+                    <a:p>
+                      <a:endParaRPr/>
+                    </a:p>
+                  </a:txBody>
+                </a:tc>
+              </a:tr>
+              <a:tr h="796373">
+                <a:tc>
+                  <a:txBody>
+                    <a:bodyPr/>
+                    <a:p>
+                      <a:pPr marL="342900" indent="-342900" algn="l">
+                        <a:buFont typeface="Wingdings"/>
+                        <a:buChar char="Ø"/>
+                        <a:defRPr/>
+                      </a:pPr>
+                      <a:r>
+                        <a:rPr lang="en-US" sz="2800" b="0" i="0" u="none" strike="noStrike" cap="none" spc="0">
+                          <a:solidFill>
+                            <a:schemeClr val="tx1"/>
+                          </a:solidFill>
+                          <a:latin typeface="Constantia"/>
+                          <a:ea typeface="Verdana"/>
+                          <a:cs typeface="Constantia"/>
+                        </a:rPr>
+                        <a:t>Arithmetic operators</a:t>
+                      </a:r>
+                      <a:endParaRPr lang="en-US" sz="2800" b="0" i="0" u="none" strike="noStrike" cap="none" spc="0">
+                        <a:solidFill>
+                          <a:schemeClr val="tx1"/>
+                        </a:solidFill>
+                        <a:latin typeface="Constantia"/>
+                        <a:cs typeface="Constantia"/>
                       </a:endParaRPr>
                     </a:p>
                   </a:txBody>
-                  <a:tcPr marL="47625" marR="9525" marT="9525" marB="9525" anchor="ctr"/>
+                  <a:tcPr anchor="ctr"/>
+                </a:tc>
+                <a:tc>
+                  <a:txBody>
+                    <a:bodyPr/>
+                    <a:p>
+                      <a:pPr marL="342900" indent="-342900" algn="l" defTabSz="1218987">
+                        <a:buFont typeface="Wingdings"/>
+                        <a:buChar char="Ø"/>
+                        <a:defRPr/>
+                      </a:pPr>
+                      <a:r>
+                        <a:rPr lang="en-US" sz="2800" b="0" i="0" u="none" strike="noStrike" cap="none" spc="0">
+                          <a:solidFill>
+                            <a:schemeClr val="tx1"/>
+                          </a:solidFill>
+                          <a:latin typeface="Constantia"/>
+                          <a:ea typeface="Verdana"/>
+                          <a:cs typeface="Constantia"/>
+                        </a:rPr>
+                        <a:t>Unary Operator</a:t>
+                      </a:r>
+                      <a:endParaRPr lang="en-US" sz="2800" b="0" i="0" u="none" strike="noStrike" cap="none" spc="0">
+                        <a:solidFill>
+                          <a:schemeClr val="tx1"/>
+                        </a:solidFill>
+                        <a:latin typeface="Constantia"/>
+                        <a:cs typeface="Constantia"/>
+                      </a:endParaRPr>
+                    </a:p>
+                  </a:txBody>
+                  <a:tcPr anchor="ctr"/>
                 </a:tc>
               </a:tr>
-              <a:tr h="1103371">
-                <a:tc>
-                  <a:txBody>
-                    <a:bodyPr/>
-                    <a:p>
-                      <a:pPr marL="0" marR="0">
-                        <a:lnSpc>
-                          <a:spcPct val="107000"/>
-                        </a:lnSpc>
-                        <a:spcBef>
-                          <a:spcPts val="0"/>
-                        </a:spcBef>
-                        <a:spcAft>
-                          <a:spcPts val="800"/>
-                        </a:spcAft>
-                        <a:defRPr/>
-                      </a:pPr>
-                      <a:r>
-                        <a:rPr lang="en-US" sz="2400"/>
-                        <a:t>Brackets []</a:t>
-                      </a:r>
-                      <a:endParaRPr lang="en-US" sz="2400">
-                        <a:latin typeface="Calibri"/>
-                        <a:ea typeface="Calibri"/>
-                        <a:cs typeface="Times New Roman"/>
+              <a:tr h="796373">
+                <a:tc>
+                  <a:txBody>
+                    <a:bodyPr/>
+                    <a:p>
+                      <a:pPr marL="342900" indent="-342900" algn="l">
+                        <a:buFont typeface="Wingdings"/>
+                        <a:buChar char="Ø"/>
+                        <a:defRPr/>
+                      </a:pPr>
+                      <a:r>
+                        <a:rPr lang="en-US" sz="2800" b="0" i="0" u="none" strike="noStrike" cap="none" spc="0">
+                          <a:solidFill>
+                            <a:schemeClr val="tx1"/>
+                          </a:solidFill>
+                          <a:latin typeface="Constantia"/>
+                          <a:ea typeface="Verdana"/>
+                          <a:cs typeface="Constantia"/>
+                        </a:rPr>
+                        <a:t>Assignment operators</a:t>
+                      </a:r>
+                      <a:endParaRPr lang="en-US" sz="2800" b="0" i="0" u="none" strike="noStrike" cap="none" spc="0">
+                        <a:solidFill>
+                          <a:schemeClr val="tx1"/>
+                        </a:solidFill>
+                        <a:latin typeface="Constantia"/>
+                        <a:cs typeface="Constantia"/>
                       </a:endParaRPr>
                     </a:p>
                   </a:txBody>
-                  <a:tcPr marL="47625" marR="9525" marT="9525" marB="9525" anchor="ctr"/>
-                </a:tc>
-                <a:tc>
-                  <a:txBody>
-                    <a:bodyPr/>
-                    <a:p>
-                      <a:pPr marL="0" marR="0">
-                        <a:lnSpc>
-                          <a:spcPct val="107000"/>
-                        </a:lnSpc>
-                        <a:spcBef>
-                          <a:spcPts val="0"/>
-                        </a:spcBef>
-                        <a:spcAft>
-                          <a:spcPts val="800"/>
-                        </a:spcAft>
-                        <a:defRPr/>
-                      </a:pPr>
-                      <a:r>
-                        <a:rPr lang="en-US" sz="2400"/>
-                        <a:t>These are used as an array element reference and also indicates single and multidimensional subscripts</a:t>
-                      </a:r>
-                      <a:endParaRPr lang="en-US" sz="2400">
-                        <a:latin typeface="Calibri"/>
-                        <a:ea typeface="Calibri"/>
-                        <a:cs typeface="Times New Roman"/>
+                  <a:tcPr anchor="ctr"/>
+                </a:tc>
+                <a:tc>
+                  <a:txBody>
+                    <a:bodyPr/>
+                    <a:p>
+                      <a:pPr marL="342900" indent="-342900" algn="l" defTabSz="1218987">
+                        <a:buFont typeface="Wingdings"/>
+                        <a:buChar char="Ø"/>
+                        <a:defRPr/>
+                      </a:pPr>
+                      <a:r>
+                        <a:rPr lang="en-US" sz="2800" b="0" i="0" u="none" strike="noStrike" cap="none" spc="0">
+                          <a:solidFill>
+                            <a:schemeClr val="tx1"/>
+                          </a:solidFill>
+                          <a:latin typeface="Constantia"/>
+                          <a:ea typeface="Verdana"/>
+                          <a:cs typeface="Constantia"/>
+                        </a:rPr>
+                        <a:t>Equality and Relational Operator</a:t>
+                      </a:r>
+                      <a:endParaRPr lang="en-US" sz="2800" b="0" i="0" u="none" strike="noStrike" cap="none" spc="0">
+                        <a:solidFill>
+                          <a:schemeClr val="tx1"/>
+                        </a:solidFill>
+                        <a:latin typeface="Constantia"/>
+                        <a:cs typeface="Constantia"/>
                       </a:endParaRPr>
                     </a:p>
                   </a:txBody>
-                  <a:tcPr marL="47625" marR="9525" marT="9525" marB="9525" anchor="ctr"/>
+                  <a:tcPr anchor="ctr"/>
                 </a:tc>
               </a:tr>
-              <a:tr h="561235">
-                <a:tc>
-                  <a:txBody>
-                    <a:bodyPr/>
-                    <a:p>
-                      <a:pPr marL="0" marR="0">
-                        <a:lnSpc>
-                          <a:spcPct val="107000"/>
-                        </a:lnSpc>
-                        <a:spcBef>
-                          <a:spcPts val="0"/>
-                        </a:spcBef>
-                        <a:spcAft>
-                          <a:spcPts val="800"/>
-                        </a:spcAft>
-                        <a:defRPr/>
-                      </a:pPr>
-                      <a:r>
-                        <a:rPr lang="en-US" sz="2400"/>
-                        <a:t>Parentheses()</a:t>
-                      </a:r>
-                      <a:endParaRPr lang="en-US" sz="2400">
-                        <a:latin typeface="Calibri"/>
-                        <a:ea typeface="Calibri"/>
-                        <a:cs typeface="Times New Roman"/>
+              <a:tr h="796373">
+                <a:tc>
+                  <a:txBody>
+                    <a:bodyPr/>
+                    <a:p>
+                      <a:pPr marL="342900" indent="-342900" algn="l" defTabSz="1218987">
+                        <a:buFont typeface="Wingdings"/>
+                        <a:buChar char="Ø"/>
+                        <a:defRPr/>
+                      </a:pPr>
+                      <a:r>
+                        <a:rPr lang="en-US" sz="2800" b="0" i="0" u="none" strike="noStrike" cap="none" spc="0">
+                          <a:solidFill>
+                            <a:schemeClr val="tx1"/>
+                          </a:solidFill>
+                          <a:latin typeface="Constantia"/>
+                          <a:ea typeface="Verdana"/>
+                          <a:cs typeface="Constantia"/>
+                        </a:rPr>
+                        <a:t>Compound Assignment Operator</a:t>
+                      </a:r>
+                      <a:endParaRPr lang="en-US" sz="2800" b="0" i="0" u="none" strike="noStrike" cap="none" spc="0">
+                        <a:solidFill>
+                          <a:schemeClr val="tx1"/>
+                        </a:solidFill>
+                        <a:latin typeface="Constantia"/>
+                        <a:cs typeface="Constantia"/>
                       </a:endParaRPr>
                     </a:p>
                   </a:txBody>
-                  <a:tcPr marL="47625" marR="9525" marT="9525" marB="9525" anchor="ctr"/>
-                </a:tc>
-                <a:tc>
-                  <a:txBody>
-                    <a:bodyPr/>
-                    <a:p>
-                      <a:pPr marL="0" marR="0">
-                        <a:lnSpc>
-                          <a:spcPct val="107000"/>
-                        </a:lnSpc>
-                        <a:spcBef>
-                          <a:spcPts val="0"/>
-                        </a:spcBef>
-                        <a:spcAft>
-                          <a:spcPts val="800"/>
-                        </a:spcAft>
-                        <a:defRPr/>
-                      </a:pPr>
-                      <a:r>
-                        <a:rPr lang="en-US" sz="2400"/>
-                        <a:t>These indicate a function call along with function parameters</a:t>
-                      </a:r>
-                      <a:endParaRPr lang="en-US" sz="2400">
-                        <a:latin typeface="Calibri"/>
-                        <a:ea typeface="Calibri"/>
-                        <a:cs typeface="Times New Roman"/>
+                  <a:tcPr anchor="ctr"/>
+                </a:tc>
+                <a:tc>
+                  <a:txBody>
+                    <a:bodyPr/>
+                    <a:p>
+                      <a:pPr marL="342900" indent="-342900" algn="l" defTabSz="1218987">
+                        <a:buFont typeface="Wingdings"/>
+                        <a:buChar char="Ø"/>
+                        <a:defRPr/>
+                      </a:pPr>
+                      <a:r>
+                        <a:rPr lang="en-US" sz="2800" b="0" i="0" u="none" strike="noStrike" cap="none" spc="0">
+                          <a:solidFill>
+                            <a:schemeClr val="tx1"/>
+                          </a:solidFill>
+                          <a:latin typeface="Constantia"/>
+                          <a:ea typeface="Verdana"/>
+                          <a:cs typeface="Constantia"/>
+                        </a:rPr>
+                        <a:t>Conditional operators</a:t>
+                      </a:r>
+                      <a:endParaRPr lang="en-US" sz="2800" b="0" i="0" u="none" strike="noStrike" cap="none" spc="0">
+                        <a:solidFill>
+                          <a:schemeClr val="tx1"/>
+                        </a:solidFill>
+                        <a:latin typeface="Constantia"/>
+                        <a:cs typeface="Constantia"/>
                       </a:endParaRPr>
                     </a:p>
                   </a:txBody>
-                  <a:tcPr marL="47625" marR="9525" marT="9525" marB="9525" anchor="ctr"/>
+                  <a:tcPr anchor="ctr"/>
                 </a:tc>
               </a:tr>
-              <a:tr h="1077598">
-                <a:tc>
-                  <a:txBody>
-                    <a:bodyPr/>
-                    <a:p>
-                      <a:pPr marL="0" marR="0">
-                        <a:lnSpc>
-                          <a:spcPct val="107000"/>
-                        </a:lnSpc>
-                        <a:spcBef>
-                          <a:spcPts val="0"/>
-                        </a:spcBef>
-                        <a:spcAft>
-                          <a:spcPts val="800"/>
-                        </a:spcAft>
-                        <a:defRPr/>
-                      </a:pPr>
-                      <a:r>
-                        <a:rPr lang="en-US" sz="2400"/>
-                        <a:t>Braces{}</a:t>
-                      </a:r>
-                      <a:endParaRPr lang="en-US" sz="2400">
-                        <a:latin typeface="Calibri"/>
-                        <a:ea typeface="Calibri"/>
-                        <a:cs typeface="Times New Roman"/>
+              <a:tr h="796373">
+                <a:tc>
+                  <a:txBody>
+                    <a:bodyPr/>
+                    <a:p>
+                      <a:pPr marL="342900" indent="-342900" algn="l" defTabSz="1218987">
+                        <a:buFont typeface="Wingdings"/>
+                        <a:buChar char="Ø"/>
+                        <a:defRPr/>
+                      </a:pPr>
+                      <a:r>
+                        <a:rPr lang="en-US" sz="2800" b="0" i="0" u="none" strike="noStrike" cap="none" spc="0">
+                          <a:solidFill>
+                            <a:schemeClr val="tx1"/>
+                          </a:solidFill>
+                          <a:latin typeface="Constantia"/>
+                          <a:ea typeface="Verdana"/>
+                          <a:cs typeface="Constantia"/>
+                        </a:rPr>
+                        <a:t>Concatenating Operator</a:t>
+                      </a:r>
+                      <a:endParaRPr lang="en-US" sz="2800" b="0" i="0" u="none" strike="noStrike" cap="none" spc="0">
+                        <a:solidFill>
+                          <a:schemeClr val="tx1"/>
+                        </a:solidFill>
+                        <a:latin typeface="Constantia"/>
+                        <a:cs typeface="Constantia"/>
                       </a:endParaRPr>
                     </a:p>
                   </a:txBody>
-                  <a:tcPr marL="47625" marR="9525" marT="9525" marB="9525" anchor="ctr"/>
-                </a:tc>
-                <a:tc>
-                  <a:txBody>
-                    <a:bodyPr/>
-                    <a:p>
-                      <a:pPr marL="0" marR="0">
-                        <a:lnSpc>
-                          <a:spcPct val="107000"/>
-                        </a:lnSpc>
-                        <a:spcBef>
-                          <a:spcPts val="0"/>
-                        </a:spcBef>
-                        <a:spcAft>
-                          <a:spcPts val="800"/>
-                        </a:spcAft>
-                        <a:defRPr/>
-                      </a:pPr>
-                      <a:r>
-                        <a:rPr lang="en-US" sz="2400"/>
-                        <a:t>The opening and ending curly braces indicate the beginning and end of a block of code having more than one statement</a:t>
-                      </a:r>
-                      <a:endParaRPr lang="en-US" sz="2400">
-                        <a:latin typeface="Calibri"/>
-                        <a:ea typeface="Calibri"/>
-                        <a:cs typeface="Times New Roman"/>
+                  <a:tcPr anchor="ctr"/>
+                </a:tc>
+                <a:tc>
+                  <a:txBody>
+                    <a:bodyPr/>
+                    <a:p>
+                      <a:pPr marL="342900" indent="-342900" algn="l" defTabSz="1218987">
+                        <a:buFont typeface="Wingdings"/>
+                        <a:buChar char="Ø"/>
+                        <a:defRPr/>
+                      </a:pPr>
+                      <a:r>
+                        <a:rPr lang="en-US" sz="2800" b="0" i="0" u="none" strike="noStrike" cap="none" spc="0">
+                          <a:solidFill>
+                            <a:schemeClr val="tx1"/>
+                          </a:solidFill>
+                          <a:latin typeface="Constantia"/>
+                          <a:ea typeface="Verdana"/>
+                          <a:cs typeface="Constantia"/>
+                        </a:rPr>
+                        <a:t>Type Comparison Operator</a:t>
+                      </a:r>
+                      <a:endParaRPr lang="en-US" sz="2800" b="0" i="0" u="none" strike="noStrike" cap="none" spc="0">
+                        <a:solidFill>
+                          <a:schemeClr val="tx1"/>
+                        </a:solidFill>
+                        <a:latin typeface="Constantia"/>
+                        <a:cs typeface="Constantia"/>
                       </a:endParaRPr>
                     </a:p>
                   </a:txBody>
-                  <a:tcPr marL="47625" marR="9525" marT="9525" marB="9525" anchor="ctr"/>
+                  <a:tcPr anchor="ctr"/>
                 </a:tc>
               </a:tr>
-              <a:tr h="826448">
-                <a:tc>
-                  <a:txBody>
-                    <a:bodyPr/>
-                    <a:p>
-                      <a:pPr marL="0" marR="0">
-                        <a:lnSpc>
-                          <a:spcPct val="107000"/>
-                        </a:lnSpc>
-                        <a:spcBef>
-                          <a:spcPts val="0"/>
-                        </a:spcBef>
-                        <a:spcAft>
-                          <a:spcPts val="800"/>
-                        </a:spcAft>
-                        <a:defRPr/>
-                      </a:pPr>
-                      <a:r>
-                        <a:rPr lang="en-US" sz="2400"/>
-                        <a:t>Comma ( , )</a:t>
-                      </a:r>
-                      <a:endParaRPr lang="en-US" sz="2400">
-                        <a:latin typeface="Calibri"/>
-                        <a:ea typeface="Calibri"/>
-                        <a:cs typeface="Times New Roman"/>
+              <a:tr h="796373">
+                <a:tc gridSpan="2">
+                  <a:txBody>
+                    <a:bodyPr/>
+                    <a:p>
+                      <a:pPr marL="342900" indent="-342900" algn="ctr" defTabSz="1218987">
+                        <a:buFont typeface="Wingdings"/>
+                        <a:buChar char="Ø"/>
+                        <a:defRPr/>
+                      </a:pPr>
+                      <a:r>
+                        <a:rPr lang="en-US" sz="2800" b="0" i="0" u="none" strike="noStrike" cap="none" spc="0">
+                          <a:solidFill>
+                            <a:schemeClr val="tx1"/>
+                          </a:solidFill>
+                          <a:latin typeface="Constantia"/>
+                          <a:ea typeface="Verdana"/>
+                          <a:cs typeface="Constantia"/>
+                        </a:rPr>
+                        <a:t>Bitwise Operator</a:t>
+                      </a:r>
+                      <a:endParaRPr lang="en-US" sz="2800" b="0" i="0" u="none" strike="noStrike" cap="none" spc="0">
+                        <a:solidFill>
+                          <a:schemeClr val="tx1"/>
+                        </a:solidFill>
+                        <a:latin typeface="Constantia"/>
+                        <a:cs typeface="Constantia"/>
                       </a:endParaRPr>
                     </a:p>
-                  </a:txBody>
-                  <a:tcPr marL="47625" marR="9525" marT="9525" marB="9525" anchor="ctr"/>
-                </a:tc>
-                <a:tc>
-                  <a:txBody>
-                    <a:bodyPr/>
-                    <a:p>
-                      <a:pPr marL="0" marR="0">
-                        <a:lnSpc>
-                          <a:spcPct val="107000"/>
-                        </a:lnSpc>
-                        <a:spcBef>
-                          <a:spcPts val="0"/>
-                        </a:spcBef>
-                        <a:spcAft>
-                          <a:spcPts val="800"/>
-                        </a:spcAft>
-                        <a:defRPr/>
-                      </a:pPr>
-                      <a:r>
-                        <a:rPr lang="en-US" sz="2400"/>
-                        <a:t>This helps in separating more than one statement in an expression</a:t>
-                      </a:r>
-                      <a:endParaRPr lang="en-US" sz="2400">
-                        <a:latin typeface="Calibri"/>
-                        <a:ea typeface="Calibri"/>
-                        <a:cs typeface="Times New Roman"/>
+                    <a:p>
+                      <a:pPr marL="342900" indent="-342900" algn="ctr">
+                        <a:buFont typeface="Wingdings"/>
+                        <a:buChar char="Ø"/>
+                        <a:defRPr/>
+                      </a:pPr>
+                      <a:endParaRPr lang="en-US" sz="2000">
+                        <a:solidFill>
+                          <a:schemeClr val="tx1"/>
+                        </a:solidFill>
+                        <a:latin typeface="Verdana"/>
+                        <a:ea typeface="Verdana"/>
                       </a:endParaRPr>
                     </a:p>
                   </a:txBody>
-                  <a:tcPr marL="47625" marR="9525" marT="9525" marB="9525" anchor="ctr"/>
-                </a:tc>
-              </a:tr>
-              <a:tr h="561235">
-                <a:tc>
-                  <a:txBody>
-                    <a:bodyPr/>
-                    <a:p>
-                      <a:pPr marL="0" marR="0">
-                        <a:lnSpc>
-                          <a:spcPct val="107000"/>
-                        </a:lnSpc>
-                        <a:spcBef>
-                          <a:spcPts val="0"/>
-                        </a:spcBef>
-                        <a:spcAft>
-                          <a:spcPts val="800"/>
-                        </a:spcAft>
-                        <a:defRPr/>
-                      </a:pPr>
-                      <a:r>
-                        <a:rPr lang="en-US" sz="2400"/>
-                        <a:t>Semi-Colon (;)</a:t>
-                      </a:r>
-                      <a:endParaRPr lang="en-US" sz="2400">
-                        <a:latin typeface="Calibri"/>
-                        <a:ea typeface="Calibri"/>
-                        <a:cs typeface="Times New Roman"/>
-                      </a:endParaRPr>
-                    </a:p>
-                  </a:txBody>
-                  <a:tcPr marL="47625" marR="9525" marT="9525" marB="9525" anchor="ctr"/>
-                </a:tc>
-                <a:tc>
-                  <a:txBody>
-                    <a:bodyPr/>
-                    <a:p>
-                      <a:pPr marL="0" marR="0">
-                        <a:lnSpc>
-                          <a:spcPct val="107000"/>
-                        </a:lnSpc>
-                        <a:spcBef>
-                          <a:spcPts val="0"/>
-                        </a:spcBef>
-                        <a:spcAft>
-                          <a:spcPts val="800"/>
-                        </a:spcAft>
-                        <a:defRPr/>
-                      </a:pPr>
-                      <a:r>
-                        <a:rPr lang="en-US" sz="2400"/>
-                        <a:t>This is used to end any expression or statement</a:t>
-                      </a:r>
-                      <a:endParaRPr lang="en-US" sz="2400">
-                        <a:latin typeface="Calibri"/>
-                        <a:ea typeface="Calibri"/>
-                        <a:cs typeface="Times New Roman"/>
-                      </a:endParaRPr>
-                    </a:p>
-                  </a:txBody>
-                  <a:tcPr marL="47625" marR="9525" marT="9525" marB="9525" anchor="ctr"/>
-                </a:tc>
-              </a:tr>
-              <a:tr h="561235">
-                <a:tc>
-                  <a:txBody>
-                    <a:bodyPr/>
-                    <a:p>
-                      <a:pPr marL="0" marR="0">
-                        <a:lnSpc>
-                          <a:spcPct val="107000"/>
-                        </a:lnSpc>
-                        <a:spcBef>
-                          <a:spcPts val="0"/>
-                        </a:spcBef>
-                        <a:spcAft>
-                          <a:spcPts val="800"/>
-                        </a:spcAft>
-                        <a:defRPr/>
-                      </a:pPr>
-                      <a:endParaRPr lang="en-US" sz="2400">
-                        <a:latin typeface="Calibri"/>
-                        <a:ea typeface="Calibri"/>
-                        <a:cs typeface="Times New Roman"/>
-                      </a:endParaRPr>
-                    </a:p>
-                  </a:txBody>
-                  <a:tcPr marL="47625" marR="9525" marT="9525" marB="9525" anchor="ctr"/>
-                </a:tc>
-                <a:tc>
-                  <a:txBody>
-                    <a:bodyPr/>
-                    <a:p>
-                      <a:pPr marL="0" marR="0">
-                        <a:lnSpc>
-                          <a:spcPct val="107000"/>
-                        </a:lnSpc>
-                        <a:spcBef>
-                          <a:spcPts val="0"/>
-                        </a:spcBef>
-                        <a:spcAft>
-                          <a:spcPts val="800"/>
-                        </a:spcAft>
-                        <a:defRPr/>
-                      </a:pPr>
-                      <a:endParaRPr lang="en-US" sz="2400">
-                        <a:latin typeface="Calibri"/>
-                        <a:ea typeface="Calibri"/>
-                        <a:cs typeface="Times New Roman"/>
-                      </a:endParaRPr>
-                    </a:p>
-                  </a:txBody>
-                  <a:tcPr marL="47625" marR="9525" marT="9525" marB="9525" anchor="ctr"/>
+                  <a:tcPr anchor="ctr"/>
+                </a:tc>
+                <a:tc hMerge="1">
+                  <a:txBody>
+                    <a:bodyPr/>
+                    <a:p>
+                      <a:endParaRPr/>
+                    </a:p>
+                  </a:txBody>
                 </a:tc>
               </a:tr>
             </a:tbl>
@@ -5895,6 +5831,4823 @@
 </file>
 
 <file path=ppt/slides/slide11.xml><?xml version="1.0" encoding="utf-8"?>
+<p:sld xmlns:a="http://schemas.openxmlformats.org/drawingml/2006/main" xmlns:r="http://schemas.openxmlformats.org/officeDocument/2006/relationships" xmlns:p="http://schemas.openxmlformats.org/presentationml/2006/main" xmlns:m="http://schemas.openxmlformats.org/officeDocument/2006/math" xmlns:w="http://schemas.openxmlformats.org/wordprocessingml/2006/main" showMasterPhAnim="0" show="1">
+  <p:cSld name="">
+    <p:spTree>
+      <p:nvGrpSpPr>
+        <p:cNvPr id="1" name=""/>
+        <p:cNvGrpSpPr/>
+        <p:nvPr/>
+      </p:nvGrpSpPr>
+      <p:grpSpPr bwMode="auto">
+        <a:xfrm>
+          <a:off x="0" y="0"/>
+          <a:ext cx="0" cy="0"/>
+          <a:chOff x="0" y="0"/>
+          <a:chExt cx="0" cy="0"/>
+        </a:xfrm>
+      </p:grpSpPr>
+      <p:sp>
+        <p:nvSpPr>
+          <p:cNvPr id="397413870" name="Rectangle 2"/>
+          <p:cNvSpPr/>
+          <p:nvPr/>
+        </p:nvSpPr>
+        <p:spPr bwMode="auto">
+          <a:xfrm>
+            <a:off x="-32067" y="0"/>
+            <a:ext cx="9483750" cy="761999"/>
+          </a:xfrm>
+          <a:prstGeom prst="rect">
+            <a:avLst/>
+          </a:prstGeom>
+        </p:spPr>
+        <p:txBody>
+          <a:bodyPr vert="horz" lIns="121897" tIns="60948" rIns="121897" bIns="60948" rtlCol="0" anchor="b">
+            <a:noAutofit/>
+          </a:bodyPr>
+          <a:lstStyle/>
+          <a:p>
+            <a:pPr>
+              <a:defRPr/>
+            </a:pPr>
+            <a:r>
+              <a:rPr lang="en-US" sz="4000" b="1"/>
+              <a:t>Arithmetic Operators</a:t>
+            </a:r>
+            <a:endParaRPr/>
+          </a:p>
+        </p:txBody>
+      </p:sp>
+      <p:graphicFrame>
+        <p:nvGraphicFramePr>
+          <p:cNvPr id="2063286104" name="Table 6"/>
+          <p:cNvGraphicFramePr>
+            <a:graphicFrameLocks xmlns:a="http://schemas.openxmlformats.org/drawingml/2006/main"/>
+          </p:cNvGraphicFramePr>
+          <p:nvPr/>
+        </p:nvGraphicFramePr>
+        <p:xfrm>
+          <a:off x="196377" y="838198"/>
+          <a:ext cx="11041039" cy="5897880"/>
+        </p:xfrm>
+        <a:graphic>
+          <a:graphicData uri="http://schemas.openxmlformats.org/drawingml/2006/table">
+            <a:tbl>
+              <a:tblPr firstRow="1" firstCol="0" lastRow="0" lastCol="0" bandRow="1" bandCol="0">
+                <a:tableStyleId>{17292A2E-F333-43FB-9621-5CBBE7FDCDCB}</a:tableStyleId>
+              </a:tblPr>
+              <a:tblGrid>
+                <a:gridCol w="1989169"/>
+                <a:gridCol w="5696746"/>
+                <a:gridCol w="3842958"/>
+              </a:tblGrid>
+              <a:tr h="1669834">
+                <a:tc>
+                  <a:txBody>
+                    <a:bodyPr/>
+                    <a:p>
+                      <a:pPr algn="ctr">
+                        <a:defRPr/>
+                      </a:pPr>
+                      <a:r>
+                        <a:rPr lang="en-US"/>
+                        <a:t>Operator</a:t>
+                      </a:r>
+                      <a:endParaRPr/>
+                    </a:p>
+                  </a:txBody>
+                  <a:tcPr anchor="ctr"/>
+                </a:tc>
+                <a:tc>
+                  <a:txBody>
+                    <a:bodyPr/>
+                    <a:p>
+                      <a:pPr algn="ctr">
+                        <a:defRPr/>
+                      </a:pPr>
+                      <a:r>
+                        <a:rPr lang="en-US"/>
+                        <a:t>Description</a:t>
+                      </a:r>
+                      <a:endParaRPr/>
+                    </a:p>
+                  </a:txBody>
+                  <a:tcPr anchor="ctr"/>
+                </a:tc>
+                <a:tc>
+                  <a:txBody>
+                    <a:bodyPr/>
+                    <a:p>
+                      <a:pPr algn="ctr">
+                        <a:defRPr/>
+                      </a:pPr>
+                      <a:r>
+                        <a:rPr lang="en-US"/>
+                        <a:t>Example</a:t>
+                      </a:r>
+                      <a:endParaRPr/>
+                    </a:p>
+                    <a:p>
+                      <a:pPr algn="ctr">
+                        <a:defRPr/>
+                      </a:pPr>
+                      <a:r>
+                        <a:rPr lang="en-US"/>
+                        <a:t>(where a and b are variables with some integer value)</a:t>
+                      </a:r>
+                      <a:endParaRPr/>
+                    </a:p>
+                  </a:txBody>
+                  <a:tcPr anchor="ctr"/>
+                </a:tc>
+              </a:tr>
+              <a:tr h="500679">
+                <a:tc>
+                  <a:txBody>
+                    <a:bodyPr/>
+                    <a:p>
+                      <a:pPr algn="ctr">
+                        <a:defRPr/>
+                      </a:pPr>
+                      <a:r>
+                        <a:rPr lang="en-US"/>
+                        <a:t>+</a:t>
+                      </a:r>
+                      <a:endParaRPr/>
+                    </a:p>
+                  </a:txBody>
+                  <a:tcPr anchor="ctr"/>
+                </a:tc>
+                <a:tc>
+                  <a:txBody>
+                    <a:bodyPr/>
+                    <a:p>
+                      <a:pPr>
+                        <a:defRPr/>
+                      </a:pPr>
+                      <a:r>
+                        <a:rPr lang="en-US"/>
+                        <a:t>adds two operands (values)</a:t>
+                      </a:r>
+                      <a:endParaRPr/>
+                    </a:p>
+                  </a:txBody>
+                  <a:tcPr anchor="ctr"/>
+                </a:tc>
+                <a:tc>
+                  <a:txBody>
+                    <a:bodyPr/>
+                    <a:p>
+                      <a:pPr algn="ctr">
+                        <a:defRPr/>
+                      </a:pPr>
+                      <a:r>
+                        <a:rPr lang="en-US"/>
+                        <a:t>a+b</a:t>
+                      </a:r>
+                      <a:endParaRPr/>
+                    </a:p>
+                  </a:txBody>
+                  <a:tcPr anchor="ctr"/>
+                </a:tc>
+              </a:tr>
+              <a:tr h="500679">
+                <a:tc>
+                  <a:txBody>
+                    <a:bodyPr/>
+                    <a:p>
+                      <a:pPr algn="ctr">
+                        <a:defRPr/>
+                      </a:pPr>
+                      <a:r>
+                        <a:rPr lang="en-US"/>
+                        <a:t>-</a:t>
+                      </a:r>
+                      <a:endParaRPr/>
+                    </a:p>
+                  </a:txBody>
+                  <a:tcPr anchor="ctr"/>
+                </a:tc>
+                <a:tc>
+                  <a:txBody>
+                    <a:bodyPr/>
+                    <a:p>
+                      <a:pPr>
+                        <a:defRPr/>
+                      </a:pPr>
+                      <a:r>
+                        <a:rPr lang="en-US"/>
+                        <a:t>subtract second operands from first</a:t>
+                      </a:r>
+                      <a:endParaRPr/>
+                    </a:p>
+                  </a:txBody>
+                  <a:tcPr anchor="ctr"/>
+                </a:tc>
+                <a:tc>
+                  <a:txBody>
+                    <a:bodyPr/>
+                    <a:p>
+                      <a:pPr algn="ctr">
+                        <a:defRPr/>
+                      </a:pPr>
+                      <a:r>
+                        <a:rPr lang="en-US"/>
+                        <a:t>a-b</a:t>
+                      </a:r>
+                      <a:endParaRPr/>
+                    </a:p>
+                  </a:txBody>
+                  <a:tcPr anchor="ctr"/>
+                </a:tc>
+              </a:tr>
+              <a:tr h="500679">
+                <a:tc>
+                  <a:txBody>
+                    <a:bodyPr/>
+                    <a:p>
+                      <a:pPr algn="ctr">
+                        <a:defRPr/>
+                      </a:pPr>
+                      <a:r>
+                        <a:rPr lang="en-US"/>
+                        <a:t>*</a:t>
+                      </a:r>
+                      <a:endParaRPr/>
+                    </a:p>
+                  </a:txBody>
+                  <a:tcPr anchor="ctr"/>
+                </a:tc>
+                <a:tc>
+                  <a:txBody>
+                    <a:bodyPr/>
+                    <a:p>
+                      <a:pPr>
+                        <a:defRPr/>
+                      </a:pPr>
+                      <a:r>
+                        <a:rPr lang="en-US"/>
+                        <a:t>multiply two operands</a:t>
+                      </a:r>
+                      <a:endParaRPr/>
+                    </a:p>
+                  </a:txBody>
+                  <a:tcPr anchor="ctr"/>
+                </a:tc>
+                <a:tc>
+                  <a:txBody>
+                    <a:bodyPr/>
+                    <a:p>
+                      <a:pPr algn="ctr">
+                        <a:defRPr/>
+                      </a:pPr>
+                      <a:r>
+                        <a:rPr lang="en-US"/>
+                        <a:t>a*b</a:t>
+                      </a:r>
+                      <a:endParaRPr/>
+                    </a:p>
+                  </a:txBody>
+                  <a:tcPr anchor="ctr"/>
+                </a:tc>
+              </a:tr>
+              <a:tr h="1280116">
+                <a:tc>
+                  <a:txBody>
+                    <a:bodyPr/>
+                    <a:p>
+                      <a:pPr algn="ctr">
+                        <a:defRPr/>
+                      </a:pPr>
+                      <a:r>
+                        <a:rPr lang="en-US"/>
+                        <a:t>/</a:t>
+                      </a:r>
+                      <a:endParaRPr/>
+                    </a:p>
+                  </a:txBody>
+                  <a:tcPr anchor="ctr"/>
+                </a:tc>
+                <a:tc>
+                  <a:txBody>
+                    <a:bodyPr/>
+                    <a:p>
+                      <a:pPr>
+                        <a:defRPr/>
+                      </a:pPr>
+                      <a:r>
+                        <a:rPr lang="en-US"/>
+                        <a:t>divide numerator by the denominator, i.e. divide the operand on the left side with the operand on the right side</a:t>
+                      </a:r>
+                      <a:endParaRPr/>
+                    </a:p>
+                  </a:txBody>
+                  <a:tcPr anchor="ctr"/>
+                </a:tc>
+                <a:tc>
+                  <a:txBody>
+                    <a:bodyPr/>
+                    <a:p>
+                      <a:pPr algn="ctr">
+                        <a:defRPr/>
+                      </a:pPr>
+                      <a:r>
+                        <a:rPr lang="en-US"/>
+                        <a:t>a/b</a:t>
+                      </a:r>
+                      <a:endParaRPr/>
+                    </a:p>
+                  </a:txBody>
+                  <a:tcPr anchor="ctr"/>
+                </a:tc>
+              </a:tr>
+              <a:tr h="1280116">
+                <a:tc>
+                  <a:txBody>
+                    <a:bodyPr/>
+                    <a:p>
+                      <a:pPr algn="ctr">
+                        <a:defRPr/>
+                      </a:pPr>
+                      <a:r>
+                        <a:rPr lang="en-US"/>
+                        <a:t>%</a:t>
+                      </a:r>
+                      <a:endParaRPr/>
+                    </a:p>
+                  </a:txBody>
+                  <a:tcPr anchor="ctr"/>
+                </a:tc>
+                <a:tc>
+                  <a:txBody>
+                    <a:bodyPr/>
+                    <a:p>
+                      <a:pPr>
+                        <a:defRPr/>
+                      </a:pPr>
+                      <a:r>
+                        <a:rPr lang="en-US"/>
+                        <a:t>This is the </a:t>
+                      </a:r>
+                      <a:r>
+                        <a:rPr lang="en-US" b="1"/>
+                        <a:t>modulus operato</a:t>
+                      </a:r>
+                      <a:r>
+                        <a:rPr lang="en-US"/>
+                        <a:t>r, it returns the remainder of the division of two operands as the result</a:t>
+                      </a:r>
+                      <a:endParaRPr/>
+                    </a:p>
+                  </a:txBody>
+                  <a:tcPr anchor="ctr"/>
+                </a:tc>
+                <a:tc>
+                  <a:txBody>
+                    <a:bodyPr/>
+                    <a:p>
+                      <a:pPr algn="ctr">
+                        <a:defRPr/>
+                      </a:pPr>
+                      <a:r>
+                        <a:rPr lang="en-US"/>
+                        <a:t>a%b</a:t>
+                      </a:r>
+                      <a:endParaRPr lang="en-US"/>
+                    </a:p>
+                  </a:txBody>
+                  <a:tcPr anchor="ctr"/>
+                </a:tc>
+              </a:tr>
+            </a:tbl>
+          </a:graphicData>
+        </a:graphic>
+      </p:graphicFrame>
+    </p:spTree>
+  </p:cSld>
+  <p:clrMapOvr>
+    <a:masterClrMapping/>
+  </p:clrMapOvr>
+  <mc:AlternateContent xmlns:mc="http://schemas.openxmlformats.org/markup-compatibility/2006">
+    <mc:Choice xmlns:p14="http://schemas.microsoft.com/office/powerpoint/2010/main" Requires="p14">
+      <p:transition spd="med" p14:dur="700" advClick="1">
+        <p:fade thruBlk="0"/>
+      </p:transition>
+    </mc:Choice>
+    <mc:Fallback>
+      <p:transition spd="med" advClick="1">
+        <p:fade thruBlk="0"/>
+      </p:transition>
+    </mc:Fallback>
+  </mc:AlternateContent>
+</p:sld>
+</file>
+
+<file path=ppt/slides/slide12.xml><?xml version="1.0" encoding="utf-8"?>
+<p:sld xmlns:a="http://schemas.openxmlformats.org/drawingml/2006/main" xmlns:r="http://schemas.openxmlformats.org/officeDocument/2006/relationships" xmlns:p="http://schemas.openxmlformats.org/presentationml/2006/main" xmlns:m="http://schemas.openxmlformats.org/officeDocument/2006/math" xmlns:w="http://schemas.openxmlformats.org/wordprocessingml/2006/main" showMasterPhAnim="0" show="1">
+  <p:cSld name="">
+    <p:spTree>
+      <p:nvGrpSpPr>
+        <p:cNvPr id="1" name=""/>
+        <p:cNvGrpSpPr/>
+        <p:nvPr/>
+      </p:nvGrpSpPr>
+      <p:grpSpPr bwMode="auto">
+        <a:xfrm>
+          <a:off x="0" y="0"/>
+          <a:ext cx="0" cy="0"/>
+          <a:chOff x="0" y="0"/>
+          <a:chExt cx="0" cy="0"/>
+        </a:xfrm>
+      </p:grpSpPr>
+      <p:sp>
+        <p:nvSpPr>
+          <p:cNvPr id="803243756" name="Rectangle 2"/>
+          <p:cNvSpPr/>
+          <p:nvPr/>
+        </p:nvSpPr>
+        <p:spPr bwMode="auto">
+          <a:xfrm>
+            <a:off x="-77787" y="-464819"/>
+            <a:ext cx="12115800" cy="1303020"/>
+          </a:xfrm>
+          <a:prstGeom prst="rect">
+            <a:avLst/>
+          </a:prstGeom>
+        </p:spPr>
+        <p:txBody>
+          <a:bodyPr vert="horz" lIns="121897" tIns="60948" rIns="121897" bIns="60948" rtlCol="0" anchor="b">
+            <a:noAutofit/>
+          </a:bodyPr>
+          <a:lstStyle/>
+          <a:p>
+            <a:pPr>
+              <a:defRPr/>
+            </a:pPr>
+            <a:r>
+              <a:rPr lang="en-US" sz="4000" b="1"/>
+              <a:t>Assignment &amp; Compound Assignment operators</a:t>
+            </a:r>
+            <a:endParaRPr/>
+          </a:p>
+        </p:txBody>
+      </p:sp>
+      <p:graphicFrame>
+        <p:nvGraphicFramePr>
+          <p:cNvPr id="580212359" name="Table 6"/>
+          <p:cNvGraphicFramePr>
+            <a:graphicFrameLocks xmlns:a="http://schemas.openxmlformats.org/drawingml/2006/main"/>
+          </p:cNvGraphicFramePr>
+          <p:nvPr/>
+        </p:nvGraphicFramePr>
+        <p:xfrm>
+          <a:off x="313009" y="881483"/>
+          <a:ext cx="11041039" cy="5341619"/>
+        </p:xfrm>
+        <a:graphic>
+          <a:graphicData uri="http://schemas.openxmlformats.org/drawingml/2006/table">
+            <a:tbl>
+              <a:tblPr firstRow="1" firstCol="0" lastRow="0" lastCol="0" bandRow="1" bandCol="0">
+                <a:tableStyleId>{17292A2E-F333-43FB-9621-5CBBE7FDCDCB}</a:tableStyleId>
+              </a:tblPr>
+              <a:tblGrid>
+                <a:gridCol w="1996750"/>
+                <a:gridCol w="5718456"/>
+                <a:gridCol w="3857603"/>
+              </a:tblGrid>
+              <a:tr h="1838684">
+                <a:tc>
+                  <a:txBody>
+                    <a:bodyPr/>
+                    <a:p>
+                      <a:pPr algn="ctr">
+                        <a:defRPr/>
+                      </a:pPr>
+                      <a:r>
+                        <a:rPr lang="en-US"/>
+                        <a:t>Operator</a:t>
+                      </a:r>
+                      <a:endParaRPr/>
+                    </a:p>
+                  </a:txBody>
+                  <a:tcPr anchor="ctr"/>
+                </a:tc>
+                <a:tc>
+                  <a:txBody>
+                    <a:bodyPr/>
+                    <a:p>
+                      <a:pPr algn="ctr">
+                        <a:defRPr/>
+                      </a:pPr>
+                      <a:r>
+                        <a:rPr lang="en-US"/>
+                        <a:t>Description</a:t>
+                      </a:r>
+                      <a:endParaRPr/>
+                    </a:p>
+                  </a:txBody>
+                  <a:tcPr anchor="ctr"/>
+                </a:tc>
+                <a:tc>
+                  <a:txBody>
+                    <a:bodyPr/>
+                    <a:p>
+                      <a:pPr algn="ctr">
+                        <a:defRPr/>
+                      </a:pPr>
+                      <a:r>
+                        <a:rPr lang="en-US"/>
+                        <a:t>Example</a:t>
+                      </a:r>
+                      <a:endParaRPr/>
+                    </a:p>
+                    <a:p>
+                      <a:pPr algn="ctr">
+                        <a:defRPr/>
+                      </a:pPr>
+                      <a:r>
+                        <a:rPr lang="en-US"/>
+                        <a:t>(a and b are two variables, with where a=10 and b=5)</a:t>
+                      </a:r>
+                      <a:endParaRPr/>
+                    </a:p>
+                  </a:txBody>
+                  <a:tcPr anchor="ctr"/>
+                </a:tc>
+              </a:tr>
+              <a:tr h="986833">
+                <a:tc>
+                  <a:txBody>
+                    <a:bodyPr/>
+                    <a:p>
+                      <a:pPr algn="ctr">
+                        <a:defRPr/>
+                      </a:pPr>
+                      <a:r>
+                        <a:rPr lang="en-US"/>
+                        <a:t>=</a:t>
+                      </a:r>
+                      <a:endParaRPr/>
+                    </a:p>
+                  </a:txBody>
+                  <a:tcPr anchor="ctr"/>
+                </a:tc>
+                <a:tc>
+                  <a:txBody>
+                    <a:bodyPr/>
+                    <a:p>
+                      <a:pPr>
+                        <a:defRPr/>
+                      </a:pPr>
+                      <a:r>
+                        <a:rPr lang="en-US"/>
+                        <a:t>assigns values from right side operand to left side operand</a:t>
+                      </a:r>
+                      <a:endParaRPr/>
+                    </a:p>
+                  </a:txBody>
+                  <a:tcPr anchor="ctr"/>
+                </a:tc>
+                <a:tc>
+                  <a:txBody>
+                    <a:bodyPr/>
+                    <a:p>
+                      <a:pPr algn="ctr">
+                        <a:defRPr/>
+                      </a:pPr>
+                      <a:r>
+                        <a:rPr lang="en-US"/>
+                        <a:t>a=b, a gets value 5</a:t>
+                      </a:r>
+                      <a:endParaRPr/>
+                    </a:p>
+                  </a:txBody>
+                  <a:tcPr anchor="ctr"/>
+                </a:tc>
+              </a:tr>
+              <a:tr h="986833">
+                <a:tc>
+                  <a:txBody>
+                    <a:bodyPr/>
+                    <a:p>
+                      <a:pPr algn="ctr">
+                        <a:defRPr/>
+                      </a:pPr>
+                      <a:r>
+                        <a:rPr lang="en-US"/>
+                        <a:t>+=</a:t>
+                      </a:r>
+                      <a:endParaRPr/>
+                    </a:p>
+                  </a:txBody>
+                  <a:tcPr anchor="ctr"/>
+                </a:tc>
+                <a:tc>
+                  <a:txBody>
+                    <a:bodyPr/>
+                    <a:p>
+                      <a:pPr>
+                        <a:defRPr/>
+                      </a:pPr>
+                      <a:r>
+                        <a:rPr lang="en-US"/>
+                        <a:t>adds right operand to the left operand and assign the result to left operand</a:t>
+                      </a:r>
+                      <a:endParaRPr/>
+                    </a:p>
+                  </a:txBody>
+                  <a:tcPr anchor="ctr"/>
+                </a:tc>
+                <a:tc>
+                  <a:txBody>
+                    <a:bodyPr/>
+                    <a:p>
+                      <a:pPr algn="ctr">
+                        <a:defRPr/>
+                      </a:pPr>
+                      <a:r>
+                        <a:rPr lang="en-US"/>
+                        <a:t>a+=b, is same as a=a+b, value of a becomes 15</a:t>
+                      </a:r>
+                      <a:endParaRPr/>
+                    </a:p>
+                  </a:txBody>
+                  <a:tcPr anchor="ctr"/>
+                </a:tc>
+              </a:tr>
+              <a:tr h="1412758">
+                <a:tc>
+                  <a:txBody>
+                    <a:bodyPr/>
+                    <a:p>
+                      <a:pPr algn="ctr">
+                        <a:defRPr/>
+                      </a:pPr>
+                      <a:r>
+                        <a:rPr lang="en-US"/>
+                        <a:t>-=</a:t>
+                      </a:r>
+                      <a:endParaRPr/>
+                    </a:p>
+                  </a:txBody>
+                  <a:tcPr anchor="ctr"/>
+                </a:tc>
+                <a:tc>
+                  <a:txBody>
+                    <a:bodyPr/>
+                    <a:p>
+                      <a:pPr>
+                        <a:defRPr/>
+                      </a:pPr>
+                      <a:r>
+                        <a:rPr lang="en-US"/>
+                        <a:t>subtracts right operand from the left operand and assign the result to left operand</a:t>
+                      </a:r>
+                      <a:endParaRPr/>
+                    </a:p>
+                  </a:txBody>
+                  <a:tcPr anchor="ctr"/>
+                </a:tc>
+                <a:tc>
+                  <a:txBody>
+                    <a:bodyPr/>
+                    <a:p>
+                      <a:pPr algn="ctr">
+                        <a:defRPr/>
+                      </a:pPr>
+                      <a:r>
+                        <a:rPr lang="en-US"/>
+                        <a:t>a-=b, is same as a=a-b, value of a becomes 5</a:t>
+                      </a:r>
+                      <a:endParaRPr/>
+                    </a:p>
+                  </a:txBody>
+                  <a:tcPr anchor="ctr"/>
+                </a:tc>
+              </a:tr>
+              <a:tr h="560907">
+                <a:tc>
+                  <a:txBody>
+                    <a:bodyPr/>
+                    <a:p>
+                      <a:pPr>
+                        <a:defRPr/>
+                      </a:pPr>
+                      <a:endParaRPr lang="en-US"/>
+                    </a:p>
+                  </a:txBody>
+                  <a:tcPr anchor="ctr"/>
+                </a:tc>
+                <a:tc>
+                  <a:txBody>
+                    <a:bodyPr/>
+                    <a:p>
+                      <a:pPr>
+                        <a:defRPr/>
+                      </a:pPr>
+                      <a:endParaRPr lang="en-US"/>
+                    </a:p>
+                  </a:txBody>
+                  <a:tcPr anchor="ctr"/>
+                </a:tc>
+                <a:tc>
+                  <a:txBody>
+                    <a:bodyPr/>
+                    <a:p>
+                      <a:pPr>
+                        <a:defRPr/>
+                      </a:pPr>
+                      <a:endParaRPr lang="en-US"/>
+                    </a:p>
+                  </a:txBody>
+                  <a:tcPr anchor="ctr"/>
+                </a:tc>
+              </a:tr>
+            </a:tbl>
+          </a:graphicData>
+        </a:graphic>
+      </p:graphicFrame>
+    </p:spTree>
+  </p:cSld>
+  <p:clrMapOvr>
+    <a:masterClrMapping/>
+  </p:clrMapOvr>
+  <mc:AlternateContent xmlns:mc="http://schemas.openxmlformats.org/markup-compatibility/2006">
+    <mc:Choice xmlns:p14="http://schemas.microsoft.com/office/powerpoint/2010/main" Requires="p14">
+      <p:transition spd="med" p14:dur="700" advClick="1">
+        <p:fade thruBlk="0"/>
+      </p:transition>
+    </mc:Choice>
+    <mc:Fallback>
+      <p:transition spd="med" advClick="1">
+        <p:fade thruBlk="0"/>
+      </p:transition>
+    </mc:Fallback>
+  </mc:AlternateContent>
+</p:sld>
+</file>
+
+<file path=ppt/slides/slide13.xml><?xml version="1.0" encoding="utf-8"?>
+<p:sld xmlns:a="http://schemas.openxmlformats.org/drawingml/2006/main" xmlns:r="http://schemas.openxmlformats.org/officeDocument/2006/relationships" xmlns:p="http://schemas.openxmlformats.org/presentationml/2006/main" xmlns:m="http://schemas.openxmlformats.org/officeDocument/2006/math" xmlns:w="http://schemas.openxmlformats.org/wordprocessingml/2006/main" showMasterPhAnim="0" show="1">
+  <p:cSld name="">
+    <p:spTree>
+      <p:nvGrpSpPr>
+        <p:cNvPr id="1" name=""/>
+        <p:cNvGrpSpPr/>
+        <p:nvPr/>
+      </p:nvGrpSpPr>
+      <p:grpSpPr bwMode="auto">
+        <a:xfrm>
+          <a:off x="0" y="0"/>
+          <a:ext cx="0" cy="0"/>
+          <a:chOff x="0" y="0"/>
+          <a:chExt cx="0" cy="0"/>
+        </a:xfrm>
+      </p:grpSpPr>
+      <p:graphicFrame>
+        <p:nvGraphicFramePr>
+          <p:cNvPr id="390623175" name="Table 6"/>
+          <p:cNvGraphicFramePr>
+            <a:graphicFrameLocks xmlns:a="http://schemas.openxmlformats.org/drawingml/2006/main"/>
+          </p:cNvGraphicFramePr>
+          <p:nvPr/>
+        </p:nvGraphicFramePr>
+        <p:xfrm>
+          <a:off x="157500" y="825498"/>
+          <a:ext cx="11041039" cy="5707379"/>
+        </p:xfrm>
+        <a:graphic>
+          <a:graphicData uri="http://schemas.openxmlformats.org/drawingml/2006/table">
+            <a:tbl>
+              <a:tblPr firstRow="1" firstCol="0" lastRow="0" lastCol="0" bandRow="1" bandCol="0">
+                <a:tableStyleId>{17292A2E-F333-43FB-9621-5CBBE7FDCDCB}</a:tableStyleId>
+              </a:tblPr>
+              <a:tblGrid>
+                <a:gridCol w="2047649"/>
+                <a:gridCol w="5864225"/>
+                <a:gridCol w="3955937"/>
+              </a:tblGrid>
+              <a:tr h="1746576">
+                <a:tc>
+                  <a:txBody>
+                    <a:bodyPr/>
+                    <a:p>
+                      <a:pPr algn="ctr">
+                        <a:defRPr/>
+                      </a:pPr>
+                      <a:r>
+                        <a:rPr lang="en-US"/>
+                        <a:t>Operator</a:t>
+                      </a:r>
+                      <a:endParaRPr/>
+                    </a:p>
+                  </a:txBody>
+                  <a:tcPr anchor="ctr"/>
+                </a:tc>
+                <a:tc>
+                  <a:txBody>
+                    <a:bodyPr/>
+                    <a:p>
+                      <a:pPr algn="ctr">
+                        <a:defRPr/>
+                      </a:pPr>
+                      <a:r>
+                        <a:rPr lang="en-US"/>
+                        <a:t>Description</a:t>
+                      </a:r>
+                      <a:endParaRPr/>
+                    </a:p>
+                  </a:txBody>
+                  <a:tcPr anchor="ctr"/>
+                </a:tc>
+                <a:tc>
+                  <a:txBody>
+                    <a:bodyPr/>
+                    <a:p>
+                      <a:pPr algn="ctr">
+                        <a:defRPr/>
+                      </a:pPr>
+                      <a:r>
+                        <a:rPr lang="en-US"/>
+                        <a:t>Example</a:t>
+                      </a:r>
+                      <a:endParaRPr/>
+                    </a:p>
+                    <a:p>
+                      <a:pPr algn="ctr">
+                        <a:defRPr/>
+                      </a:pPr>
+                      <a:r>
+                        <a:rPr lang="en-US"/>
+                        <a:t>(a and b are two variables, with where a=10 and b=5)</a:t>
+                      </a:r>
+                      <a:endParaRPr/>
+                    </a:p>
+                  </a:txBody>
+                  <a:tcPr anchor="ctr"/>
+                </a:tc>
+              </a:tr>
+              <a:tr h="1341924">
+                <a:tc>
+                  <a:txBody>
+                    <a:bodyPr/>
+                    <a:p>
+                      <a:pPr algn="ctr">
+                        <a:defRPr/>
+                      </a:pPr>
+                      <a:r>
+                        <a:rPr lang="en-US"/>
+                        <a:t>*=</a:t>
+                      </a:r>
+                      <a:endParaRPr/>
+                    </a:p>
+                  </a:txBody>
+                  <a:tcPr anchor="ctr"/>
+                </a:tc>
+                <a:tc>
+                  <a:txBody>
+                    <a:bodyPr/>
+                    <a:p>
+                      <a:pPr>
+                        <a:defRPr/>
+                      </a:pPr>
+                      <a:r>
+                        <a:rPr lang="en-US"/>
+                        <a:t>mutiply</a:t>
+                      </a:r>
+                      <a:r>
+                        <a:rPr lang="en-US"/>
+                        <a:t> left operand with the right operand and assign the result to left operand</a:t>
+                      </a:r>
+                      <a:endParaRPr/>
+                    </a:p>
+                  </a:txBody>
+                  <a:tcPr anchor="ctr"/>
+                </a:tc>
+                <a:tc>
+                  <a:txBody>
+                    <a:bodyPr/>
+                    <a:p>
+                      <a:pPr algn="ctr">
+                        <a:defRPr/>
+                      </a:pPr>
+                      <a:r>
+                        <a:rPr lang="en-US"/>
+                        <a:t>a*=b, is same as a=a*b, value of a becomes 50</a:t>
+                      </a:r>
+                      <a:endParaRPr/>
+                    </a:p>
+                  </a:txBody>
+                  <a:tcPr anchor="ctr"/>
+                </a:tc>
+              </a:tr>
+              <a:tr h="1341924">
+                <a:tc>
+                  <a:txBody>
+                    <a:bodyPr/>
+                    <a:p>
+                      <a:pPr algn="ctr">
+                        <a:defRPr/>
+                      </a:pPr>
+                      <a:r>
+                        <a:rPr lang="en-US"/>
+                        <a:t>/=</a:t>
+                      </a:r>
+                      <a:endParaRPr/>
+                    </a:p>
+                  </a:txBody>
+                  <a:tcPr anchor="ctr"/>
+                </a:tc>
+                <a:tc>
+                  <a:txBody>
+                    <a:bodyPr/>
+                    <a:p>
+                      <a:pPr>
+                        <a:defRPr/>
+                      </a:pPr>
+                      <a:r>
+                        <a:rPr lang="en-US"/>
+                        <a:t>divides left operand with the right operand and assign the result to left operand</a:t>
+                      </a:r>
+                      <a:endParaRPr/>
+                    </a:p>
+                  </a:txBody>
+                  <a:tcPr anchor="ctr"/>
+                </a:tc>
+                <a:tc>
+                  <a:txBody>
+                    <a:bodyPr/>
+                    <a:p>
+                      <a:pPr algn="ctr">
+                        <a:defRPr/>
+                      </a:pPr>
+                      <a:r>
+                        <a:rPr lang="en-US"/>
+                        <a:t>a/=b, is same as a=a/b, value of a becomes 2</a:t>
+                      </a:r>
+                      <a:endParaRPr/>
+                    </a:p>
+                  </a:txBody>
+                  <a:tcPr anchor="ctr"/>
+                </a:tc>
+              </a:tr>
+              <a:tr h="937272">
+                <a:tc>
+                  <a:txBody>
+                    <a:bodyPr/>
+                    <a:p>
+                      <a:pPr algn="ctr">
+                        <a:defRPr/>
+                      </a:pPr>
+                      <a:r>
+                        <a:rPr lang="en-US"/>
+                        <a:t>%=</a:t>
+                      </a:r>
+                      <a:endParaRPr/>
+                    </a:p>
+                  </a:txBody>
+                  <a:tcPr anchor="ctr"/>
+                </a:tc>
+                <a:tc>
+                  <a:txBody>
+                    <a:bodyPr/>
+                    <a:p>
+                      <a:pPr>
+                        <a:defRPr/>
+                      </a:pPr>
+                      <a:r>
+                        <a:rPr lang="en-US"/>
+                        <a:t>calculate modulus using two operands and assign the result to left operand</a:t>
+                      </a:r>
+                      <a:endParaRPr/>
+                    </a:p>
+                  </a:txBody>
+                  <a:tcPr anchor="ctr"/>
+                </a:tc>
+                <a:tc>
+                  <a:txBody>
+                    <a:bodyPr/>
+                    <a:p>
+                      <a:pPr algn="ctr">
+                        <a:defRPr/>
+                      </a:pPr>
+                      <a:r>
+                        <a:rPr lang="en-US"/>
+                        <a:t>a%=b, is same as a=</a:t>
+                      </a:r>
+                      <a:r>
+                        <a:rPr lang="en-US"/>
+                        <a:t>a%b</a:t>
+                      </a:r>
+                      <a:r>
+                        <a:rPr lang="en-US"/>
+                        <a:t>, value of a becomes 0</a:t>
+                      </a:r>
+                      <a:endParaRPr/>
+                    </a:p>
+                  </a:txBody>
+                  <a:tcPr anchor="ctr"/>
+                </a:tc>
+              </a:tr>
+              <a:tr h="532620">
+                <a:tc>
+                  <a:txBody>
+                    <a:bodyPr/>
+                    <a:p>
+                      <a:pPr>
+                        <a:defRPr/>
+                      </a:pPr>
+                      <a:endParaRPr lang="en-US"/>
+                    </a:p>
+                  </a:txBody>
+                  <a:tcPr anchor="ctr"/>
+                </a:tc>
+                <a:tc>
+                  <a:txBody>
+                    <a:bodyPr/>
+                    <a:p>
+                      <a:pPr>
+                        <a:defRPr/>
+                      </a:pPr>
+                      <a:endParaRPr lang="en-US"/>
+                    </a:p>
+                  </a:txBody>
+                  <a:tcPr anchor="ctr"/>
+                </a:tc>
+                <a:tc>
+                  <a:txBody>
+                    <a:bodyPr/>
+                    <a:p>
+                      <a:pPr>
+                        <a:defRPr/>
+                      </a:pPr>
+                      <a:endParaRPr lang="en-US"/>
+                    </a:p>
+                  </a:txBody>
+                  <a:tcPr anchor="ctr"/>
+                </a:tc>
+              </a:tr>
+            </a:tbl>
+          </a:graphicData>
+        </a:graphic>
+      </p:graphicFrame>
+      <p:sp>
+        <p:nvSpPr>
+          <p:cNvPr id="1669432000" name="Rectangle 3"/>
+          <p:cNvSpPr/>
+          <p:nvPr/>
+        </p:nvSpPr>
+        <p:spPr bwMode="auto">
+          <a:xfrm>
+            <a:off x="-77787" y="-464819"/>
+            <a:ext cx="12115800" cy="1303020"/>
+          </a:xfrm>
+          <a:prstGeom prst="rect">
+            <a:avLst/>
+          </a:prstGeom>
+        </p:spPr>
+        <p:txBody>
+          <a:bodyPr vert="horz" lIns="121897" tIns="60948" rIns="121897" bIns="60948" rtlCol="0" anchor="b">
+            <a:noAutofit/>
+          </a:bodyPr>
+          <a:lstStyle/>
+          <a:p>
+            <a:pPr>
+              <a:defRPr/>
+            </a:pPr>
+            <a:r>
+              <a:rPr lang="en-US" sz="4000" b="1"/>
+              <a:t>Assignment &amp; Compound Assignment operators</a:t>
+            </a:r>
+            <a:endParaRPr/>
+          </a:p>
+        </p:txBody>
+      </p:sp>
+    </p:spTree>
+  </p:cSld>
+  <p:clrMapOvr>
+    <a:masterClrMapping/>
+  </p:clrMapOvr>
+  <mc:AlternateContent xmlns:mc="http://schemas.openxmlformats.org/markup-compatibility/2006">
+    <mc:Choice xmlns:p14="http://schemas.microsoft.com/office/powerpoint/2010/main" Requires="p14">
+      <p:transition spd="med" p14:dur="700" advClick="1">
+        <p:fade thruBlk="0"/>
+      </p:transition>
+    </mc:Choice>
+    <mc:Fallback>
+      <p:transition spd="med" advClick="1">
+        <p:fade thruBlk="0"/>
+      </p:transition>
+    </mc:Fallback>
+  </mc:AlternateContent>
+</p:sld>
+</file>
+
+<file path=ppt/slides/slide14.xml><?xml version="1.0" encoding="utf-8"?>
+<p:sld xmlns:a="http://schemas.openxmlformats.org/drawingml/2006/main" xmlns:r="http://schemas.openxmlformats.org/officeDocument/2006/relationships" xmlns:p="http://schemas.openxmlformats.org/presentationml/2006/main" xmlns:m="http://schemas.openxmlformats.org/officeDocument/2006/math" xmlns:w="http://schemas.openxmlformats.org/wordprocessingml/2006/main" showMasterPhAnim="0" show="1">
+  <p:cSld name="">
+    <p:spTree>
+      <p:nvGrpSpPr>
+        <p:cNvPr id="1" name=""/>
+        <p:cNvGrpSpPr/>
+        <p:nvPr/>
+      </p:nvGrpSpPr>
+      <p:grpSpPr bwMode="auto">
+        <a:xfrm>
+          <a:off x="0" y="0"/>
+          <a:ext cx="0" cy="0"/>
+          <a:chOff x="0" y="0"/>
+          <a:chExt cx="0" cy="0"/>
+        </a:xfrm>
+      </p:grpSpPr>
+      <p:graphicFrame>
+        <p:nvGraphicFramePr>
+          <p:cNvPr id="1725449779" name="Table 6"/>
+          <p:cNvGraphicFramePr>
+            <a:graphicFrameLocks xmlns:a="http://schemas.openxmlformats.org/drawingml/2006/main"/>
+          </p:cNvGraphicFramePr>
+          <p:nvPr/>
+        </p:nvGraphicFramePr>
+        <p:xfrm>
+          <a:off x="274132" y="1523999"/>
+          <a:ext cx="11041039" cy="3131820"/>
+        </p:xfrm>
+        <a:graphic>
+          <a:graphicData uri="http://schemas.openxmlformats.org/drawingml/2006/table">
+            <a:tbl>
+              <a:tblPr firstRow="1" firstCol="0" lastRow="0" lastCol="0" bandRow="1" bandCol="0">
+                <a:tableStyleId>{17292A2E-F333-43FB-9621-5CBBE7FDCDCB}</a:tableStyleId>
+              </a:tblPr>
+              <a:tblGrid>
+                <a:gridCol w="1956719"/>
+                <a:gridCol w="5603812"/>
+                <a:gridCol w="3780266"/>
+              </a:tblGrid>
+              <a:tr h="2045399">
+                <a:tc>
+                  <a:txBody>
+                    <a:bodyPr/>
+                    <a:p>
+                      <a:pPr algn="ctr">
+                        <a:defRPr/>
+                      </a:pPr>
+                      <a:r>
+                        <a:rPr lang="en-US"/>
+                        <a:t>Operator</a:t>
+                      </a:r>
+                      <a:endParaRPr/>
+                    </a:p>
+                  </a:txBody>
+                  <a:tcPr anchor="ctr"/>
+                </a:tc>
+                <a:tc>
+                  <a:txBody>
+                    <a:bodyPr/>
+                    <a:p>
+                      <a:pPr algn="ctr">
+                        <a:defRPr/>
+                      </a:pPr>
+                      <a:r>
+                        <a:rPr lang="en-US"/>
+                        <a:t>Description</a:t>
+                      </a:r>
+                      <a:endParaRPr/>
+                    </a:p>
+                  </a:txBody>
+                  <a:tcPr anchor="ctr"/>
+                </a:tc>
+                <a:tc>
+                  <a:txBody>
+                    <a:bodyPr/>
+                    <a:p>
+                      <a:pPr algn="ctr">
+                        <a:defRPr/>
+                      </a:pPr>
+                      <a:r>
+                        <a:rPr lang="en-US"/>
+                        <a:t>Example</a:t>
+                      </a:r>
+                      <a:endParaRPr/>
+                    </a:p>
+                    <a:p>
+                      <a:pPr algn="ctr">
+                        <a:defRPr/>
+                      </a:pPr>
+                      <a:r>
+                        <a:rPr lang="en-US"/>
+                        <a:t>(a and b are two variables  String </a:t>
+                      </a:r>
+                      <a:r>
+                        <a:rPr lang="en-US"/>
+                        <a:t>typea</a:t>
+                      </a:r>
+                      <a:r>
+                        <a:rPr lang="en-US"/>
+                        <a:t>)</a:t>
+                      </a:r>
+                      <a:endParaRPr/>
+                    </a:p>
+                  </a:txBody>
+                  <a:tcPr anchor="ctr"/>
+                </a:tc>
+              </a:tr>
+              <a:tr h="2045399">
+                <a:tc>
+                  <a:txBody>
+                    <a:bodyPr/>
+                    <a:p>
+                      <a:pPr algn="ctr">
+                        <a:defRPr/>
+                      </a:pPr>
+                      <a:r>
+                        <a:rPr lang="en-US"/>
+                        <a:t>+</a:t>
+                      </a:r>
+                      <a:endParaRPr/>
+                    </a:p>
+                  </a:txBody>
+                  <a:tcPr anchor="ctr"/>
+                </a:tc>
+                <a:tc>
+                  <a:txBody>
+                    <a:bodyPr/>
+                    <a:p>
+                      <a:pPr>
+                        <a:defRPr/>
+                      </a:pPr>
+                      <a:r>
+                        <a:rPr lang="en-US" sz="2400" b="0" i="0">
+                          <a:solidFill>
+                            <a:schemeClr val="dk1"/>
+                          </a:solidFill>
+                          <a:latin typeface="Constantia"/>
+                          <a:ea typeface="Arial"/>
+                          <a:cs typeface="Arial"/>
+                        </a:rPr>
+                        <a:t>concatenation operator (+) is used to combine two string values to create one new string</a:t>
+                      </a:r>
+                      <a:endParaRPr lang="en-US"/>
+                    </a:p>
+                  </a:txBody>
+                  <a:tcPr anchor="ctr"/>
+                </a:tc>
+                <a:tc>
+                  <a:txBody>
+                    <a:bodyPr/>
+                    <a:p>
+                      <a:pPr algn="ctr">
+                        <a:defRPr/>
+                      </a:pPr>
+                      <a:r>
+                        <a:rPr lang="en-US"/>
+                        <a:t>a=b+123</a:t>
+                      </a:r>
+                      <a:endParaRPr/>
+                    </a:p>
+                  </a:txBody>
+                  <a:tcPr anchor="ctr"/>
+                </a:tc>
+              </a:tr>
+              <a:tr h="799997">
+                <a:tc>
+                  <a:txBody>
+                    <a:bodyPr/>
+                    <a:p>
+                      <a:pPr>
+                        <a:defRPr/>
+                      </a:pPr>
+                      <a:endParaRPr lang="en-US"/>
+                    </a:p>
+                  </a:txBody>
+                  <a:tcPr anchor="ctr"/>
+                </a:tc>
+                <a:tc>
+                  <a:txBody>
+                    <a:bodyPr/>
+                    <a:p>
+                      <a:pPr>
+                        <a:defRPr/>
+                      </a:pPr>
+                      <a:endParaRPr lang="en-US"/>
+                    </a:p>
+                  </a:txBody>
+                  <a:tcPr anchor="ctr"/>
+                </a:tc>
+                <a:tc>
+                  <a:txBody>
+                    <a:bodyPr/>
+                    <a:p>
+                      <a:pPr>
+                        <a:defRPr/>
+                      </a:pPr>
+                      <a:endParaRPr lang="en-US"/>
+                    </a:p>
+                  </a:txBody>
+                  <a:tcPr anchor="ctr"/>
+                </a:tc>
+              </a:tr>
+            </a:tbl>
+          </a:graphicData>
+        </a:graphic>
+      </p:graphicFrame>
+      <p:sp>
+        <p:nvSpPr>
+          <p:cNvPr id="94739311" name="Rectangle 3"/>
+          <p:cNvSpPr/>
+          <p:nvPr/>
+        </p:nvSpPr>
+        <p:spPr bwMode="auto">
+          <a:xfrm>
+            <a:off x="-77787" y="-464819"/>
+            <a:ext cx="12115800" cy="1303020"/>
+          </a:xfrm>
+          <a:prstGeom prst="rect">
+            <a:avLst/>
+          </a:prstGeom>
+        </p:spPr>
+        <p:txBody>
+          <a:bodyPr vert="horz" lIns="121897" tIns="60948" rIns="121897" bIns="60948" rtlCol="0" anchor="b">
+            <a:noAutofit/>
+          </a:bodyPr>
+          <a:lstStyle/>
+          <a:p>
+            <a:pPr>
+              <a:defRPr/>
+            </a:pPr>
+            <a:r>
+              <a:rPr lang="en-US" sz="4000" b="1"/>
+              <a:t>Concatenating operator</a:t>
+            </a:r>
+            <a:endParaRPr/>
+          </a:p>
+        </p:txBody>
+      </p:sp>
+    </p:spTree>
+  </p:cSld>
+  <p:clrMapOvr>
+    <a:masterClrMapping/>
+  </p:clrMapOvr>
+  <mc:AlternateContent xmlns:mc="http://schemas.openxmlformats.org/markup-compatibility/2006">
+    <mc:Choice xmlns:p14="http://schemas.microsoft.com/office/powerpoint/2010/main" Requires="p14">
+      <p:transition spd="med" p14:dur="700" advClick="1">
+        <p:fade thruBlk="0"/>
+      </p:transition>
+    </mc:Choice>
+    <mc:Fallback>
+      <p:transition spd="med" advClick="1">
+        <p:fade thruBlk="0"/>
+      </p:transition>
+    </mc:Fallback>
+  </mc:AlternateContent>
+</p:sld>
+</file>
+
+<file path=ppt/slides/slide15.xml><?xml version="1.0" encoding="utf-8"?>
+<p:sld xmlns:a="http://schemas.openxmlformats.org/drawingml/2006/main" xmlns:r="http://schemas.openxmlformats.org/officeDocument/2006/relationships" xmlns:p="http://schemas.openxmlformats.org/presentationml/2006/main" xmlns:m="http://schemas.openxmlformats.org/officeDocument/2006/math" xmlns:w="http://schemas.openxmlformats.org/wordprocessingml/2006/main" showMasterPhAnim="0" show="1">
+  <p:cSld name="">
+    <p:spTree>
+      <p:nvGrpSpPr>
+        <p:cNvPr id="1" name=""/>
+        <p:cNvGrpSpPr/>
+        <p:nvPr/>
+      </p:nvGrpSpPr>
+      <p:grpSpPr bwMode="auto">
+        <a:xfrm>
+          <a:off x="0" y="0"/>
+          <a:ext cx="0" cy="0"/>
+          <a:chOff x="0" y="0"/>
+          <a:chExt cx="0" cy="0"/>
+        </a:xfrm>
+      </p:grpSpPr>
+      <p:sp>
+        <p:nvSpPr>
+          <p:cNvPr id="664912213" name="Rectangle 2"/>
+          <p:cNvSpPr/>
+          <p:nvPr/>
+        </p:nvSpPr>
+        <p:spPr bwMode="auto">
+          <a:xfrm flipH="0" flipV="0">
+            <a:off x="-32067" y="116633"/>
+            <a:ext cx="11055843" cy="466529"/>
+          </a:xfrm>
+          <a:prstGeom prst="rect">
+            <a:avLst/>
+          </a:prstGeom>
+        </p:spPr>
+        <p:txBody>
+          <a:bodyPr vert="horz" lIns="121897" tIns="60948" rIns="121897" bIns="60948" rtlCol="0" anchor="b">
+            <a:noAutofit/>
+          </a:bodyPr>
+          <a:lstStyle/>
+          <a:p>
+            <a:pPr>
+              <a:defRPr/>
+            </a:pPr>
+            <a:r>
+              <a:rPr lang="en-US" sz="4000" b="1"/>
+              <a:t>Unary Operators</a:t>
+            </a:r>
+            <a:endParaRPr/>
+          </a:p>
+        </p:txBody>
+      </p:sp>
+      <p:graphicFrame>
+        <p:nvGraphicFramePr>
+          <p:cNvPr id="650299790" name="Table 6"/>
+          <p:cNvGraphicFramePr>
+            <a:graphicFrameLocks xmlns:a="http://schemas.openxmlformats.org/drawingml/2006/main"/>
+          </p:cNvGraphicFramePr>
+          <p:nvPr/>
+        </p:nvGraphicFramePr>
+        <p:xfrm>
+          <a:off x="150811" y="543617"/>
+          <a:ext cx="11726840" cy="6644860"/>
+        </p:xfrm>
+        <a:graphic>
+          <a:graphicData uri="http://schemas.openxmlformats.org/drawingml/2006/table">
+            <a:tbl>
+              <a:tblPr firstRow="1" firstCol="0" lastRow="0" lastCol="0" bandRow="1" bandCol="0">
+                <a:tableStyleId>{17292A2E-F333-43FB-9621-5CBBE7FDCDCB}</a:tableStyleId>
+              </a:tblPr>
+              <a:tblGrid>
+                <a:gridCol w="2133630"/>
+                <a:gridCol w="5793382"/>
+                <a:gridCol w="3963506"/>
+              </a:tblGrid>
+              <a:tr h="1453110">
+                <a:tc>
+                  <a:txBody>
+                    <a:bodyPr/>
+                    <a:p>
+                      <a:pPr algn="ctr">
+                        <a:defRPr/>
+                      </a:pPr>
+                      <a:r>
+                        <a:rPr lang="en-US"/>
+                        <a:t>Operator</a:t>
+                      </a:r>
+                      <a:endParaRPr/>
+                    </a:p>
+                  </a:txBody>
+                  <a:tcPr anchor="ctr"/>
+                </a:tc>
+                <a:tc>
+                  <a:txBody>
+                    <a:bodyPr/>
+                    <a:p>
+                      <a:pPr algn="ctr">
+                        <a:defRPr/>
+                      </a:pPr>
+                      <a:r>
+                        <a:rPr lang="en-US"/>
+                        <a:t>Description</a:t>
+                      </a:r>
+                      <a:endParaRPr/>
+                    </a:p>
+                  </a:txBody>
+                  <a:tcPr anchor="ctr"/>
+                </a:tc>
+                <a:tc>
+                  <a:txBody>
+                    <a:bodyPr/>
+                    <a:p>
+                      <a:pPr algn="ctr">
+                        <a:defRPr/>
+                      </a:pPr>
+                      <a:r>
+                        <a:rPr lang="en-US"/>
+                        <a:t>Example</a:t>
+                      </a:r>
+                      <a:endParaRPr/>
+                    </a:p>
+                    <a:p>
+                      <a:pPr algn="ctr">
+                        <a:defRPr/>
+                      </a:pPr>
+                      <a:r>
+                        <a:rPr lang="en-US"/>
+                        <a:t>(where a and b are variables with some integer value)</a:t>
+                      </a:r>
+                      <a:endParaRPr/>
+                    </a:p>
+                  </a:txBody>
+                  <a:tcPr anchor="ctr"/>
+                </a:tc>
+              </a:tr>
+              <a:tr h="1113972">
+                <a:tc>
+                  <a:txBody>
+                    <a:bodyPr/>
+                    <a:p>
+                      <a:pPr algn="ctr">
+                        <a:defRPr/>
+                      </a:pPr>
+                      <a:r>
+                        <a:rPr lang="en-US"/>
+                        <a:t>++</a:t>
+                      </a:r>
+                      <a:endParaRPr/>
+                    </a:p>
+                  </a:txBody>
+                  <a:tcPr anchor="ctr"/>
+                </a:tc>
+                <a:tc>
+                  <a:txBody>
+                    <a:bodyPr/>
+                    <a:p>
+                      <a:pPr>
+                        <a:defRPr/>
+                      </a:pPr>
+                      <a:r>
+                        <a:rPr lang="en-US"/>
+                        <a:t>This is the </a:t>
+                      </a:r>
+                      <a:r>
+                        <a:rPr lang="en-US" b="1"/>
+                        <a:t>Increment operator</a:t>
+                      </a:r>
+                      <a:r>
+                        <a:rPr lang="en-US"/>
+                        <a:t> - increases integer value by one. This operator needs only a </a:t>
+                      </a:r>
+                      <a:r>
+                        <a:rPr lang="en-US" b="1"/>
+                        <a:t>single operand</a:t>
+                      </a:r>
+                      <a:r>
+                        <a:rPr lang="en-US"/>
+                        <a:t>.</a:t>
+                      </a:r>
+                      <a:endParaRPr/>
+                    </a:p>
+                  </a:txBody>
+                  <a:tcPr anchor="ctr"/>
+                </a:tc>
+                <a:tc>
+                  <a:txBody>
+                    <a:bodyPr/>
+                    <a:p>
+                      <a:pPr algn="ctr">
+                        <a:defRPr/>
+                      </a:pPr>
+                      <a:r>
+                        <a:rPr lang="en-US"/>
+                        <a:t>a++ or ++a</a:t>
+                      </a:r>
+                      <a:endParaRPr/>
+                    </a:p>
+                  </a:txBody>
+                  <a:tcPr anchor="ctr"/>
+                </a:tc>
+              </a:tr>
+              <a:tr h="1113972">
+                <a:tc>
+                  <a:txBody>
+                    <a:bodyPr/>
+                    <a:p>
+                      <a:pPr algn="ctr">
+                        <a:defRPr/>
+                      </a:pPr>
+                      <a:r>
+                        <a:rPr lang="en-US"/>
+                        <a:t>--</a:t>
+                      </a:r>
+                      <a:endParaRPr/>
+                    </a:p>
+                  </a:txBody>
+                  <a:tcPr anchor="ctr"/>
+                </a:tc>
+                <a:tc>
+                  <a:txBody>
+                    <a:bodyPr/>
+                    <a:p>
+                      <a:pPr>
+                        <a:defRPr/>
+                      </a:pPr>
+                      <a:r>
+                        <a:rPr lang="en-US"/>
+                        <a:t>This is the </a:t>
+                      </a:r>
+                      <a:r>
+                        <a:rPr lang="en-US" b="1"/>
+                        <a:t>Decrement operator</a:t>
+                      </a:r>
+                      <a:r>
+                        <a:rPr lang="en-US"/>
+                        <a:t> - decreases integer value by one. This operator needs only a </a:t>
+                      </a:r>
+                      <a:r>
+                        <a:rPr lang="en-US" b="1"/>
+                        <a:t>single operand</a:t>
+                      </a:r>
+                      <a:r>
+                        <a:rPr lang="en-US"/>
+                        <a:t>.</a:t>
+                      </a:r>
+                      <a:endParaRPr/>
+                    </a:p>
+                  </a:txBody>
+                  <a:tcPr anchor="ctr"/>
+                </a:tc>
+                <a:tc>
+                  <a:txBody>
+                    <a:bodyPr/>
+                    <a:p>
+                      <a:pPr algn="ctr">
+                        <a:defRPr/>
+                      </a:pPr>
+                      <a:r>
+                        <a:rPr lang="en-US"/>
+                        <a:t>--b or b--</a:t>
+                      </a:r>
+                      <a:endParaRPr/>
+                    </a:p>
+                  </a:txBody>
+                  <a:tcPr anchor="ctr"/>
+                </a:tc>
+              </a:tr>
+              <a:tr h="774835">
+                <a:tc>
+                  <a:txBody>
+                    <a:bodyPr/>
+                    <a:p>
+                      <a:pPr algn="ctr">
+                        <a:defRPr/>
+                      </a:pPr>
+                      <a:r>
+                        <a:rPr lang="en-US"/>
+                        <a:t>-</a:t>
+                      </a:r>
+                      <a:endParaRPr/>
+                    </a:p>
+                  </a:txBody>
+                  <a:tcPr anchor="ctr"/>
+                </a:tc>
+                <a:tc>
+                  <a:txBody>
+                    <a:bodyPr/>
+                    <a:p>
+                      <a:pPr>
+                        <a:defRPr/>
+                      </a:pPr>
+                      <a:r>
+                        <a:rPr lang="en-US" sz="2400" b="1" i="0">
+                          <a:solidFill>
+                            <a:schemeClr val="dk1"/>
+                          </a:solidFill>
+                          <a:latin typeface="Constantia"/>
+                          <a:ea typeface="Arial"/>
+                          <a:cs typeface="Arial"/>
+                        </a:rPr>
+                        <a:t>Unary minus </a:t>
+                      </a:r>
+                      <a:r>
+                        <a:rPr lang="en-US" sz="2400" b="0" i="0">
+                          <a:solidFill>
+                            <a:schemeClr val="dk1"/>
+                          </a:solidFill>
+                          <a:latin typeface="Constantia"/>
+                          <a:ea typeface="Arial"/>
+                          <a:cs typeface="Arial"/>
+                        </a:rPr>
+                        <a:t>converts positive value to negative value</a:t>
+                      </a:r>
+                      <a:endParaRPr lang="en-US"/>
+                    </a:p>
+                  </a:txBody>
+                  <a:tcPr anchor="ctr"/>
+                </a:tc>
+                <a:tc>
+                  <a:txBody>
+                    <a:bodyPr/>
+                    <a:p>
+                      <a:pPr algn="ctr">
+                        <a:defRPr/>
+                      </a:pPr>
+                      <a:r>
+                        <a:rPr lang="en-US"/>
+                        <a:t>a =-a</a:t>
+                      </a:r>
+                      <a:endParaRPr/>
+                    </a:p>
+                  </a:txBody>
+                  <a:tcPr anchor="ctr"/>
+                </a:tc>
+              </a:tr>
+              <a:tr h="1305560">
+                <a:tc>
+                  <a:txBody>
+                    <a:bodyPr/>
+                    <a:p>
+                      <a:pPr algn="ctr">
+                        <a:defRPr/>
+                      </a:pPr>
+                      <a:r>
+                        <a:rPr lang="en-US"/>
+                        <a:t>+</a:t>
+                      </a:r>
+                      <a:endParaRPr/>
+                    </a:p>
+                  </a:txBody>
+                  <a:tcPr anchor="ctr"/>
+                </a:tc>
+                <a:tc>
+                  <a:txBody>
+                    <a:bodyPr/>
+                    <a:p>
+                      <a:pPr>
+                        <a:defRPr/>
+                      </a:pPr>
+                      <a:r>
+                        <a:rPr lang="en-US" sz="2400" b="1" i="0">
+                          <a:solidFill>
+                            <a:schemeClr val="dk1"/>
+                          </a:solidFill>
+                          <a:latin typeface="Constantia"/>
+                          <a:ea typeface="Arial"/>
+                          <a:cs typeface="Arial"/>
+                        </a:rPr>
+                        <a:t>Unary plus </a:t>
+                      </a:r>
+                      <a:r>
+                        <a:rPr lang="en-US" sz="2400" b="0" i="0">
+                          <a:solidFill>
+                            <a:schemeClr val="dk1"/>
+                          </a:solidFill>
+                          <a:latin typeface="Constantia"/>
+                          <a:ea typeface="Arial"/>
+                          <a:cs typeface="Arial"/>
+                        </a:rPr>
+                        <a:t>is used to represent the </a:t>
+                      </a:r>
+                      <a:r>
+                        <a:rPr lang="en-US" sz="2400" b="1" i="0">
+                          <a:solidFill>
+                            <a:schemeClr val="dk1"/>
+                          </a:solidFill>
+                          <a:latin typeface="Constantia"/>
+                          <a:ea typeface="Arial"/>
+                          <a:cs typeface="Arial"/>
+                        </a:rPr>
+                        <a:t>positive</a:t>
+                      </a:r>
+                      <a:r>
+                        <a:rPr lang="en-US" sz="2400" b="0" i="0">
+                          <a:solidFill>
+                            <a:schemeClr val="dk1"/>
+                          </a:solidFill>
+                          <a:latin typeface="Constantia"/>
+                          <a:ea typeface="Arial"/>
+                          <a:cs typeface="Arial"/>
+                        </a:rPr>
+                        <a:t> </a:t>
+                      </a:r>
+                      <a:r>
+                        <a:rPr lang="en-US" sz="2400" b="0" i="0">
+                          <a:solidFill>
+                            <a:schemeClr val="dk1"/>
+                          </a:solidFill>
+                          <a:latin typeface="Constantia"/>
+                          <a:ea typeface="Arial"/>
+                          <a:cs typeface="Arial"/>
+                        </a:rPr>
+                        <a:t>value,that</a:t>
+                      </a:r>
+                      <a:r>
+                        <a:rPr lang="en-US" sz="2400" b="0" i="0">
+                          <a:solidFill>
+                            <a:schemeClr val="dk1"/>
+                          </a:solidFill>
+                          <a:latin typeface="Constantia"/>
+                          <a:ea typeface="Arial"/>
+                          <a:cs typeface="Arial"/>
+                        </a:rPr>
+                        <a:t> is it makes all bits inverted, every 0 to 1 and every 1 to 0.</a:t>
+                      </a:r>
+                      <a:endParaRPr lang="en-US"/>
+                    </a:p>
+                  </a:txBody>
+                  <a:tcPr anchor="ctr"/>
+                </a:tc>
+                <a:tc>
+                  <a:txBody>
+                    <a:bodyPr/>
+                    <a:p>
+                      <a:pPr algn="ctr">
+                        <a:defRPr/>
+                      </a:pPr>
+                      <a:r>
+                        <a:rPr lang="en-US"/>
+                        <a:t>a=+a</a:t>
+                      </a:r>
+                      <a:endParaRPr/>
+                    </a:p>
+                  </a:txBody>
+                  <a:tcPr anchor="ctr"/>
+                </a:tc>
+              </a:tr>
+            </a:tbl>
+          </a:graphicData>
+        </a:graphic>
+      </p:graphicFrame>
+    </p:spTree>
+  </p:cSld>
+  <p:clrMapOvr>
+    <a:masterClrMapping/>
+  </p:clrMapOvr>
+  <mc:AlternateContent xmlns:mc="http://schemas.openxmlformats.org/markup-compatibility/2006">
+    <mc:Choice xmlns:p14="http://schemas.microsoft.com/office/powerpoint/2010/main" Requires="p14">
+      <p:transition spd="med" p14:dur="700" advClick="1">
+        <p:fade thruBlk="0"/>
+      </p:transition>
+    </mc:Choice>
+    <mc:Fallback>
+      <p:transition spd="med" advClick="1">
+        <p:fade thruBlk="0"/>
+      </p:transition>
+    </mc:Fallback>
+  </mc:AlternateContent>
+</p:sld>
+</file>
+
+<file path=ppt/slides/slide16.xml><?xml version="1.0" encoding="utf-8"?>
+<p:sld xmlns:a="http://schemas.openxmlformats.org/drawingml/2006/main" xmlns:r="http://schemas.openxmlformats.org/officeDocument/2006/relationships" xmlns:p="http://schemas.openxmlformats.org/presentationml/2006/main" xmlns:m="http://schemas.openxmlformats.org/officeDocument/2006/math" xmlns:w="http://schemas.openxmlformats.org/wordprocessingml/2006/main" showMasterPhAnim="0" show="1">
+  <p:cSld name="">
+    <p:spTree>
+      <p:nvGrpSpPr>
+        <p:cNvPr id="1" name=""/>
+        <p:cNvGrpSpPr/>
+        <p:nvPr/>
+      </p:nvGrpSpPr>
+      <p:grpSpPr bwMode="auto">
+        <a:xfrm>
+          <a:off x="0" y="0"/>
+          <a:ext cx="0" cy="0"/>
+          <a:chOff x="0" y="0"/>
+          <a:chExt cx="0" cy="0"/>
+        </a:xfrm>
+      </p:grpSpPr>
+      <p:sp>
+        <p:nvSpPr>
+          <p:cNvPr id="725348130" name="Rectangle 2"/>
+          <p:cNvSpPr/>
+          <p:nvPr/>
+        </p:nvSpPr>
+        <p:spPr bwMode="auto">
+          <a:xfrm>
+            <a:off x="-32067" y="0"/>
+            <a:ext cx="9483750" cy="761999"/>
+          </a:xfrm>
+          <a:prstGeom prst="rect">
+            <a:avLst/>
+          </a:prstGeom>
+        </p:spPr>
+        <p:txBody>
+          <a:bodyPr vert="horz" lIns="121897" tIns="60948" rIns="121897" bIns="60948" rtlCol="0" anchor="b">
+            <a:noAutofit/>
+          </a:bodyPr>
+          <a:lstStyle/>
+          <a:p>
+            <a:pPr>
+              <a:defRPr/>
+            </a:pPr>
+            <a:r>
+              <a:rPr lang="en-US" sz="4000" b="1"/>
+              <a:t>Equality and Relational Operator</a:t>
+            </a:r>
+            <a:endParaRPr/>
+          </a:p>
+        </p:txBody>
+      </p:sp>
+      <p:graphicFrame>
+        <p:nvGraphicFramePr>
+          <p:cNvPr id="1316126629" name="Table 6"/>
+          <p:cNvGraphicFramePr>
+            <a:graphicFrameLocks xmlns:a="http://schemas.openxmlformats.org/drawingml/2006/main"/>
+          </p:cNvGraphicFramePr>
+          <p:nvPr/>
+        </p:nvGraphicFramePr>
+        <p:xfrm>
+          <a:off x="265111" y="762000"/>
+          <a:ext cx="11658600" cy="5935979"/>
+        </p:xfrm>
+        <a:graphic>
+          <a:graphicData uri="http://schemas.openxmlformats.org/drawingml/2006/table">
+            <a:tbl>
+              <a:tblPr firstRow="1" firstCol="0" lastRow="0" lastCol="0" bandRow="1" bandCol="0">
+                <a:tableStyleId>{17292A2E-F333-43FB-9621-5CBBE7FDCDCB}</a:tableStyleId>
+              </a:tblPr>
+              <a:tblGrid>
+                <a:gridCol w="1690517"/>
+                <a:gridCol w="6377860"/>
+                <a:gridCol w="3688401"/>
+              </a:tblGrid>
+              <a:tr h="1100821">
+                <a:tc>
+                  <a:txBody>
+                    <a:bodyPr/>
+                    <a:p>
+                      <a:pPr algn="ctr">
+                        <a:defRPr/>
+                      </a:pPr>
+                      <a:r>
+                        <a:rPr lang="en-US" sz="2000"/>
+                        <a:t>Operator</a:t>
+                      </a:r>
+                      <a:endParaRPr/>
+                    </a:p>
+                  </a:txBody>
+                  <a:tcPr anchor="ctr"/>
+                </a:tc>
+                <a:tc>
+                  <a:txBody>
+                    <a:bodyPr/>
+                    <a:p>
+                      <a:pPr algn="ctr">
+                        <a:defRPr/>
+                      </a:pPr>
+                      <a:r>
+                        <a:rPr lang="en-US" sz="2000"/>
+                        <a:t>Description</a:t>
+                      </a:r>
+                      <a:endParaRPr/>
+                    </a:p>
+                  </a:txBody>
+                  <a:tcPr anchor="ctr"/>
+                </a:tc>
+                <a:tc>
+                  <a:txBody>
+                    <a:bodyPr/>
+                    <a:p>
+                      <a:pPr algn="ctr">
+                        <a:defRPr/>
+                      </a:pPr>
+                      <a:r>
+                        <a:rPr lang="en-US" sz="2000"/>
+                        <a:t>Example</a:t>
+                      </a:r>
+                      <a:endParaRPr/>
+                    </a:p>
+                    <a:p>
+                      <a:pPr algn="ctr">
+                        <a:defRPr/>
+                      </a:pPr>
+                      <a:r>
+                        <a:rPr lang="en-US" sz="2000"/>
+                        <a:t>(a and b, where a = 10 and b = 11)</a:t>
+                      </a:r>
+                      <a:endParaRPr/>
+                    </a:p>
+                  </a:txBody>
+                  <a:tcPr anchor="ctr"/>
+                </a:tc>
+              </a:tr>
+              <a:tr h="482190">
+                <a:tc>
+                  <a:txBody>
+                    <a:bodyPr/>
+                    <a:p>
+                      <a:pPr algn="ctr">
+                        <a:defRPr/>
+                      </a:pPr>
+                      <a:r>
+                        <a:rPr lang="en-US" sz="2200"/>
+                        <a:t>==</a:t>
+                      </a:r>
+                      <a:endParaRPr/>
+                    </a:p>
+                  </a:txBody>
+                  <a:tcPr anchor="ctr"/>
+                </a:tc>
+                <a:tc>
+                  <a:txBody>
+                    <a:bodyPr/>
+                    <a:p>
+                      <a:pPr>
+                        <a:defRPr/>
+                      </a:pPr>
+                      <a:r>
+                        <a:rPr lang="en-US" sz="2200"/>
+                        <a:t>Check if two operands are equal</a:t>
+                      </a:r>
+                      <a:endParaRPr/>
+                    </a:p>
+                  </a:txBody>
+                  <a:tcPr anchor="ctr"/>
+                </a:tc>
+                <a:tc>
+                  <a:txBody>
+                    <a:bodyPr/>
+                    <a:p>
+                      <a:pPr algn="ctr">
+                        <a:defRPr/>
+                      </a:pPr>
+                      <a:r>
+                        <a:rPr lang="en-US" sz="2200"/>
+                        <a:t>a == b, returns 0</a:t>
+                      </a:r>
+                      <a:endParaRPr/>
+                    </a:p>
+                  </a:txBody>
+                  <a:tcPr anchor="ctr"/>
+                </a:tc>
+              </a:tr>
+              <a:tr h="837283">
+                <a:tc>
+                  <a:txBody>
+                    <a:bodyPr/>
+                    <a:p>
+                      <a:pPr algn="ctr">
+                        <a:defRPr/>
+                      </a:pPr>
+                      <a:r>
+                        <a:rPr lang="en-US" sz="2200"/>
+                        <a:t>!=</a:t>
+                      </a:r>
+                      <a:endParaRPr/>
+                    </a:p>
+                  </a:txBody>
+                  <a:tcPr anchor="ctr"/>
+                </a:tc>
+                <a:tc>
+                  <a:txBody>
+                    <a:bodyPr/>
+                    <a:p>
+                      <a:pPr>
+                        <a:defRPr/>
+                      </a:pPr>
+                      <a:r>
+                        <a:rPr lang="en-US" sz="2200"/>
+                        <a:t>Check if two operands are not equal.</a:t>
+                      </a:r>
+                      <a:endParaRPr/>
+                    </a:p>
+                  </a:txBody>
+                  <a:tcPr anchor="ctr"/>
+                </a:tc>
+                <a:tc>
+                  <a:txBody>
+                    <a:bodyPr/>
+                    <a:p>
+                      <a:pPr algn="ctr">
+                        <a:defRPr/>
+                      </a:pPr>
+                      <a:r>
+                        <a:rPr lang="en-US" sz="2200"/>
+                        <a:t>a != b, returns 1 because a is not equal to b</a:t>
+                      </a:r>
+                      <a:endParaRPr/>
+                    </a:p>
+                  </a:txBody>
+                  <a:tcPr anchor="ctr"/>
+                </a:tc>
+              </a:tr>
+              <a:tr h="837283">
+                <a:tc>
+                  <a:txBody>
+                    <a:bodyPr/>
+                    <a:p>
+                      <a:pPr algn="ctr">
+                        <a:defRPr/>
+                      </a:pPr>
+                      <a:r>
+                        <a:rPr lang="en-US" sz="2200"/>
+                        <a:t>&gt;</a:t>
+                      </a:r>
+                      <a:endParaRPr/>
+                    </a:p>
+                  </a:txBody>
+                  <a:tcPr anchor="ctr"/>
+                </a:tc>
+                <a:tc>
+                  <a:txBody>
+                    <a:bodyPr/>
+                    <a:p>
+                      <a:pPr>
+                        <a:defRPr/>
+                      </a:pPr>
+                      <a:r>
+                        <a:rPr lang="en-US" sz="2200"/>
+                        <a:t>Check if the operand on the left is greater than the operand on the right</a:t>
+                      </a:r>
+                      <a:endParaRPr/>
+                    </a:p>
+                  </a:txBody>
+                  <a:tcPr anchor="ctr"/>
+                </a:tc>
+                <a:tc>
+                  <a:txBody>
+                    <a:bodyPr/>
+                    <a:p>
+                      <a:pPr algn="ctr">
+                        <a:defRPr/>
+                      </a:pPr>
+                      <a:r>
+                        <a:rPr lang="en-US" sz="2200"/>
+                        <a:t>a &gt; b, returns 0</a:t>
+                      </a:r>
+                      <a:endParaRPr/>
+                    </a:p>
+                  </a:txBody>
+                  <a:tcPr anchor="ctr"/>
+                </a:tc>
+              </a:tr>
+              <a:tr h="837283">
+                <a:tc>
+                  <a:txBody>
+                    <a:bodyPr/>
+                    <a:p>
+                      <a:pPr algn="ctr">
+                        <a:defRPr/>
+                      </a:pPr>
+                      <a:r>
+                        <a:rPr lang="en-US" sz="2200"/>
+                        <a:t>&lt;</a:t>
+                      </a:r>
+                      <a:endParaRPr/>
+                    </a:p>
+                  </a:txBody>
+                  <a:tcPr anchor="ctr"/>
+                </a:tc>
+                <a:tc>
+                  <a:txBody>
+                    <a:bodyPr/>
+                    <a:p>
+                      <a:pPr>
+                        <a:defRPr/>
+                      </a:pPr>
+                      <a:r>
+                        <a:rPr lang="en-US" sz="2200"/>
+                        <a:t>Check operand on the left is smaller than the right operand</a:t>
+                      </a:r>
+                      <a:endParaRPr/>
+                    </a:p>
+                  </a:txBody>
+                  <a:tcPr anchor="ctr"/>
+                </a:tc>
+                <a:tc>
+                  <a:txBody>
+                    <a:bodyPr/>
+                    <a:p>
+                      <a:pPr algn="ctr">
+                        <a:defRPr/>
+                      </a:pPr>
+                      <a:r>
+                        <a:rPr lang="en-US" sz="2200"/>
+                        <a:t>a &lt; b, returns 1</a:t>
+                      </a:r>
+                      <a:endParaRPr/>
+                    </a:p>
+                  </a:txBody>
+                  <a:tcPr anchor="ctr"/>
+                </a:tc>
+              </a:tr>
+              <a:tr h="837283">
+                <a:tc>
+                  <a:txBody>
+                    <a:bodyPr/>
+                    <a:p>
+                      <a:pPr algn="ctr">
+                        <a:defRPr/>
+                      </a:pPr>
+                      <a:r>
+                        <a:rPr lang="en-US" sz="2200"/>
+                        <a:t>&gt;=</a:t>
+                      </a:r>
+                      <a:endParaRPr/>
+                    </a:p>
+                  </a:txBody>
+                  <a:tcPr anchor="ctr"/>
+                </a:tc>
+                <a:tc>
+                  <a:txBody>
+                    <a:bodyPr/>
+                    <a:p>
+                      <a:pPr>
+                        <a:defRPr/>
+                      </a:pPr>
+                      <a:r>
+                        <a:rPr lang="en-US" sz="2200"/>
+                        <a:t>check left operand is greater than or equal to the right operand</a:t>
+                      </a:r>
+                      <a:endParaRPr/>
+                    </a:p>
+                  </a:txBody>
+                  <a:tcPr anchor="ctr"/>
+                </a:tc>
+                <a:tc>
+                  <a:txBody>
+                    <a:bodyPr/>
+                    <a:p>
+                      <a:pPr algn="ctr">
+                        <a:defRPr/>
+                      </a:pPr>
+                      <a:r>
+                        <a:rPr lang="en-US" sz="2200"/>
+                        <a:t>a &gt;= b, returns 0</a:t>
+                      </a:r>
+                      <a:endParaRPr/>
+                    </a:p>
+                  </a:txBody>
+                  <a:tcPr anchor="ctr"/>
+                </a:tc>
+              </a:tr>
+              <a:tr h="837283">
+                <a:tc>
+                  <a:txBody>
+                    <a:bodyPr/>
+                    <a:p>
+                      <a:pPr algn="ctr">
+                        <a:defRPr/>
+                      </a:pPr>
+                      <a:r>
+                        <a:rPr lang="en-US" sz="2200"/>
+                        <a:t>&lt;=</a:t>
+                      </a:r>
+                      <a:endParaRPr/>
+                    </a:p>
+                  </a:txBody>
+                  <a:tcPr anchor="ctr"/>
+                </a:tc>
+                <a:tc>
+                  <a:txBody>
+                    <a:bodyPr/>
+                    <a:p>
+                      <a:pPr>
+                        <a:defRPr/>
+                      </a:pPr>
+                      <a:r>
+                        <a:rPr lang="en-US" sz="2200"/>
+                        <a:t>Check if the operand on left is smaller than or equal to the right operand</a:t>
+                      </a:r>
+                      <a:endParaRPr/>
+                    </a:p>
+                  </a:txBody>
+                  <a:tcPr anchor="ctr"/>
+                </a:tc>
+                <a:tc>
+                  <a:txBody>
+                    <a:bodyPr/>
+                    <a:p>
+                      <a:pPr algn="ctr">
+                        <a:defRPr/>
+                      </a:pPr>
+                      <a:r>
+                        <a:rPr lang="en-US" sz="2200"/>
+                        <a:t>a &lt;= b, returns 1</a:t>
+                      </a:r>
+                      <a:endParaRPr/>
+                    </a:p>
+                  </a:txBody>
+                  <a:tcPr anchor="ctr"/>
+                </a:tc>
+              </a:tr>
+            </a:tbl>
+          </a:graphicData>
+        </a:graphic>
+      </p:graphicFrame>
+    </p:spTree>
+  </p:cSld>
+  <p:clrMapOvr>
+    <a:masterClrMapping/>
+  </p:clrMapOvr>
+  <mc:AlternateContent xmlns:mc="http://schemas.openxmlformats.org/markup-compatibility/2006">
+    <mc:Choice xmlns:p14="http://schemas.microsoft.com/office/powerpoint/2010/main" Requires="p14">
+      <p:transition spd="med" p14:dur="700" advClick="1">
+        <p:fade thruBlk="0"/>
+      </p:transition>
+    </mc:Choice>
+    <mc:Fallback>
+      <p:transition spd="med" advClick="1">
+        <p:fade thruBlk="0"/>
+      </p:transition>
+    </mc:Fallback>
+  </mc:AlternateContent>
+</p:sld>
+</file>
+
+<file path=ppt/slides/slide17.xml><?xml version="1.0" encoding="utf-8"?>
+<p:sld xmlns:a="http://schemas.openxmlformats.org/drawingml/2006/main" xmlns:r="http://schemas.openxmlformats.org/officeDocument/2006/relationships" xmlns:p="http://schemas.openxmlformats.org/presentationml/2006/main" xmlns:m="http://schemas.openxmlformats.org/officeDocument/2006/math" xmlns:w="http://schemas.openxmlformats.org/wordprocessingml/2006/main" showMasterPhAnim="0" show="1">
+  <p:cSld name="">
+    <p:spTree>
+      <p:nvGrpSpPr>
+        <p:cNvPr id="1" name=""/>
+        <p:cNvGrpSpPr/>
+        <p:nvPr/>
+      </p:nvGrpSpPr>
+      <p:grpSpPr bwMode="auto">
+        <a:xfrm>
+          <a:off x="0" y="0"/>
+          <a:ext cx="0" cy="0"/>
+          <a:chOff x="0" y="0"/>
+          <a:chExt cx="0" cy="0"/>
+        </a:xfrm>
+      </p:grpSpPr>
+      <p:sp>
+        <p:nvSpPr>
+          <p:cNvPr id="974015617" name="Rectangle 2"/>
+          <p:cNvSpPr/>
+          <p:nvPr/>
+        </p:nvSpPr>
+        <p:spPr bwMode="auto">
+          <a:xfrm>
+            <a:off x="-32067" y="0"/>
+            <a:ext cx="9483750" cy="761999"/>
+          </a:xfrm>
+          <a:prstGeom prst="rect">
+            <a:avLst/>
+          </a:prstGeom>
+        </p:spPr>
+        <p:txBody>
+          <a:bodyPr vert="horz" lIns="121897" tIns="60948" rIns="121897" bIns="60948" rtlCol="0" anchor="b">
+            <a:noAutofit/>
+          </a:bodyPr>
+          <a:lstStyle/>
+          <a:p>
+            <a:pPr>
+              <a:defRPr/>
+            </a:pPr>
+            <a:r>
+              <a:rPr lang="en-US" sz="4000" b="1"/>
+              <a:t>Conditional /Logical operators</a:t>
+            </a:r>
+            <a:endParaRPr/>
+          </a:p>
+        </p:txBody>
+      </p:sp>
+      <p:graphicFrame>
+        <p:nvGraphicFramePr>
+          <p:cNvPr id="576778642" name="Table 6"/>
+          <p:cNvGraphicFramePr>
+            <a:graphicFrameLocks xmlns:a="http://schemas.openxmlformats.org/drawingml/2006/main"/>
+          </p:cNvGraphicFramePr>
+          <p:nvPr/>
+        </p:nvGraphicFramePr>
+        <p:xfrm>
+          <a:off x="573890" y="1672589"/>
+          <a:ext cx="11041039" cy="4069080"/>
+        </p:xfrm>
+        <a:graphic>
+          <a:graphicData uri="http://schemas.openxmlformats.org/drawingml/2006/table">
+            <a:tbl>
+              <a:tblPr firstRow="1" firstCol="0" lastRow="0" lastCol="0" bandRow="1" bandCol="0">
+                <a:tableStyleId>{17292A2E-F333-43FB-9621-5CBBE7FDCDCB}</a:tableStyleId>
+              </a:tblPr>
+              <a:tblGrid>
+                <a:gridCol w="1955092"/>
+                <a:gridCol w="5599152"/>
+                <a:gridCol w="3777122"/>
+              </a:tblGrid>
+              <a:tr h="1584749">
+                <a:tc>
+                  <a:txBody>
+                    <a:bodyPr/>
+                    <a:p>
+                      <a:pPr algn="ctr">
+                        <a:defRPr/>
+                      </a:pPr>
+                      <a:r>
+                        <a:rPr lang="en-US"/>
+                        <a:t>Operator</a:t>
+                      </a:r>
+                      <a:endParaRPr/>
+                    </a:p>
+                  </a:txBody>
+                  <a:tcPr anchor="ctr"/>
+                </a:tc>
+                <a:tc>
+                  <a:txBody>
+                    <a:bodyPr/>
+                    <a:p>
+                      <a:pPr algn="ctr">
+                        <a:defRPr/>
+                      </a:pPr>
+                      <a:r>
+                        <a:rPr lang="en-US"/>
+                        <a:t>Description</a:t>
+                      </a:r>
+                      <a:endParaRPr/>
+                    </a:p>
+                  </a:txBody>
+                  <a:tcPr anchor="ctr"/>
+                </a:tc>
+                <a:tc>
+                  <a:txBody>
+                    <a:bodyPr/>
+                    <a:p>
+                      <a:pPr algn="ctr">
+                        <a:defRPr/>
+                      </a:pPr>
+                      <a:r>
+                        <a:rPr lang="en-US"/>
+                        <a:t>Example</a:t>
+                      </a:r>
+                      <a:endParaRPr/>
+                    </a:p>
+                    <a:p>
+                      <a:pPr algn="ctr">
+                        <a:defRPr/>
+                      </a:pPr>
+                      <a:r>
+                        <a:rPr lang="en-US"/>
+                        <a:t>(a and b, where a = 1 and b = 0)</a:t>
+                      </a:r>
+                      <a:endParaRPr/>
+                    </a:p>
+                  </a:txBody>
+                  <a:tcPr anchor="ctr"/>
+                </a:tc>
+              </a:tr>
+              <a:tr h="619828">
+                <a:tc>
+                  <a:txBody>
+                    <a:bodyPr/>
+                    <a:p>
+                      <a:pPr algn="ctr">
+                        <a:defRPr/>
+                      </a:pPr>
+                      <a:r>
+                        <a:rPr lang="en-US"/>
+                        <a:t>&amp;&amp;</a:t>
+                      </a:r>
+                      <a:endParaRPr/>
+                    </a:p>
+                  </a:txBody>
+                  <a:tcPr anchor="ctr"/>
+                </a:tc>
+                <a:tc>
+                  <a:txBody>
+                    <a:bodyPr/>
+                    <a:p>
+                      <a:pPr algn="ctr">
+                        <a:defRPr/>
+                      </a:pPr>
+                      <a:r>
+                        <a:rPr lang="en-US"/>
+                        <a:t>Logical AND</a:t>
+                      </a:r>
+                      <a:endParaRPr/>
+                    </a:p>
+                  </a:txBody>
+                  <a:tcPr anchor="ctr"/>
+                </a:tc>
+                <a:tc>
+                  <a:txBody>
+                    <a:bodyPr/>
+                    <a:p>
+                      <a:pPr algn="ctr">
+                        <a:defRPr/>
+                      </a:pPr>
+                      <a:r>
+                        <a:rPr lang="en-US"/>
+                        <a:t>a &amp;&amp; b, returns 0</a:t>
+                      </a:r>
+                      <a:endParaRPr/>
+                    </a:p>
+                  </a:txBody>
+                  <a:tcPr anchor="ctr"/>
+                </a:tc>
+              </a:tr>
+              <a:tr h="619828">
+                <a:tc>
+                  <a:txBody>
+                    <a:bodyPr/>
+                    <a:p>
+                      <a:pPr algn="ctr">
+                        <a:defRPr/>
+                      </a:pPr>
+                      <a:r>
+                        <a:rPr lang="en-US"/>
+                        <a:t>||</a:t>
+                      </a:r>
+                      <a:endParaRPr/>
+                    </a:p>
+                  </a:txBody>
+                  <a:tcPr anchor="ctr"/>
+                </a:tc>
+                <a:tc>
+                  <a:txBody>
+                    <a:bodyPr/>
+                    <a:p>
+                      <a:pPr algn="ctr">
+                        <a:defRPr/>
+                      </a:pPr>
+                      <a:r>
+                        <a:rPr lang="en-US"/>
+                        <a:t>Logical OR</a:t>
+                      </a:r>
+                      <a:endParaRPr/>
+                    </a:p>
+                  </a:txBody>
+                  <a:tcPr anchor="ctr"/>
+                </a:tc>
+                <a:tc>
+                  <a:txBody>
+                    <a:bodyPr/>
+                    <a:p>
+                      <a:pPr algn="ctr">
+                        <a:defRPr/>
+                      </a:pPr>
+                      <a:r>
+                        <a:rPr lang="en-US"/>
+                        <a:t>a || b, returns 1</a:t>
+                      </a:r>
+                      <a:endParaRPr/>
+                    </a:p>
+                  </a:txBody>
+                  <a:tcPr anchor="ctr"/>
+                </a:tc>
+              </a:tr>
+              <a:tr h="619828">
+                <a:tc>
+                  <a:txBody>
+                    <a:bodyPr/>
+                    <a:p>
+                      <a:pPr algn="ctr">
+                        <a:defRPr/>
+                      </a:pPr>
+                      <a:r>
+                        <a:rPr lang="en-US"/>
+                        <a:t>!</a:t>
+                      </a:r>
+                      <a:endParaRPr/>
+                    </a:p>
+                  </a:txBody>
+                  <a:tcPr anchor="ctr"/>
+                </a:tc>
+                <a:tc>
+                  <a:txBody>
+                    <a:bodyPr/>
+                    <a:p>
+                      <a:pPr algn="ctr">
+                        <a:defRPr/>
+                      </a:pPr>
+                      <a:r>
+                        <a:rPr lang="en-US"/>
+                        <a:t>Logical NOT</a:t>
+                      </a:r>
+                      <a:endParaRPr/>
+                    </a:p>
+                  </a:txBody>
+                  <a:tcPr anchor="ctr"/>
+                </a:tc>
+                <a:tc>
+                  <a:txBody>
+                    <a:bodyPr/>
+                    <a:p>
+                      <a:pPr algn="ctr">
+                        <a:defRPr/>
+                      </a:pPr>
+                      <a:r>
+                        <a:rPr lang="en-US"/>
+                        <a:t>!a, returns 0</a:t>
+                      </a:r>
+                      <a:endParaRPr/>
+                    </a:p>
+                  </a:txBody>
+                  <a:tcPr anchor="ctr"/>
+                </a:tc>
+              </a:tr>
+              <a:tr h="619828">
+                <a:tc>
+                  <a:txBody>
+                    <a:bodyPr/>
+                    <a:p>
+                      <a:pPr algn="ctr">
+                        <a:defRPr/>
+                      </a:pPr>
+                      <a:r>
+                        <a:rPr lang="en-US"/>
+                        <a:t>?:</a:t>
+                      </a:r>
+                      <a:endParaRPr/>
+                    </a:p>
+                  </a:txBody>
+                  <a:tcPr anchor="ctr"/>
+                </a:tc>
+                <a:tc>
+                  <a:txBody>
+                    <a:bodyPr/>
+                    <a:p>
+                      <a:pPr algn="ctr">
+                        <a:defRPr/>
+                      </a:pPr>
+                      <a:r>
+                        <a:rPr lang="en-US"/>
+                        <a:t>Ternary</a:t>
+                      </a:r>
+                      <a:endParaRPr/>
+                    </a:p>
+                  </a:txBody>
+                  <a:tcPr anchor="ctr"/>
+                </a:tc>
+                <a:tc>
+                  <a:txBody>
+                    <a:bodyPr/>
+                    <a:p>
+                      <a:pPr algn="ctr">
+                        <a:defRPr/>
+                      </a:pPr>
+                      <a:r>
+                        <a:rPr lang="en-US"/>
+                        <a:t>a?1:0</a:t>
+                      </a:r>
+                      <a:endParaRPr/>
+                    </a:p>
+                  </a:txBody>
+                  <a:tcPr anchor="ctr"/>
+                </a:tc>
+              </a:tr>
+              <a:tr h="619828">
+                <a:tc>
+                  <a:txBody>
+                    <a:bodyPr/>
+                    <a:p>
+                      <a:pPr>
+                        <a:defRPr/>
+                      </a:pPr>
+                      <a:endParaRPr lang="en-US"/>
+                    </a:p>
+                  </a:txBody>
+                  <a:tcPr anchor="ctr"/>
+                </a:tc>
+                <a:tc>
+                  <a:txBody>
+                    <a:bodyPr/>
+                    <a:p>
+                      <a:pPr>
+                        <a:defRPr/>
+                      </a:pPr>
+                      <a:endParaRPr lang="en-US"/>
+                    </a:p>
+                  </a:txBody>
+                  <a:tcPr anchor="ctr"/>
+                </a:tc>
+                <a:tc>
+                  <a:txBody>
+                    <a:bodyPr/>
+                    <a:p>
+                      <a:pPr>
+                        <a:defRPr/>
+                      </a:pPr>
+                      <a:endParaRPr lang="en-US"/>
+                    </a:p>
+                  </a:txBody>
+                  <a:tcPr anchor="ctr"/>
+                </a:tc>
+              </a:tr>
+            </a:tbl>
+          </a:graphicData>
+        </a:graphic>
+      </p:graphicFrame>
+    </p:spTree>
+  </p:cSld>
+  <p:clrMapOvr>
+    <a:masterClrMapping/>
+  </p:clrMapOvr>
+  <mc:AlternateContent xmlns:mc="http://schemas.openxmlformats.org/markup-compatibility/2006">
+    <mc:Choice xmlns:p14="http://schemas.microsoft.com/office/powerpoint/2010/main" Requires="p14">
+      <p:transition spd="med" p14:dur="700" advClick="1">
+        <p:fade thruBlk="0"/>
+      </p:transition>
+    </mc:Choice>
+    <mc:Fallback>
+      <p:transition spd="med" advClick="1">
+        <p:fade thruBlk="0"/>
+      </p:transition>
+    </mc:Fallback>
+  </mc:AlternateContent>
+</p:sld>
+</file>
+
+<file path=ppt/slides/slide18.xml><?xml version="1.0" encoding="utf-8"?>
+<p:sld xmlns:a="http://schemas.openxmlformats.org/drawingml/2006/main" xmlns:r="http://schemas.openxmlformats.org/officeDocument/2006/relationships" xmlns:p="http://schemas.openxmlformats.org/presentationml/2006/main" xmlns:m="http://schemas.openxmlformats.org/officeDocument/2006/math" xmlns:w="http://schemas.openxmlformats.org/wordprocessingml/2006/main" showMasterPhAnim="0" show="1">
+  <p:cSld name="">
+    <p:spTree>
+      <p:nvGrpSpPr>
+        <p:cNvPr id="1" name=""/>
+        <p:cNvGrpSpPr/>
+        <p:nvPr/>
+      </p:nvGrpSpPr>
+      <p:grpSpPr bwMode="auto">
+        <a:xfrm>
+          <a:off x="0" y="0"/>
+          <a:ext cx="0" cy="0"/>
+          <a:chOff x="0" y="0"/>
+          <a:chExt cx="0" cy="0"/>
+        </a:xfrm>
+      </p:grpSpPr>
+      <p:sp>
+        <p:nvSpPr>
+          <p:cNvPr id="1617914899" name="Rectangle 2"/>
+          <p:cNvSpPr/>
+          <p:nvPr/>
+        </p:nvSpPr>
+        <p:spPr bwMode="auto">
+          <a:xfrm>
+            <a:off x="-32067" y="0"/>
+            <a:ext cx="9483750" cy="761999"/>
+          </a:xfrm>
+          <a:prstGeom prst="rect">
+            <a:avLst/>
+          </a:prstGeom>
+        </p:spPr>
+        <p:txBody>
+          <a:bodyPr vert="horz" lIns="121897" tIns="60948" rIns="121897" bIns="60948" rtlCol="0" anchor="b">
+            <a:noAutofit/>
+          </a:bodyPr>
+          <a:lstStyle/>
+          <a:p>
+            <a:pPr>
+              <a:defRPr/>
+            </a:pPr>
+            <a:r>
+              <a:rPr lang="en-US" sz="4000" b="1"/>
+              <a:t>Conditional / Logical operators</a:t>
+            </a:r>
+            <a:endParaRPr/>
+          </a:p>
+        </p:txBody>
+      </p:sp>
+      <p:sp>
+        <p:nvSpPr>
+          <p:cNvPr id="1791082245" name="TextBox 1"/>
+          <p:cNvSpPr txBox="1"/>
+          <p:nvPr/>
+        </p:nvSpPr>
+        <p:spPr bwMode="auto">
+          <a:xfrm>
+            <a:off x="608011" y="1600200"/>
+            <a:ext cx="11190988" cy="4681281"/>
+          </a:xfrm>
+          <a:prstGeom prst="rect">
+            <a:avLst/>
+          </a:prstGeom>
+          <a:noFill/>
+        </p:spPr>
+        <p:txBody>
+          <a:bodyPr wrap="square">
+            <a:spAutoFit/>
+          </a:bodyPr>
+          <a:lstStyle/>
+          <a:p>
+            <a:pPr marL="304746" indent="-304746">
+              <a:lnSpc>
+                <a:spcPct val="90000"/>
+              </a:lnSpc>
+              <a:spcBef>
+                <a:spcPts val="1799"/>
+              </a:spcBef>
+              <a:buClr>
+                <a:schemeClr val="accent1">
+                  <a:lumMod val="75000"/>
+                </a:schemeClr>
+              </a:buClr>
+              <a:buFont typeface="Arial"/>
+              <a:buChar char="•"/>
+              <a:defRPr/>
+            </a:pPr>
+            <a:r>
+              <a:rPr lang="en-US" sz="2800"/>
+              <a:t>The </a:t>
+            </a:r>
+            <a:r>
+              <a:rPr lang="en-US" sz="2800" b="1">
+                <a:solidFill>
+                  <a:schemeClr val="accent6">
+                    <a:lumMod val="75000"/>
+                  </a:schemeClr>
+                </a:solidFill>
+              </a:rPr>
+              <a:t>ternary operator</a:t>
+            </a:r>
+            <a:r>
+              <a:rPr lang="en-US" sz="2800"/>
+              <a:t>, also known as the conditional operators in the java language can be used for statements of the form if-then-else.</a:t>
+            </a:r>
+            <a:endParaRPr/>
+          </a:p>
+          <a:p>
+            <a:pPr algn="ctr">
+              <a:lnSpc>
+                <a:spcPct val="90000"/>
+              </a:lnSpc>
+              <a:spcBef>
+                <a:spcPts val="1799"/>
+              </a:spcBef>
+              <a:buClr>
+                <a:schemeClr val="accent1">
+                  <a:lumMod val="75000"/>
+                </a:schemeClr>
+              </a:buClr>
+              <a:defRPr/>
+            </a:pPr>
+            <a:r>
+              <a:rPr lang="en-US" b="1">
+                <a:solidFill>
+                  <a:schemeClr val="accent6">
+                    <a:lumMod val="75000"/>
+                  </a:schemeClr>
+                </a:solidFill>
+              </a:rPr>
+              <a:t>(Expression1)? Expression2 : Expression3;</a:t>
+            </a:r>
+            <a:endParaRPr/>
+          </a:p>
+          <a:p>
+            <a:pPr marL="304746" indent="-304746">
+              <a:lnSpc>
+                <a:spcPct val="90000"/>
+              </a:lnSpc>
+              <a:spcBef>
+                <a:spcPts val="1799"/>
+              </a:spcBef>
+              <a:buClr>
+                <a:schemeClr val="accent1">
+                  <a:lumMod val="75000"/>
+                </a:schemeClr>
+              </a:buClr>
+              <a:buFont typeface="Arial"/>
+              <a:buChar char="•"/>
+              <a:defRPr/>
+            </a:pPr>
+            <a:r>
+              <a:rPr lang="en-US" sz="2800"/>
+              <a:t>The question mark ? in the syntax represents the if part.</a:t>
+            </a:r>
+            <a:endParaRPr/>
+          </a:p>
+          <a:p>
+            <a:pPr marL="304746" indent="-304746">
+              <a:lnSpc>
+                <a:spcPct val="90000"/>
+              </a:lnSpc>
+              <a:spcBef>
+                <a:spcPts val="1799"/>
+              </a:spcBef>
+              <a:buClr>
+                <a:schemeClr val="accent1">
+                  <a:lumMod val="75000"/>
+                </a:schemeClr>
+              </a:buClr>
+              <a:buFont typeface="Arial"/>
+              <a:buChar char="•"/>
+              <a:defRPr/>
+            </a:pPr>
+            <a:r>
+              <a:rPr lang="en-US" sz="2800"/>
+              <a:t>The first expression (expression 1) returns either true or false, based on which it is decided whether (expression 2) will be executed or (expression 3)</a:t>
+            </a:r>
+            <a:endParaRPr/>
+          </a:p>
+          <a:p>
+            <a:pPr marL="304746" indent="-304746">
+              <a:lnSpc>
+                <a:spcPct val="90000"/>
+              </a:lnSpc>
+              <a:spcBef>
+                <a:spcPts val="1799"/>
+              </a:spcBef>
+              <a:buClr>
+                <a:schemeClr val="accent1">
+                  <a:lumMod val="75000"/>
+                </a:schemeClr>
+              </a:buClr>
+              <a:buFont typeface="Arial"/>
+              <a:buChar char="•"/>
+              <a:defRPr/>
+            </a:pPr>
+            <a:r>
+              <a:rPr lang="en-US" sz="2800"/>
+              <a:t>If </a:t>
+            </a:r>
+            <a:r>
+              <a:rPr lang="en-US" sz="2800" b="1">
+                <a:solidFill>
+                  <a:schemeClr val="accent6">
+                    <a:lumMod val="75000"/>
+                  </a:schemeClr>
+                </a:solidFill>
+              </a:rPr>
+              <a:t>expression 1 </a:t>
+            </a:r>
+            <a:r>
+              <a:rPr lang="en-US" sz="2800"/>
+              <a:t>returns true then the </a:t>
+            </a:r>
+            <a:r>
+              <a:rPr lang="en-US" sz="2800" b="1">
+                <a:solidFill>
+                  <a:schemeClr val="accent6">
+                    <a:lumMod val="75000"/>
+                  </a:schemeClr>
+                </a:solidFill>
+              </a:rPr>
+              <a:t>expression 2 </a:t>
+            </a:r>
+            <a:r>
+              <a:rPr lang="en-US" sz="2800"/>
+              <a:t>is executed.</a:t>
+            </a:r>
+            <a:endParaRPr/>
+          </a:p>
+          <a:p>
+            <a:pPr marL="304746" indent="-304746">
+              <a:lnSpc>
+                <a:spcPct val="90000"/>
+              </a:lnSpc>
+              <a:spcBef>
+                <a:spcPts val="1799"/>
+              </a:spcBef>
+              <a:buClr>
+                <a:schemeClr val="accent1">
+                  <a:lumMod val="75000"/>
+                </a:schemeClr>
+              </a:buClr>
+              <a:buFont typeface="Arial"/>
+              <a:buChar char="•"/>
+              <a:defRPr/>
+            </a:pPr>
+            <a:r>
+              <a:rPr lang="en-US" sz="2800"/>
+              <a:t>If </a:t>
+            </a:r>
+            <a:r>
+              <a:rPr lang="en-US" sz="2800" b="1">
+                <a:solidFill>
+                  <a:schemeClr val="accent6">
+                    <a:lumMod val="75000"/>
+                  </a:schemeClr>
+                </a:solidFill>
+              </a:rPr>
+              <a:t>expression 1 </a:t>
+            </a:r>
+            <a:r>
+              <a:rPr lang="en-US" sz="2800"/>
+              <a:t>returns false then the </a:t>
+            </a:r>
+            <a:r>
+              <a:rPr lang="en-US" sz="2800" b="1">
+                <a:solidFill>
+                  <a:schemeClr val="accent6">
+                    <a:lumMod val="75000"/>
+                  </a:schemeClr>
+                </a:solidFill>
+              </a:rPr>
+              <a:t>expression 3 </a:t>
+            </a:r>
+            <a:r>
+              <a:rPr lang="en-US" sz="2800"/>
+              <a:t>is executed.</a:t>
+            </a:r>
+            <a:endParaRPr/>
+          </a:p>
+        </p:txBody>
+      </p:sp>
+    </p:spTree>
+  </p:cSld>
+  <p:clrMapOvr>
+    <a:masterClrMapping/>
+  </p:clrMapOvr>
+  <mc:AlternateContent xmlns:mc="http://schemas.openxmlformats.org/markup-compatibility/2006">
+    <mc:Choice xmlns:p14="http://schemas.microsoft.com/office/powerpoint/2010/main" Requires="p14">
+      <p:transition spd="med" p14:dur="700" advClick="1">
+        <p:fade thruBlk="0"/>
+      </p:transition>
+    </mc:Choice>
+    <mc:Fallback>
+      <p:transition spd="med" advClick="1">
+        <p:fade thruBlk="0"/>
+      </p:transition>
+    </mc:Fallback>
+  </mc:AlternateContent>
+</p:sld>
+</file>
+
+<file path=ppt/slides/slide19.xml><?xml version="1.0" encoding="utf-8"?>
+<p:sld xmlns:a="http://schemas.openxmlformats.org/drawingml/2006/main" xmlns:r="http://schemas.openxmlformats.org/officeDocument/2006/relationships" xmlns:p="http://schemas.openxmlformats.org/presentationml/2006/main" xmlns:m="http://schemas.openxmlformats.org/officeDocument/2006/math" xmlns:w="http://schemas.openxmlformats.org/wordprocessingml/2006/main" showMasterPhAnim="0" show="1">
+  <p:cSld name="">
+    <p:spTree>
+      <p:nvGrpSpPr>
+        <p:cNvPr id="1" name=""/>
+        <p:cNvGrpSpPr/>
+        <p:nvPr/>
+      </p:nvGrpSpPr>
+      <p:grpSpPr bwMode="auto">
+        <a:xfrm>
+          <a:off x="0" y="0"/>
+          <a:ext cx="0" cy="0"/>
+          <a:chOff x="0" y="0"/>
+          <a:chExt cx="0" cy="0"/>
+        </a:xfrm>
+      </p:grpSpPr>
+      <p:sp>
+        <p:nvSpPr>
+          <p:cNvPr id="1774827712" name="Rectangle 2"/>
+          <p:cNvSpPr/>
+          <p:nvPr/>
+        </p:nvSpPr>
+        <p:spPr bwMode="auto">
+          <a:xfrm>
+            <a:off x="-32067" y="0"/>
+            <a:ext cx="9483750" cy="761999"/>
+          </a:xfrm>
+          <a:prstGeom prst="rect">
+            <a:avLst/>
+          </a:prstGeom>
+        </p:spPr>
+        <p:txBody>
+          <a:bodyPr vert="horz" lIns="121897" tIns="60948" rIns="121897" bIns="60948" rtlCol="0" anchor="b">
+            <a:noAutofit/>
+          </a:bodyPr>
+          <a:lstStyle/>
+          <a:p>
+            <a:pPr>
+              <a:defRPr/>
+            </a:pPr>
+            <a:r>
+              <a:rPr lang="en-US" sz="4000" b="1"/>
+              <a:t>Type Comparison Operator</a:t>
+            </a:r>
+            <a:endParaRPr/>
+          </a:p>
+        </p:txBody>
+      </p:sp>
+      <p:graphicFrame>
+        <p:nvGraphicFramePr>
+          <p:cNvPr id="267707107" name="Table 3"/>
+          <p:cNvGraphicFramePr>
+            <a:graphicFrameLocks xmlns:a="http://schemas.openxmlformats.org/drawingml/2006/main"/>
+          </p:cNvGraphicFramePr>
+          <p:nvPr/>
+        </p:nvGraphicFramePr>
+        <p:xfrm>
+          <a:off x="265110" y="2910372"/>
+          <a:ext cx="11944429" cy="3283857"/>
+        </p:xfrm>
+        <a:graphic>
+          <a:graphicData uri="http://schemas.openxmlformats.org/drawingml/2006/table">
+            <a:tbl>
+              <a:tblPr firstRow="1" firstCol="0" lastRow="0" lastCol="0" bandRow="1" bandCol="0">
+                <a:tableStyleId>{17292A2E-F333-43FB-9621-5CBBE7FDCDCB}</a:tableStyleId>
+              </a:tblPr>
+              <a:tblGrid>
+                <a:gridCol w="2058678"/>
+                <a:gridCol w="4368534"/>
+                <a:gridCol w="5504516"/>
+              </a:tblGrid>
+              <a:tr h="906444">
+                <a:tc>
+                  <a:txBody>
+                    <a:bodyPr/>
+                    <a:p>
+                      <a:pPr algn="ctr">
+                        <a:defRPr/>
+                      </a:pPr>
+                      <a:r>
+                        <a:rPr lang="en-US" sz="2200"/>
+                        <a:t>Operator</a:t>
+                      </a:r>
+                      <a:endParaRPr/>
+                    </a:p>
+                  </a:txBody>
+                  <a:tcPr anchor="ctr"/>
+                </a:tc>
+                <a:tc>
+                  <a:txBody>
+                    <a:bodyPr/>
+                    <a:p>
+                      <a:pPr algn="ctr">
+                        <a:defRPr/>
+                      </a:pPr>
+                      <a:r>
+                        <a:rPr lang="en-US" sz="2200"/>
+                        <a:t>Description</a:t>
+                      </a:r>
+                      <a:endParaRPr/>
+                    </a:p>
+                  </a:txBody>
+                  <a:tcPr anchor="ctr"/>
+                </a:tc>
+                <a:tc>
+                  <a:txBody>
+                    <a:bodyPr/>
+                    <a:p>
+                      <a:pPr algn="ctr">
+                        <a:defRPr/>
+                      </a:pPr>
+                      <a:r>
+                        <a:rPr lang="en-US" sz="2200"/>
+                        <a:t>Example</a:t>
+                      </a:r>
+                      <a:endParaRPr/>
+                    </a:p>
+                  </a:txBody>
+                  <a:tcPr anchor="ctr"/>
+                </a:tc>
+              </a:tr>
+              <a:tr h="1472318">
+                <a:tc>
+                  <a:txBody>
+                    <a:bodyPr/>
+                    <a:p>
+                      <a:pPr algn="ctr">
+                        <a:defRPr/>
+                      </a:pPr>
+                      <a:r>
+                        <a:rPr lang="en-US" sz="2400" b="1">
+                          <a:solidFill>
+                            <a:schemeClr val="dk1"/>
+                          </a:solidFill>
+                          <a:latin typeface="Constantia"/>
+                          <a:ea typeface="Arial"/>
+                          <a:cs typeface="Arial"/>
+                        </a:rPr>
+                        <a:t>instanceof</a:t>
+                      </a:r>
+                      <a:endParaRPr lang="en-US" sz="1800"/>
+                    </a:p>
+                  </a:txBody>
+                  <a:tcPr anchor="ctr"/>
+                </a:tc>
+                <a:tc>
+                  <a:txBody>
+                    <a:bodyPr/>
+                    <a:p>
+                      <a:pPr>
+                        <a:defRPr/>
+                      </a:pPr>
+                      <a:r>
+                        <a:rPr lang="en-US" sz="1800" b="0">
+                          <a:solidFill>
+                            <a:schemeClr val="tx1"/>
+                          </a:solidFill>
+                        </a:rPr>
+                        <a:t>Check whether the object is an instance of the specified type </a:t>
+                      </a:r>
+                      <a:endParaRPr lang="en-US" sz="1800"/>
+                    </a:p>
+                  </a:txBody>
+                  <a:tcPr anchor="ctr"/>
+                </a:tc>
+                <a:tc>
+                  <a:txBody>
+                    <a:bodyPr/>
+                    <a:p>
+                      <a:pPr algn="ctr">
+                        <a:defRPr/>
+                      </a:pPr>
+                      <a:r>
+                        <a:rPr lang="en-US" sz="2000">
+                          <a:solidFill>
+                            <a:schemeClr val="dk1"/>
+                          </a:solidFill>
+                          <a:latin typeface="Constantia"/>
+                          <a:ea typeface="Arial"/>
+                          <a:cs typeface="Arial"/>
+                        </a:rPr>
+                        <a:t>Integer </a:t>
+                      </a:r>
+                      <a:r>
+                        <a:rPr lang="en-US" sz="2000">
+                          <a:solidFill>
+                            <a:schemeClr val="dk1"/>
+                          </a:solidFill>
+                          <a:latin typeface="Constantia"/>
+                          <a:ea typeface="Arial"/>
+                          <a:cs typeface="Arial"/>
+                        </a:rPr>
+                        <a:t>intObj</a:t>
+                      </a:r>
+                      <a:r>
+                        <a:rPr lang="en-US" sz="2000">
+                          <a:solidFill>
+                            <a:schemeClr val="dk1"/>
+                          </a:solidFill>
+                          <a:latin typeface="Constantia"/>
+                          <a:ea typeface="Arial"/>
+                          <a:cs typeface="Arial"/>
+                        </a:rPr>
+                        <a:t>=</a:t>
+                      </a:r>
+                      <a:r>
+                        <a:rPr lang="en-US" sz="2000">
+                          <a:solidFill>
+                            <a:schemeClr val="dk1"/>
+                          </a:solidFill>
+                          <a:latin typeface="Constantia"/>
+                          <a:ea typeface="Arial"/>
+                          <a:cs typeface="Arial"/>
+                        </a:rPr>
+                        <a:t>Integer.</a:t>
+                      </a:r>
+                      <a:r>
+                        <a:rPr lang="en-US" sz="2000" i="1">
+                          <a:solidFill>
+                            <a:schemeClr val="dk1"/>
+                          </a:solidFill>
+                          <a:latin typeface="Constantia"/>
+                          <a:ea typeface="Arial"/>
+                          <a:cs typeface="Arial"/>
+                        </a:rPr>
+                        <a:t>valueOf</a:t>
+                      </a:r>
+                      <a:r>
+                        <a:rPr lang="en-US" sz="2000" i="1">
+                          <a:solidFill>
+                            <a:schemeClr val="dk1"/>
+                          </a:solidFill>
+                          <a:latin typeface="Constantia"/>
+                          <a:ea typeface="Arial"/>
+                          <a:cs typeface="Arial"/>
+                        </a:rPr>
+                        <a:t>(v1);</a:t>
+                      </a:r>
+                      <a:endParaRPr/>
+                    </a:p>
+                    <a:p>
+                      <a:pPr algn="ctr">
+                        <a:defRPr/>
+                      </a:pPr>
+                      <a:r>
+                        <a:rPr lang="en-US" sz="2000">
+                          <a:solidFill>
+                            <a:schemeClr val="dk1"/>
+                          </a:solidFill>
+                          <a:latin typeface="Constantia"/>
+                          <a:ea typeface="Arial"/>
+                          <a:cs typeface="Arial"/>
+                        </a:rPr>
+                        <a:t>intObj</a:t>
+                      </a:r>
+                      <a:r>
+                        <a:rPr lang="en-US" sz="2000">
+                          <a:solidFill>
+                            <a:schemeClr val="dk1"/>
+                          </a:solidFill>
+                          <a:latin typeface="Constantia"/>
+                          <a:ea typeface="Arial"/>
+                          <a:cs typeface="Arial"/>
+                        </a:rPr>
+                        <a:t> </a:t>
+                      </a:r>
+                      <a:r>
+                        <a:rPr lang="en-US" sz="2000" b="1">
+                          <a:solidFill>
+                            <a:schemeClr val="dk1"/>
+                          </a:solidFill>
+                          <a:latin typeface="Constantia"/>
+                          <a:ea typeface="Arial"/>
+                          <a:cs typeface="Arial"/>
+                        </a:rPr>
+                        <a:t>instanceof</a:t>
+                      </a:r>
+                      <a:r>
+                        <a:rPr lang="en-US" sz="2000" b="1">
+                          <a:solidFill>
+                            <a:schemeClr val="dk1"/>
+                          </a:solidFill>
+                          <a:latin typeface="Constantia"/>
+                          <a:ea typeface="Arial"/>
+                          <a:cs typeface="Arial"/>
+                        </a:rPr>
+                        <a:t> Integer</a:t>
+                      </a:r>
+                      <a:endParaRPr lang="en-US" sz="2000"/>
+                    </a:p>
+                  </a:txBody>
+                  <a:tcPr anchor="ctr"/>
+                </a:tc>
+              </a:tr>
+              <a:tr h="892395">
+                <a:tc>
+                  <a:txBody>
+                    <a:bodyPr/>
+                    <a:p>
+                      <a:pPr algn="ctr">
+                        <a:defRPr/>
+                      </a:pPr>
+                      <a:endParaRPr lang="en-US" sz="1800"/>
+                    </a:p>
+                  </a:txBody>
+                  <a:tcPr anchor="ctr"/>
+                </a:tc>
+                <a:tc>
+                  <a:txBody>
+                    <a:bodyPr/>
+                    <a:p>
+                      <a:pPr>
+                        <a:defRPr/>
+                      </a:pPr>
+                      <a:endParaRPr lang="en-US" sz="1800"/>
+                    </a:p>
+                  </a:txBody>
+                  <a:tcPr anchor="ctr"/>
+                </a:tc>
+                <a:tc>
+                  <a:txBody>
+                    <a:bodyPr/>
+                    <a:p>
+                      <a:pPr algn="ctr">
+                        <a:defRPr/>
+                      </a:pPr>
+                      <a:endParaRPr lang="en-US" sz="1800">
+                        <a:latin typeface="Times New Roman"/>
+                        <a:cs typeface="Times New Roman"/>
+                      </a:endParaRPr>
+                    </a:p>
+                  </a:txBody>
+                  <a:tcPr anchor="ctr"/>
+                </a:tc>
+              </a:tr>
+            </a:tbl>
+          </a:graphicData>
+        </a:graphic>
+      </p:graphicFrame>
+      <p:sp>
+        <p:nvSpPr>
+          <p:cNvPr id="1431244670" name="TextBox 4"/>
+          <p:cNvSpPr txBox="1"/>
+          <p:nvPr/>
+        </p:nvSpPr>
+        <p:spPr bwMode="auto">
+          <a:xfrm>
+            <a:off x="265110" y="1442356"/>
+            <a:ext cx="11506199" cy="1255727"/>
+          </a:xfrm>
+          <a:prstGeom prst="rect">
+            <a:avLst/>
+          </a:prstGeom>
+          <a:noFill/>
+        </p:spPr>
+        <p:txBody>
+          <a:bodyPr wrap="square">
+            <a:spAutoFit/>
+          </a:bodyPr>
+          <a:lstStyle>
+            <a:defPPr>
+              <a:defRPr lang="en-US"/>
+            </a:defPPr>
+            <a:lvl1pPr marL="304746" indent="-304746">
+              <a:lnSpc>
+                <a:spcPct val="90000"/>
+              </a:lnSpc>
+              <a:spcBef>
+                <a:spcPts val="1799"/>
+              </a:spcBef>
+              <a:buClr>
+                <a:schemeClr val="accent1">
+                  <a:lumMod val="75000"/>
+                </a:schemeClr>
+              </a:buClr>
+              <a:buFont typeface="Arial"/>
+              <a:buChar char="•"/>
+              <a:defRPr sz="2800" b="1">
+                <a:solidFill>
+                  <a:schemeClr val="accent6">
+                    <a:lumMod val="75000"/>
+                  </a:schemeClr>
+                </a:solidFill>
+              </a:defRPr>
+            </a:lvl1pPr>
+          </a:lstStyle>
+          <a:p>
+            <a:pPr>
+              <a:defRPr/>
+            </a:pPr>
+            <a:r>
+              <a:rPr lang="en-US" b="0">
+                <a:solidFill>
+                  <a:schemeClr val="tx1"/>
+                </a:solidFill>
+              </a:rPr>
+              <a:t>Java </a:t>
+            </a:r>
+            <a:r>
+              <a:rPr lang="en-US">
+                <a:solidFill>
+                  <a:schemeClr val="accent6">
+                    <a:lumMod val="50000"/>
+                  </a:schemeClr>
+                </a:solidFill>
+              </a:rPr>
+              <a:t>instanceof</a:t>
+            </a:r>
+            <a:r>
+              <a:rPr lang="en-US" b="0">
+                <a:solidFill>
+                  <a:schemeClr val="tx1"/>
+                </a:solidFill>
+              </a:rPr>
+              <a:t> operator (also called type comparison operator) is used to test whether the object is an instance of the specified type (class or interface).</a:t>
+            </a:r>
+            <a:endParaRPr/>
+          </a:p>
+        </p:txBody>
+      </p:sp>
+    </p:spTree>
+  </p:cSld>
+  <p:clrMapOvr>
+    <a:masterClrMapping/>
+  </p:clrMapOvr>
+  <mc:AlternateContent xmlns:mc="http://schemas.openxmlformats.org/markup-compatibility/2006">
+    <mc:Choice xmlns:p14="http://schemas.microsoft.com/office/powerpoint/2010/main" Requires="p14">
+      <p:transition spd="med" p14:dur="700" advClick="1">
+        <p:fade thruBlk="0"/>
+      </p:transition>
+    </mc:Choice>
+    <mc:Fallback>
+      <p:transition spd="med" advClick="1">
+        <p:fade thruBlk="0"/>
+      </p:transition>
+    </mc:Fallback>
+  </mc:AlternateContent>
+</p:sld>
+</file>
+
+<file path=ppt/slides/slide2.xml><?xml version="1.0" encoding="utf-8"?>
+<p:sld xmlns:a="http://schemas.openxmlformats.org/drawingml/2006/main" xmlns:r="http://schemas.openxmlformats.org/officeDocument/2006/relationships" xmlns:p="http://schemas.openxmlformats.org/presentationml/2006/main" xmlns:m="http://schemas.openxmlformats.org/officeDocument/2006/math" xmlns:w="http://schemas.openxmlformats.org/wordprocessingml/2006/main" showMasterPhAnim="0" show="1">
+  <p:cSld name="">
+    <p:spTree>
+      <p:nvGrpSpPr>
+        <p:cNvPr id="1" name=""/>
+        <p:cNvGrpSpPr/>
+        <p:nvPr/>
+      </p:nvGrpSpPr>
+      <p:grpSpPr bwMode="auto">
+        <a:xfrm>
+          <a:off x="0" y="0"/>
+          <a:ext cx="0" cy="0"/>
+          <a:chOff x="0" y="0"/>
+          <a:chExt cx="0" cy="0"/>
+        </a:xfrm>
+      </p:grpSpPr>
+      <p:sp>
+        <p:nvSpPr>
+          <p:cNvPr id="3" name="Content Placeholder 2"/>
+          <p:cNvSpPr>
+            <a:spLocks noGrp="1"/>
+          </p:cNvSpPr>
+          <p:nvPr>
+            <p:ph sz="half" idx="1"/>
+          </p:nvPr>
+        </p:nvSpPr>
+        <p:spPr bwMode="auto">
+          <a:xfrm>
+            <a:off x="354514" y="1371600"/>
+            <a:ext cx="11479796" cy="5181600"/>
+          </a:xfrm>
+        </p:spPr>
+        <p:txBody>
+          <a:bodyPr vertOverflow="overflow" horzOverflow="overflow" vert="horz" wrap="square" lIns="121897" tIns="60948" rIns="121897" bIns="60948" numCol="1" spcCol="0" rtlCol="0" fromWordArt="0" anchor="t" anchorCtr="0" forceAA="0" upright="0" compatLnSpc="0">
+            <a:normAutofit/>
+          </a:bodyPr>
+          <a:lstStyle/>
+          <a:p>
+            <a:pPr>
+              <a:defRPr/>
+            </a:pPr>
+            <a:r>
+              <a:rPr lang="en-US" b="0" i="0">
+                <a:solidFill>
+                  <a:srgbClr val="000000"/>
+                </a:solidFill>
+                <a:latin typeface="-apple-system"/>
+              </a:rPr>
+              <a:t>Tokens are the various elements in the java program that are identified by </a:t>
+            </a:r>
+            <a:r>
+              <a:rPr lang="en-US" b="1" i="0" u="none" strike="noStrike">
+                <a:solidFill>
+                  <a:srgbClr val="C00000"/>
+                </a:solidFill>
+                <a:latin typeface="-apple-system"/>
+              </a:rPr>
+              <a:t>Java compiler</a:t>
+            </a:r>
+            <a:r>
+              <a:rPr lang="en-US" b="0" i="0">
+                <a:solidFill>
+                  <a:srgbClr val="000000"/>
+                </a:solidFill>
+                <a:latin typeface="-apple-system"/>
+              </a:rPr>
+              <a:t>. A token is the smallest individual element (unit) in a program that is meaningful to the compiler.</a:t>
+            </a:r>
+            <a:endParaRPr/>
+          </a:p>
+          <a:p>
+            <a:pPr marL="0" indent="0" algn="l">
+              <a:buNone/>
+              <a:defRPr/>
+            </a:pPr>
+            <a:r>
+              <a:rPr lang="en-US" b="1" i="0">
+                <a:solidFill>
+                  <a:srgbClr val="000000"/>
+                </a:solidFill>
+                <a:latin typeface="-apple-system"/>
+              </a:rPr>
+              <a:t>Java language contains five types of tokens that are as follows:</a:t>
+            </a:r>
+            <a:endParaRPr/>
+          </a:p>
+          <a:p>
+            <a:pPr algn="l">
+              <a:buFont typeface="Wingdings"/>
+              <a:buChar char="Ø"/>
+              <a:defRPr/>
+            </a:pPr>
+            <a:r>
+              <a:rPr lang="en-US" sz="2800" b="0" i="0" u="none" strike="noStrike" cap="none" spc="0">
+                <a:solidFill>
+                  <a:srgbClr val="000000"/>
+                </a:solidFill>
+                <a:latin typeface="-apple-system"/>
+                <a:ea typeface="-apple-system"/>
+                <a:cs typeface="-apple-system"/>
+              </a:rPr>
+              <a:t>Identifiers</a:t>
+            </a:r>
+            <a:endParaRPr lang="en-US" b="0" i="0">
+              <a:solidFill>
+                <a:srgbClr val="000000"/>
+              </a:solidFill>
+              <a:latin typeface="-apple-system"/>
+            </a:endParaRPr>
+          </a:p>
+          <a:p>
+            <a:pPr algn="l">
+              <a:buFont typeface="Wingdings"/>
+              <a:buChar char="Ø"/>
+              <a:defRPr/>
+            </a:pPr>
+            <a:r>
+              <a:rPr lang="en-US" b="0" i="0">
+                <a:solidFill>
+                  <a:srgbClr val="000000"/>
+                </a:solidFill>
+                <a:latin typeface="-apple-system"/>
+              </a:rPr>
+              <a:t>Keywords</a:t>
+            </a:r>
+            <a:endParaRPr/>
+          </a:p>
+          <a:p>
+            <a:pPr algn="l">
+              <a:buFont typeface="Wingdings"/>
+              <a:buChar char="Ø"/>
+              <a:defRPr/>
+            </a:pPr>
+            <a:r>
+              <a:rPr lang="en-US" b="0" i="0">
+                <a:solidFill>
+                  <a:srgbClr val="000000"/>
+                </a:solidFill>
+                <a:latin typeface="-apple-system"/>
+              </a:rPr>
+              <a:t>Literals</a:t>
+            </a:r>
+            <a:endParaRPr/>
+          </a:p>
+          <a:p>
+            <a:pPr algn="l">
+              <a:buFont typeface="Wingdings"/>
+              <a:buChar char="Ø"/>
+              <a:defRPr/>
+            </a:pPr>
+            <a:r>
+              <a:rPr lang="en-US" b="0" i="0">
+                <a:solidFill>
+                  <a:srgbClr val="000000"/>
+                </a:solidFill>
+                <a:latin typeface="-apple-system"/>
+              </a:rPr>
+              <a:t>Operators</a:t>
+            </a:r>
+            <a:endParaRPr/>
+          </a:p>
+          <a:p>
+            <a:pPr marR="0">
+              <a:buFont typeface="Wingdings"/>
+              <a:buChar char="Ø"/>
+              <a:defRPr/>
+            </a:pPr>
+            <a:r>
+              <a:rPr lang="en-US">
+                <a:solidFill>
+                  <a:srgbClr val="000000"/>
+                </a:solidFill>
+                <a:latin typeface="-apple-system"/>
+              </a:rPr>
+              <a:t>Special Symbols</a:t>
+            </a:r>
+            <a:endParaRPr/>
+          </a:p>
+        </p:txBody>
+      </p:sp>
+      <p:sp>
+        <p:nvSpPr>
+          <p:cNvPr id="4" name="Rectangle 3"/>
+          <p:cNvSpPr/>
+          <p:nvPr/>
+        </p:nvSpPr>
+        <p:spPr bwMode="auto">
+          <a:xfrm>
+            <a:off x="0" y="8709"/>
+            <a:ext cx="9385775" cy="849462"/>
+          </a:xfrm>
+          <a:prstGeom prst="rect">
+            <a:avLst/>
+          </a:prstGeom>
+        </p:spPr>
+        <p:txBody>
+          <a:bodyPr vert="horz" lIns="121898" tIns="60949" rIns="121898" bIns="60949" rtlCol="0" anchor="b">
+            <a:noAutofit/>
+          </a:bodyPr>
+          <a:lstStyle/>
+          <a:p>
+            <a:pPr marR="0" lvl="0" algn="l" defTabSz="914400">
+              <a:lnSpc>
+                <a:spcPct val="100000"/>
+              </a:lnSpc>
+              <a:spcBef>
+                <a:spcPts val="0"/>
+              </a:spcBef>
+              <a:spcAft>
+                <a:spcPts val="0"/>
+              </a:spcAft>
+              <a:buClrTx/>
+              <a:buSzTx/>
+              <a:defRPr/>
+            </a:pPr>
+            <a:r>
+              <a:rPr lang="en-US" sz="4000" b="1">
+                <a:solidFill>
+                  <a:schemeClr val="dk1"/>
+                </a:solidFill>
+                <a:latin typeface="+mn-lt"/>
+                <a:ea typeface="+mn-ea"/>
+                <a:cs typeface="+mn-cs"/>
+              </a:rPr>
+              <a:t>Java Tokens  </a:t>
+            </a:r>
+            <a:endParaRPr/>
+          </a:p>
+        </p:txBody>
+      </p:sp>
+    </p:spTree>
+  </p:cSld>
+  <p:clrMapOvr>
+    <a:masterClrMapping/>
+  </p:clrMapOvr>
+  <mc:AlternateContent xmlns:mc="http://schemas.openxmlformats.org/markup-compatibility/2006">
+    <mc:Choice xmlns:p14="http://schemas.microsoft.com/office/powerpoint/2010/main" Requires="p14">
+      <p:transition spd="med" p14:dur="700" advClick="1">
+        <p:fade thruBlk="0"/>
+      </p:transition>
+    </mc:Choice>
+    <mc:Fallback>
+      <p:transition spd="med" advClick="1">
+        <p:fade thruBlk="0"/>
+      </p:transition>
+    </mc:Fallback>
+  </mc:AlternateContent>
+</p:sld>
+</file>
+
+<file path=ppt/slides/slide20.xml><?xml version="1.0" encoding="utf-8"?>
+<p:sld xmlns:a="http://schemas.openxmlformats.org/drawingml/2006/main" xmlns:r="http://schemas.openxmlformats.org/officeDocument/2006/relationships" xmlns:p="http://schemas.openxmlformats.org/presentationml/2006/main" xmlns:m="http://schemas.openxmlformats.org/officeDocument/2006/math" xmlns:w="http://schemas.openxmlformats.org/wordprocessingml/2006/main" showMasterPhAnim="0" show="1">
+  <p:cSld name="">
+    <p:spTree>
+      <p:nvGrpSpPr>
+        <p:cNvPr id="1" name=""/>
+        <p:cNvGrpSpPr/>
+        <p:nvPr/>
+      </p:nvGrpSpPr>
+      <p:grpSpPr bwMode="auto">
+        <a:xfrm>
+          <a:off x="0" y="0"/>
+          <a:ext cx="0" cy="0"/>
+          <a:chOff x="0" y="0"/>
+          <a:chExt cx="0" cy="0"/>
+        </a:xfrm>
+      </p:grpSpPr>
+      <p:sp>
+        <p:nvSpPr>
+          <p:cNvPr id="1141035507" name="Rectangle 2"/>
+          <p:cNvSpPr/>
+          <p:nvPr/>
+        </p:nvSpPr>
+        <p:spPr bwMode="auto">
+          <a:xfrm>
+            <a:off x="-32067" y="0"/>
+            <a:ext cx="9483750" cy="761999"/>
+          </a:xfrm>
+          <a:prstGeom prst="rect">
+            <a:avLst/>
+          </a:prstGeom>
+        </p:spPr>
+        <p:txBody>
+          <a:bodyPr vert="horz" lIns="121897" tIns="60948" rIns="121897" bIns="60948" rtlCol="0" anchor="b">
+            <a:noAutofit/>
+          </a:bodyPr>
+          <a:lstStyle/>
+          <a:p>
+            <a:pPr>
+              <a:defRPr/>
+            </a:pPr>
+            <a:r>
+              <a:rPr lang="en-US" sz="4000" b="1"/>
+              <a:t>Bitwise operators</a:t>
+            </a:r>
+            <a:endParaRPr/>
+          </a:p>
+        </p:txBody>
+      </p:sp>
+      <p:graphicFrame>
+        <p:nvGraphicFramePr>
+          <p:cNvPr id="903240287" name="Table 3"/>
+          <p:cNvGraphicFramePr>
+            <a:graphicFrameLocks xmlns:a="http://schemas.openxmlformats.org/drawingml/2006/main"/>
+          </p:cNvGraphicFramePr>
+          <p:nvPr/>
+        </p:nvGraphicFramePr>
+        <p:xfrm>
+          <a:off x="265110" y="1562694"/>
+          <a:ext cx="11658600" cy="5234940"/>
+        </p:xfrm>
+        <a:graphic>
+          <a:graphicData uri="http://schemas.openxmlformats.org/drawingml/2006/table">
+            <a:tbl>
+              <a:tblPr firstRow="1" firstCol="0" lastRow="0" lastCol="0" bandRow="1" bandCol="0">
+                <a:tableStyleId>{17292A2E-F333-43FB-9621-5CBBE7FDCDCB}</a:tableStyleId>
+              </a:tblPr>
+              <a:tblGrid>
+                <a:gridCol w="2028492"/>
+                <a:gridCol w="4304481"/>
+                <a:gridCol w="5423806"/>
+              </a:tblGrid>
+              <a:tr h="477059">
+                <a:tc>
+                  <a:txBody>
+                    <a:bodyPr/>
+                    <a:p>
+                      <a:pPr algn="ctr">
+                        <a:defRPr/>
+                      </a:pPr>
+                      <a:r>
+                        <a:rPr lang="en-US" sz="2200"/>
+                        <a:t>Operator</a:t>
+                      </a:r>
+                      <a:endParaRPr/>
+                    </a:p>
+                  </a:txBody>
+                  <a:tcPr anchor="ctr"/>
+                </a:tc>
+                <a:tc>
+                  <a:txBody>
+                    <a:bodyPr/>
+                    <a:p>
+                      <a:pPr algn="ctr">
+                        <a:defRPr/>
+                      </a:pPr>
+                      <a:r>
+                        <a:rPr lang="en-US" sz="2200"/>
+                        <a:t>Description</a:t>
+                      </a:r>
+                      <a:endParaRPr/>
+                    </a:p>
+                  </a:txBody>
+                  <a:tcPr anchor="ctr"/>
+                </a:tc>
+                <a:tc>
+                  <a:txBody>
+                    <a:bodyPr/>
+                    <a:p>
+                      <a:pPr algn="ctr">
+                        <a:defRPr/>
+                      </a:pPr>
+                      <a:r>
+                        <a:rPr lang="en-US" sz="2200"/>
+                        <a:t>Example</a:t>
+                      </a:r>
+                      <a:endParaRPr/>
+                    </a:p>
+                  </a:txBody>
+                  <a:tcPr anchor="ctr"/>
+                </a:tc>
+              </a:tr>
+              <a:tr h="708695">
+                <a:tc>
+                  <a:txBody>
+                    <a:bodyPr/>
+                    <a:p>
+                      <a:pPr algn="ctr">
+                        <a:defRPr/>
+                      </a:pPr>
+                      <a:r>
+                        <a:rPr lang="en-US" sz="1800"/>
+                        <a:t>&amp;</a:t>
+                      </a:r>
+                      <a:endParaRPr/>
+                    </a:p>
+                  </a:txBody>
+                  <a:tcPr anchor="ctr"/>
+                </a:tc>
+                <a:tc>
+                  <a:txBody>
+                    <a:bodyPr/>
+                    <a:p>
+                      <a:pPr>
+                        <a:defRPr/>
+                      </a:pPr>
+                      <a:r>
+                        <a:rPr lang="en-US" sz="1800"/>
+                        <a:t>Bitwise AND</a:t>
+                      </a:r>
+                      <a:endParaRPr/>
+                    </a:p>
+                  </a:txBody>
+                  <a:tcPr anchor="ctr"/>
+                </a:tc>
+                <a:tc>
+                  <a:txBody>
+                    <a:bodyPr/>
+                    <a:p>
+                      <a:pPr algn="ctr">
+                        <a:defRPr/>
+                      </a:pPr>
+                      <a:r>
+                        <a:rPr lang="en-US" sz="1800"/>
+                        <a:t>The bitwise &amp; operator performs a bitwise AND operation</a:t>
+                      </a:r>
+                      <a:endParaRPr/>
+                    </a:p>
+                  </a:txBody>
+                  <a:tcPr anchor="ctr"/>
+                </a:tc>
+              </a:tr>
+              <a:tr h="708695">
+                <a:tc>
+                  <a:txBody>
+                    <a:bodyPr/>
+                    <a:p>
+                      <a:pPr algn="ctr">
+                        <a:defRPr/>
+                      </a:pPr>
+                      <a:r>
+                        <a:rPr lang="en-US" sz="1800"/>
+                        <a:t>|</a:t>
+                      </a:r>
+                      <a:endParaRPr/>
+                    </a:p>
+                  </a:txBody>
+                  <a:tcPr anchor="ctr"/>
+                </a:tc>
+                <a:tc>
+                  <a:txBody>
+                    <a:bodyPr/>
+                    <a:p>
+                      <a:pPr>
+                        <a:defRPr/>
+                      </a:pPr>
+                      <a:r>
+                        <a:rPr lang="en-US" sz="1800"/>
+                        <a:t>Bitwise OR</a:t>
+                      </a:r>
+                      <a:endParaRPr/>
+                    </a:p>
+                  </a:txBody>
+                  <a:tcPr anchor="ctr"/>
+                </a:tc>
+                <a:tc>
+                  <a:txBody>
+                    <a:bodyPr/>
+                    <a:p>
+                      <a:pPr algn="ctr">
+                        <a:defRPr/>
+                      </a:pPr>
+                      <a:r>
+                        <a:rPr lang="en-US" sz="1800"/>
+                        <a:t>The bitwise | operator performs a bitwise inclusive OR operation </a:t>
+                      </a:r>
+                      <a:endParaRPr/>
+                    </a:p>
+                  </a:txBody>
+                  <a:tcPr anchor="ctr"/>
+                </a:tc>
+              </a:tr>
+              <a:tr h="1006513">
+                <a:tc>
+                  <a:txBody>
+                    <a:bodyPr/>
+                    <a:p>
+                      <a:pPr algn="ctr">
+                        <a:defRPr/>
+                      </a:pPr>
+                      <a:r>
+                        <a:rPr lang="en-US" sz="1800"/>
+                        <a:t>~</a:t>
+                      </a:r>
+                      <a:endParaRPr/>
+                    </a:p>
+                  </a:txBody>
+                  <a:tcPr anchor="ctr"/>
+                </a:tc>
+                <a:tc>
+                  <a:txBody>
+                    <a:bodyPr/>
+                    <a:p>
+                      <a:pPr marL="0" marR="0" lvl="0" indent="0" algn="l" defTabSz="1218987">
+                        <a:lnSpc>
+                          <a:spcPct val="100000"/>
+                        </a:lnSpc>
+                        <a:spcBef>
+                          <a:spcPts val="0"/>
+                        </a:spcBef>
+                        <a:spcAft>
+                          <a:spcPts val="0"/>
+                        </a:spcAft>
+                        <a:buClrTx/>
+                        <a:buSzTx/>
+                        <a:buFontTx/>
+                        <a:buNone/>
+                        <a:defRPr/>
+                      </a:pPr>
+                      <a:r>
+                        <a:rPr lang="en-US" sz="1800"/>
+                        <a:t>One's complement (NOT)</a:t>
+                      </a:r>
+                      <a:endParaRPr/>
+                    </a:p>
+                  </a:txBody>
+                  <a:tcPr anchor="ctr"/>
+                </a:tc>
+                <a:tc>
+                  <a:txBody>
+                    <a:bodyPr/>
+                    <a:p>
+                      <a:pPr algn="ctr">
+                        <a:defRPr/>
+                      </a:pPr>
+                      <a:r>
+                        <a:rPr lang="en-US" sz="1800"/>
+                        <a:t>bitwise NOT operator "~" inverts a bit pattern; it can be applied to any of the integral types, making every "0" a "1" and every "1" a "0" </a:t>
+                      </a:r>
+                      <a:endParaRPr/>
+                    </a:p>
+                  </a:txBody>
+                  <a:tcPr anchor="ctr"/>
+                </a:tc>
+              </a:tr>
+              <a:tr h="708695">
+                <a:tc>
+                  <a:txBody>
+                    <a:bodyPr/>
+                    <a:p>
+                      <a:pPr marL="0" marR="0" lvl="0" indent="0" algn="ctr" defTabSz="1218987">
+                        <a:lnSpc>
+                          <a:spcPct val="100000"/>
+                        </a:lnSpc>
+                        <a:spcBef>
+                          <a:spcPts val="0"/>
+                        </a:spcBef>
+                        <a:spcAft>
+                          <a:spcPts val="0"/>
+                        </a:spcAft>
+                        <a:buClrTx/>
+                        <a:buSzTx/>
+                        <a:buFontTx/>
+                        <a:buNone/>
+                        <a:defRPr/>
+                      </a:pPr>
+                      <a:r>
+                        <a:rPr lang="en-US" sz="1800"/>
+                        <a:t>^</a:t>
+                      </a:r>
+                      <a:endParaRPr/>
+                    </a:p>
+                    <a:p>
+                      <a:pPr algn="ctr">
+                        <a:defRPr/>
+                      </a:pPr>
+                      <a:endParaRPr lang="en-US" sz="1800"/>
+                    </a:p>
+                  </a:txBody>
+                  <a:tcPr anchor="ctr"/>
+                </a:tc>
+                <a:tc>
+                  <a:txBody>
+                    <a:bodyPr/>
+                    <a:p>
+                      <a:pPr marL="0" marR="0" lvl="0" indent="0" algn="l" defTabSz="1218987">
+                        <a:lnSpc>
+                          <a:spcPct val="100000"/>
+                        </a:lnSpc>
+                        <a:spcBef>
+                          <a:spcPts val="0"/>
+                        </a:spcBef>
+                        <a:spcAft>
+                          <a:spcPts val="0"/>
+                        </a:spcAft>
+                        <a:buClrTx/>
+                        <a:buSzTx/>
+                        <a:buFontTx/>
+                        <a:buNone/>
+                        <a:defRPr/>
+                      </a:pPr>
+                      <a:r>
+                        <a:rPr lang="en-US" sz="1800"/>
+                        <a:t>Bitwise Exclusive OR (XOR)</a:t>
+                      </a:r>
+                      <a:endParaRPr/>
+                    </a:p>
+                    <a:p>
+                      <a:pPr>
+                        <a:defRPr/>
+                      </a:pPr>
+                      <a:endParaRPr lang="en-US" sz="1800"/>
+                    </a:p>
+                  </a:txBody>
+                  <a:tcPr anchor="ctr"/>
+                </a:tc>
+                <a:tc>
+                  <a:txBody>
+                    <a:bodyPr/>
+                    <a:p>
+                      <a:pPr algn="ctr">
+                        <a:defRPr/>
+                      </a:pPr>
+                      <a:r>
+                        <a:rPr lang="en-US" sz="1800"/>
+                        <a:t>The bitwise ^ operator performs a bitwise exclusive OR operation. </a:t>
+                      </a:r>
+                      <a:endParaRPr/>
+                    </a:p>
+                  </a:txBody>
+                  <a:tcPr anchor="ctr"/>
+                </a:tc>
+              </a:tr>
+              <a:tr h="708695">
+                <a:tc>
+                  <a:txBody>
+                    <a:bodyPr/>
+                    <a:p>
+                      <a:pPr algn="ctr">
+                        <a:defRPr/>
+                      </a:pPr>
+                      <a:r>
+                        <a:rPr lang="en-US" sz="1800"/>
+                        <a:t>&gt;&gt;</a:t>
+                      </a:r>
+                      <a:endParaRPr/>
+                    </a:p>
+                  </a:txBody>
+                  <a:tcPr anchor="ctr"/>
+                </a:tc>
+                <a:tc>
+                  <a:txBody>
+                    <a:bodyPr/>
+                    <a:p>
+                      <a:pPr>
+                        <a:defRPr/>
+                      </a:pPr>
+                      <a:r>
+                        <a:rPr lang="en-US" sz="1800"/>
+                        <a:t>Shift right</a:t>
+                      </a:r>
+                      <a:endParaRPr/>
+                    </a:p>
+                  </a:txBody>
+                  <a:tcPr anchor="ctr"/>
+                </a:tc>
+                <a:tc>
+                  <a:txBody>
+                    <a:bodyPr/>
+                    <a:p>
+                      <a:pPr algn="ctr">
+                        <a:defRPr/>
+                      </a:pPr>
+                      <a:r>
+                        <a:rPr lang="en-US" sz="1800">
+                          <a:latin typeface="Times New Roman"/>
+                          <a:cs typeface="Times New Roman"/>
+                        </a:rPr>
+                        <a:t> int a = 00010000 ;b = 2;</a:t>
+                      </a:r>
+                      <a:endParaRPr/>
+                    </a:p>
+                    <a:p>
+                      <a:pPr algn="ctr">
+                        <a:defRPr/>
+                      </a:pPr>
+                      <a:r>
+                        <a:rPr lang="en-US" sz="1800">
+                          <a:latin typeface="Times New Roman"/>
+                          <a:cs typeface="Times New Roman"/>
+                        </a:rPr>
+                        <a:t>a &gt;&gt; b = 00000100</a:t>
+                      </a:r>
+                      <a:endParaRPr/>
+                    </a:p>
+                  </a:txBody>
+                  <a:tcPr anchor="ctr"/>
+                </a:tc>
+              </a:tr>
+              <a:tr h="708695">
+                <a:tc>
+                  <a:txBody>
+                    <a:bodyPr/>
+                    <a:p>
+                      <a:pPr algn="ctr">
+                        <a:defRPr/>
+                      </a:pPr>
+                      <a:r>
+                        <a:rPr lang="en-US" sz="1800"/>
+                        <a:t>&lt;&lt;</a:t>
+                      </a:r>
+                      <a:endParaRPr/>
+                    </a:p>
+                  </a:txBody>
+                  <a:tcPr anchor="ctr"/>
+                </a:tc>
+                <a:tc>
+                  <a:txBody>
+                    <a:bodyPr/>
+                    <a:p>
+                      <a:pPr>
+                        <a:defRPr/>
+                      </a:pPr>
+                      <a:r>
+                        <a:rPr lang="en-US" sz="1800"/>
+                        <a:t>Shift left</a:t>
+                      </a:r>
+                      <a:endParaRPr/>
+                    </a:p>
+                  </a:txBody>
+                  <a:tcPr anchor="ctr"/>
+                </a:tc>
+                <a:tc>
+                  <a:txBody>
+                    <a:bodyPr/>
+                    <a:p>
+                      <a:pPr algn="ctr">
+                        <a:defRPr/>
+                      </a:pPr>
+                      <a:r>
+                        <a:rPr lang="pt-BR" sz="1800">
+                          <a:latin typeface="Times New Roman"/>
+                          <a:cs typeface="Times New Roman"/>
+                        </a:rPr>
+                        <a:t>int a = 00010000 ;b = 2;</a:t>
+                      </a:r>
+                      <a:endParaRPr/>
+                    </a:p>
+                    <a:p>
+                      <a:pPr algn="ctr">
+                        <a:defRPr/>
+                      </a:pPr>
+                      <a:r>
+                        <a:rPr lang="pt-BR" sz="1800">
+                          <a:latin typeface="Times New Roman"/>
+                          <a:cs typeface="Times New Roman"/>
+                        </a:rPr>
+                        <a:t>a &lt;&lt; b = 01000000;</a:t>
+                      </a:r>
+                      <a:endParaRPr lang="en-US" sz="1800">
+                        <a:latin typeface="Times New Roman"/>
+                        <a:cs typeface="Times New Roman"/>
+                      </a:endParaRPr>
+                    </a:p>
+                  </a:txBody>
+                  <a:tcPr anchor="ctr"/>
+                </a:tc>
+              </a:tr>
+            </a:tbl>
+          </a:graphicData>
+        </a:graphic>
+      </p:graphicFrame>
+      <p:sp>
+        <p:nvSpPr>
+          <p:cNvPr id="229806453" name="TextBox 4"/>
+          <p:cNvSpPr txBox="1"/>
+          <p:nvPr/>
+        </p:nvSpPr>
+        <p:spPr bwMode="auto">
+          <a:xfrm>
+            <a:off x="760411" y="685800"/>
+            <a:ext cx="11506199" cy="867929"/>
+          </a:xfrm>
+          <a:prstGeom prst="rect">
+            <a:avLst/>
+          </a:prstGeom>
+          <a:noFill/>
+        </p:spPr>
+        <p:txBody>
+          <a:bodyPr wrap="square">
+            <a:spAutoFit/>
+          </a:bodyPr>
+          <a:lstStyle/>
+          <a:p>
+            <a:pPr marL="304746" indent="-304746">
+              <a:lnSpc>
+                <a:spcPct val="90000"/>
+              </a:lnSpc>
+              <a:spcBef>
+                <a:spcPts val="1799"/>
+              </a:spcBef>
+              <a:buClr>
+                <a:schemeClr val="accent1">
+                  <a:lumMod val="75000"/>
+                </a:schemeClr>
+              </a:buClr>
+              <a:buFont typeface="Arial"/>
+              <a:buChar char="•"/>
+              <a:defRPr/>
+            </a:pPr>
+            <a:r>
+              <a:rPr lang="en-US" sz="2800" b="1">
+                <a:solidFill>
+                  <a:schemeClr val="accent6">
+                    <a:lumMod val="75000"/>
+                  </a:schemeClr>
+                </a:solidFill>
+              </a:rPr>
+              <a:t>Bitwise operators perform manipulations of data at the bit level. </a:t>
+            </a:r>
+            <a:r>
+              <a:rPr lang="en-US" sz="2800"/>
+              <a:t>These operators also perform the shifting of bits from right to left.</a:t>
+            </a:r>
+            <a:endParaRPr lang="en-US" sz="2800" b="1">
+              <a:solidFill>
+                <a:schemeClr val="accent6">
+                  <a:lumMod val="75000"/>
+                </a:schemeClr>
+              </a:solidFill>
+            </a:endParaRPr>
+          </a:p>
+        </p:txBody>
+      </p:sp>
+    </p:spTree>
+  </p:cSld>
+  <p:clrMapOvr>
+    <a:masterClrMapping/>
+  </p:clrMapOvr>
+  <mc:AlternateContent xmlns:mc="http://schemas.openxmlformats.org/markup-compatibility/2006">
+    <mc:Choice xmlns:p14="http://schemas.microsoft.com/office/powerpoint/2010/main" Requires="p14">
+      <p:transition spd="med" p14:dur="700" advClick="1">
+        <p:fade thruBlk="0"/>
+      </p:transition>
+    </mc:Choice>
+    <mc:Fallback>
+      <p:transition spd="med" advClick="1">
+        <p:fade thruBlk="0"/>
+      </p:transition>
+    </mc:Fallback>
+  </mc:AlternateContent>
+</p:sld>
+</file>
+
+<file path=ppt/slides/slide21.xml><?xml version="1.0" encoding="utf-8"?>
+<p:sld xmlns:a="http://schemas.openxmlformats.org/drawingml/2006/main" xmlns:r="http://schemas.openxmlformats.org/officeDocument/2006/relationships" xmlns:p="http://schemas.openxmlformats.org/presentationml/2006/main" xmlns:m="http://schemas.openxmlformats.org/officeDocument/2006/math" xmlns:w="http://schemas.openxmlformats.org/wordprocessingml/2006/main" showMasterPhAnim="0" show="1">
+  <p:cSld name="">
+    <p:spTree>
+      <p:nvGrpSpPr>
+        <p:cNvPr id="1" name=""/>
+        <p:cNvGrpSpPr/>
+        <p:nvPr/>
+      </p:nvGrpSpPr>
+      <p:grpSpPr bwMode="auto">
+        <a:xfrm>
+          <a:off x="0" y="0"/>
+          <a:ext cx="0" cy="0"/>
+          <a:chOff x="0" y="0"/>
+          <a:chExt cx="0" cy="0"/>
+        </a:xfrm>
+      </p:grpSpPr>
+      <p:sp>
+        <p:nvSpPr>
+          <p:cNvPr id="4" name="Rectangle 3"/>
+          <p:cNvSpPr/>
+          <p:nvPr/>
+        </p:nvSpPr>
+        <p:spPr bwMode="auto">
+          <a:xfrm flipH="0" flipV="0">
+            <a:off x="0" y="8708"/>
+            <a:ext cx="11976275" cy="849461"/>
+          </a:xfrm>
+          <a:prstGeom prst="rect">
+            <a:avLst/>
+          </a:prstGeom>
+        </p:spPr>
+        <p:txBody>
+          <a:bodyPr vert="horz" lIns="121897" tIns="60948" rIns="121897" bIns="60948" rtlCol="0" anchor="b">
+            <a:noAutofit/>
+          </a:bodyPr>
+          <a:lstStyle/>
+          <a:p>
+            <a:pPr marR="0">
+              <a:defRPr/>
+            </a:pPr>
+            <a:r>
+              <a:rPr lang="en-US" sz="4400" b="1" i="0" u="none" strike="noStrike" cap="none" spc="0">
+                <a:solidFill>
+                  <a:schemeClr val="dk1"/>
+                </a:solidFill>
+                <a:latin typeface="Constantia"/>
+                <a:ea typeface="Arial"/>
+                <a:cs typeface="Arial"/>
+              </a:rPr>
+              <a:t>Tokens</a:t>
+            </a:r>
+            <a:r>
+              <a:rPr lang="en-US" sz="4400" b="1">
+                <a:solidFill>
+                  <a:srgbClr val="000000"/>
+                </a:solidFill>
+                <a:latin typeface="Constantia"/>
+              </a:rPr>
+              <a:t>				</a:t>
+            </a:r>
+            <a:r>
+              <a:rPr lang="en-US" sz="4400" b="1">
+                <a:solidFill>
+                  <a:srgbClr val="C00000"/>
+                </a:solidFill>
+                <a:latin typeface="Constantia"/>
+              </a:rPr>
+              <a:t>Special Symbols</a:t>
+            </a:r>
+            <a:endParaRPr>
+              <a:solidFill>
+                <a:srgbClr val="C00000"/>
+              </a:solidFill>
+            </a:endParaRPr>
+          </a:p>
+        </p:txBody>
+      </p:sp>
+      <p:graphicFrame>
+        <p:nvGraphicFramePr>
+          <p:cNvPr id="2" name="Table 1"/>
+          <p:cNvGraphicFramePr>
+            <a:graphicFrameLocks xmlns:a="http://schemas.openxmlformats.org/drawingml/2006/main" noGrp="1"/>
+          </p:cNvGraphicFramePr>
+          <p:nvPr/>
+        </p:nvGraphicFramePr>
+        <p:xfrm>
+          <a:off x="455611" y="1512336"/>
+          <a:ext cx="10909299" cy="5074672"/>
+        </p:xfrm>
+        <a:graphic>
+          <a:graphicData uri="http://schemas.openxmlformats.org/drawingml/2006/table">
+            <a:tbl>
+              <a:tblPr firstRow="1" firstCol="1" lastRow="0" lastCol="0" bandRow="1" bandCol="0">
+                <a:tableStyleId>{5C22544A-7EE6-4342-B048-85BDC9FD1C3A}</a:tableStyleId>
+              </a:tblPr>
+              <a:tblGrid>
+                <a:gridCol w="2788086"/>
+                <a:gridCol w="8603242"/>
+              </a:tblGrid>
+              <a:tr h="561235">
+                <a:tc>
+                  <a:txBody>
+                    <a:bodyPr/>
+                    <a:p>
+                      <a:pPr marL="0" marR="0" algn="ctr">
+                        <a:lnSpc>
+                          <a:spcPct val="107000"/>
+                        </a:lnSpc>
+                        <a:spcBef>
+                          <a:spcPts val="0"/>
+                        </a:spcBef>
+                        <a:spcAft>
+                          <a:spcPts val="800"/>
+                        </a:spcAft>
+                        <a:defRPr/>
+                      </a:pPr>
+                      <a:r>
+                        <a:rPr lang="en-US" sz="2400"/>
+                        <a:t>Symbol</a:t>
+                      </a:r>
+                      <a:endParaRPr lang="en-US" sz="2400">
+                        <a:latin typeface="Calibri"/>
+                        <a:ea typeface="Calibri"/>
+                        <a:cs typeface="Times New Roman"/>
+                      </a:endParaRPr>
+                    </a:p>
+                  </a:txBody>
+                  <a:tcPr marL="47625" marR="9525" marT="9525" marB="9525" anchor="ctr"/>
+                </a:tc>
+                <a:tc>
+                  <a:txBody>
+                    <a:bodyPr/>
+                    <a:p>
+                      <a:pPr marL="0" marR="0" algn="ctr">
+                        <a:lnSpc>
+                          <a:spcPct val="107000"/>
+                        </a:lnSpc>
+                        <a:spcBef>
+                          <a:spcPts val="0"/>
+                        </a:spcBef>
+                        <a:spcAft>
+                          <a:spcPts val="800"/>
+                        </a:spcAft>
+                        <a:defRPr/>
+                      </a:pPr>
+                      <a:r>
+                        <a:rPr lang="en-US" sz="2400"/>
+                        <a:t>Description</a:t>
+                      </a:r>
+                      <a:endParaRPr lang="en-US" sz="2400">
+                        <a:latin typeface="Calibri"/>
+                        <a:ea typeface="Calibri"/>
+                        <a:cs typeface="Times New Roman"/>
+                      </a:endParaRPr>
+                    </a:p>
+                  </a:txBody>
+                  <a:tcPr marL="47625" marR="9525" marT="9525" marB="9525" anchor="ctr"/>
+                </a:tc>
+              </a:tr>
+              <a:tr h="1103371">
+                <a:tc>
+                  <a:txBody>
+                    <a:bodyPr/>
+                    <a:p>
+                      <a:pPr marL="0" marR="0">
+                        <a:lnSpc>
+                          <a:spcPct val="107000"/>
+                        </a:lnSpc>
+                        <a:spcBef>
+                          <a:spcPts val="0"/>
+                        </a:spcBef>
+                        <a:spcAft>
+                          <a:spcPts val="800"/>
+                        </a:spcAft>
+                        <a:defRPr/>
+                      </a:pPr>
+                      <a:r>
+                        <a:rPr lang="en-US" sz="2400"/>
+                        <a:t>Brackets []</a:t>
+                      </a:r>
+                      <a:endParaRPr lang="en-US" sz="2400">
+                        <a:latin typeface="Calibri"/>
+                        <a:ea typeface="Calibri"/>
+                        <a:cs typeface="Times New Roman"/>
+                      </a:endParaRPr>
+                    </a:p>
+                  </a:txBody>
+                  <a:tcPr marL="47625" marR="9525" marT="9525" marB="9525" anchor="ctr"/>
+                </a:tc>
+                <a:tc>
+                  <a:txBody>
+                    <a:bodyPr/>
+                    <a:p>
+                      <a:pPr marL="0" marR="0">
+                        <a:lnSpc>
+                          <a:spcPct val="107000"/>
+                        </a:lnSpc>
+                        <a:spcBef>
+                          <a:spcPts val="0"/>
+                        </a:spcBef>
+                        <a:spcAft>
+                          <a:spcPts val="800"/>
+                        </a:spcAft>
+                        <a:defRPr/>
+                      </a:pPr>
+                      <a:r>
+                        <a:rPr lang="en-US" sz="2400"/>
+                        <a:t>These are used as an array element reference and also indicates single and multidimensional subscripts</a:t>
+                      </a:r>
+                      <a:endParaRPr lang="en-US" sz="2400">
+                        <a:latin typeface="Calibri"/>
+                        <a:ea typeface="Calibri"/>
+                        <a:cs typeface="Times New Roman"/>
+                      </a:endParaRPr>
+                    </a:p>
+                  </a:txBody>
+                  <a:tcPr marL="47625" marR="9525" marT="9525" marB="9525" anchor="ctr"/>
+                </a:tc>
+              </a:tr>
+              <a:tr h="561235">
+                <a:tc>
+                  <a:txBody>
+                    <a:bodyPr/>
+                    <a:p>
+                      <a:pPr marL="0" marR="0">
+                        <a:lnSpc>
+                          <a:spcPct val="107000"/>
+                        </a:lnSpc>
+                        <a:spcBef>
+                          <a:spcPts val="0"/>
+                        </a:spcBef>
+                        <a:spcAft>
+                          <a:spcPts val="800"/>
+                        </a:spcAft>
+                        <a:defRPr/>
+                      </a:pPr>
+                      <a:r>
+                        <a:rPr lang="en-US" sz="2400"/>
+                        <a:t>Parentheses()</a:t>
+                      </a:r>
+                      <a:endParaRPr lang="en-US" sz="2400">
+                        <a:latin typeface="Calibri"/>
+                        <a:ea typeface="Calibri"/>
+                        <a:cs typeface="Times New Roman"/>
+                      </a:endParaRPr>
+                    </a:p>
+                  </a:txBody>
+                  <a:tcPr marL="47625" marR="9525" marT="9525" marB="9525" anchor="ctr"/>
+                </a:tc>
+                <a:tc>
+                  <a:txBody>
+                    <a:bodyPr/>
+                    <a:p>
+                      <a:pPr marL="0" marR="0">
+                        <a:lnSpc>
+                          <a:spcPct val="107000"/>
+                        </a:lnSpc>
+                        <a:spcBef>
+                          <a:spcPts val="0"/>
+                        </a:spcBef>
+                        <a:spcAft>
+                          <a:spcPts val="800"/>
+                        </a:spcAft>
+                        <a:defRPr/>
+                      </a:pPr>
+                      <a:r>
+                        <a:rPr lang="en-US" sz="2400"/>
+                        <a:t>These indicate a method call along with method parameters</a:t>
+                      </a:r>
+                      <a:endParaRPr lang="en-US" sz="2400">
+                        <a:latin typeface="Calibri"/>
+                        <a:ea typeface="Calibri"/>
+                        <a:cs typeface="Times New Roman"/>
+                      </a:endParaRPr>
+                    </a:p>
+                  </a:txBody>
+                  <a:tcPr marL="47625" marR="9525" marT="9525" marB="9525" anchor="ctr"/>
+                </a:tc>
+              </a:tr>
+              <a:tr h="1077598">
+                <a:tc>
+                  <a:txBody>
+                    <a:bodyPr/>
+                    <a:p>
+                      <a:pPr marL="0" marR="0">
+                        <a:lnSpc>
+                          <a:spcPct val="107000"/>
+                        </a:lnSpc>
+                        <a:spcBef>
+                          <a:spcPts val="0"/>
+                        </a:spcBef>
+                        <a:spcAft>
+                          <a:spcPts val="800"/>
+                        </a:spcAft>
+                        <a:defRPr/>
+                      </a:pPr>
+                      <a:r>
+                        <a:rPr lang="en-US" sz="2400"/>
+                        <a:t>Braces{}</a:t>
+                      </a:r>
+                      <a:endParaRPr lang="en-US" sz="2400">
+                        <a:latin typeface="Calibri"/>
+                        <a:ea typeface="Calibri"/>
+                        <a:cs typeface="Times New Roman"/>
+                      </a:endParaRPr>
+                    </a:p>
+                  </a:txBody>
+                  <a:tcPr marL="47625" marR="9525" marT="9525" marB="9525" anchor="ctr"/>
+                </a:tc>
+                <a:tc>
+                  <a:txBody>
+                    <a:bodyPr/>
+                    <a:p>
+                      <a:pPr marL="0" marR="0">
+                        <a:lnSpc>
+                          <a:spcPct val="107000"/>
+                        </a:lnSpc>
+                        <a:spcBef>
+                          <a:spcPts val="0"/>
+                        </a:spcBef>
+                        <a:spcAft>
+                          <a:spcPts val="800"/>
+                        </a:spcAft>
+                        <a:defRPr/>
+                      </a:pPr>
+                      <a:r>
+                        <a:rPr lang="en-US" sz="2400"/>
+                        <a:t>The opening and ending curly braces indicate the beginning and end of a block of code having more than one statement</a:t>
+                      </a:r>
+                      <a:endParaRPr lang="en-US" sz="2400">
+                        <a:latin typeface="Calibri"/>
+                        <a:ea typeface="Calibri"/>
+                        <a:cs typeface="Times New Roman"/>
+                      </a:endParaRPr>
+                    </a:p>
+                  </a:txBody>
+                  <a:tcPr marL="47625" marR="9525" marT="9525" marB="9525" anchor="ctr"/>
+                </a:tc>
+              </a:tr>
+              <a:tr h="826448">
+                <a:tc>
+                  <a:txBody>
+                    <a:bodyPr/>
+                    <a:p>
+                      <a:pPr marL="0" marR="0">
+                        <a:lnSpc>
+                          <a:spcPct val="107000"/>
+                        </a:lnSpc>
+                        <a:spcBef>
+                          <a:spcPts val="0"/>
+                        </a:spcBef>
+                        <a:spcAft>
+                          <a:spcPts val="800"/>
+                        </a:spcAft>
+                        <a:defRPr/>
+                      </a:pPr>
+                      <a:r>
+                        <a:rPr lang="en-US" sz="2400"/>
+                        <a:t>Comma ( , )</a:t>
+                      </a:r>
+                      <a:endParaRPr lang="en-US" sz="2400">
+                        <a:latin typeface="Calibri"/>
+                        <a:ea typeface="Calibri"/>
+                        <a:cs typeface="Times New Roman"/>
+                      </a:endParaRPr>
+                    </a:p>
+                  </a:txBody>
+                  <a:tcPr marL="47625" marR="9525" marT="9525" marB="9525" anchor="ctr"/>
+                </a:tc>
+                <a:tc>
+                  <a:txBody>
+                    <a:bodyPr/>
+                    <a:p>
+                      <a:pPr marL="0" marR="0">
+                        <a:lnSpc>
+                          <a:spcPct val="107000"/>
+                        </a:lnSpc>
+                        <a:spcBef>
+                          <a:spcPts val="0"/>
+                        </a:spcBef>
+                        <a:spcAft>
+                          <a:spcPts val="800"/>
+                        </a:spcAft>
+                        <a:defRPr/>
+                      </a:pPr>
+                      <a:r>
+                        <a:rPr lang="en-US" sz="2400"/>
+                        <a:t>This helps in separating more than one statement in an expression</a:t>
+                      </a:r>
+                      <a:endParaRPr lang="en-US" sz="2400">
+                        <a:latin typeface="Calibri"/>
+                        <a:ea typeface="Calibri"/>
+                        <a:cs typeface="Times New Roman"/>
+                      </a:endParaRPr>
+                    </a:p>
+                  </a:txBody>
+                  <a:tcPr marL="47625" marR="9525" marT="9525" marB="9525" anchor="ctr"/>
+                </a:tc>
+              </a:tr>
+              <a:tr h="561235">
+                <a:tc>
+                  <a:txBody>
+                    <a:bodyPr/>
+                    <a:p>
+                      <a:pPr marL="0" marR="0">
+                        <a:lnSpc>
+                          <a:spcPct val="107000"/>
+                        </a:lnSpc>
+                        <a:spcBef>
+                          <a:spcPts val="0"/>
+                        </a:spcBef>
+                        <a:spcAft>
+                          <a:spcPts val="800"/>
+                        </a:spcAft>
+                        <a:defRPr/>
+                      </a:pPr>
+                      <a:r>
+                        <a:rPr lang="en-US" sz="2400"/>
+                        <a:t>Semi-Colon (;)</a:t>
+                      </a:r>
+                      <a:endParaRPr lang="en-US" sz="2400">
+                        <a:latin typeface="Calibri"/>
+                        <a:ea typeface="Calibri"/>
+                        <a:cs typeface="Times New Roman"/>
+                      </a:endParaRPr>
+                    </a:p>
+                  </a:txBody>
+                  <a:tcPr marL="47625" marR="9525" marT="9525" marB="9525" anchor="ctr"/>
+                </a:tc>
+                <a:tc>
+                  <a:txBody>
+                    <a:bodyPr/>
+                    <a:p>
+                      <a:pPr marL="0" marR="0">
+                        <a:lnSpc>
+                          <a:spcPct val="107000"/>
+                        </a:lnSpc>
+                        <a:spcBef>
+                          <a:spcPts val="0"/>
+                        </a:spcBef>
+                        <a:spcAft>
+                          <a:spcPts val="800"/>
+                        </a:spcAft>
+                        <a:defRPr/>
+                      </a:pPr>
+                      <a:r>
+                        <a:rPr lang="en-US" sz="2400"/>
+                        <a:t>This is used to end any expression or statement</a:t>
+                      </a:r>
+                      <a:endParaRPr lang="en-US" sz="2400">
+                        <a:latin typeface="Calibri"/>
+                        <a:ea typeface="Calibri"/>
+                        <a:cs typeface="Times New Roman"/>
+                      </a:endParaRPr>
+                    </a:p>
+                  </a:txBody>
+                  <a:tcPr marL="47625" marR="9525" marT="9525" marB="9525" anchor="ctr"/>
+                </a:tc>
+              </a:tr>
+              <a:tr h="561235">
+                <a:tc>
+                  <a:txBody>
+                    <a:bodyPr/>
+                    <a:p>
+                      <a:pPr marL="0" marR="0">
+                        <a:lnSpc>
+                          <a:spcPct val="107000"/>
+                        </a:lnSpc>
+                        <a:spcBef>
+                          <a:spcPts val="0"/>
+                        </a:spcBef>
+                        <a:spcAft>
+                          <a:spcPts val="800"/>
+                        </a:spcAft>
+                        <a:defRPr/>
+                      </a:pPr>
+                      <a:endParaRPr lang="en-US" sz="2400">
+                        <a:latin typeface="Calibri"/>
+                        <a:ea typeface="Calibri"/>
+                        <a:cs typeface="Times New Roman"/>
+                      </a:endParaRPr>
+                    </a:p>
+                  </a:txBody>
+                  <a:tcPr marL="47625" marR="9525" marT="9525" marB="9525" anchor="ctr"/>
+                </a:tc>
+                <a:tc>
+                  <a:txBody>
+                    <a:bodyPr/>
+                    <a:p>
+                      <a:pPr marL="0" marR="0">
+                        <a:lnSpc>
+                          <a:spcPct val="107000"/>
+                        </a:lnSpc>
+                        <a:spcBef>
+                          <a:spcPts val="0"/>
+                        </a:spcBef>
+                        <a:spcAft>
+                          <a:spcPts val="800"/>
+                        </a:spcAft>
+                        <a:defRPr/>
+                      </a:pPr>
+                      <a:endParaRPr lang="en-US" sz="2400">
+                        <a:latin typeface="Calibri"/>
+                        <a:ea typeface="Calibri"/>
+                        <a:cs typeface="Times New Roman"/>
+                      </a:endParaRPr>
+                    </a:p>
+                  </a:txBody>
+                  <a:tcPr marL="47625" marR="9525" marT="9525" marB="9525" anchor="ctr"/>
+                </a:tc>
+              </a:tr>
+            </a:tbl>
+          </a:graphicData>
+        </a:graphic>
+      </p:graphicFrame>
+    </p:spTree>
+  </p:cSld>
+  <p:clrMapOvr>
+    <a:masterClrMapping/>
+  </p:clrMapOvr>
+  <mc:AlternateContent xmlns:mc="http://schemas.openxmlformats.org/markup-compatibility/2006">
+    <mc:Choice xmlns:p14="http://schemas.microsoft.com/office/powerpoint/2010/main" Requires="p14">
+      <p:transition spd="med" p14:dur="700" advClick="1">
+        <p:fade thruBlk="0"/>
+      </p:transition>
+    </mc:Choice>
+    <mc:Fallback>
+      <p:transition spd="med" advClick="1">
+        <p:fade thruBlk="0"/>
+      </p:transition>
+    </mc:Fallback>
+  </mc:AlternateContent>
+</p:sld>
+</file>
+
+<file path=ppt/slides/slide22.xml><?xml version="1.0" encoding="utf-8"?>
 <p:sld xmlns:a="http://schemas.openxmlformats.org/drawingml/2006/main" xmlns:r="http://schemas.openxmlformats.org/officeDocument/2006/relationships" xmlns:p="http://schemas.openxmlformats.org/presentationml/2006/main" xmlns:m="http://schemas.openxmlformats.org/officeDocument/2006/math" xmlns:w="http://schemas.openxmlformats.org/wordprocessingml/2006/main" showMasterPhAnim="0" show="1">
   <p:cSld name="">
     <p:spTree>
@@ -6511,7 +11264,7 @@
 </p:sld>
 </file>
 
-<file path=ppt/slides/slide12.xml><?xml version="1.0" encoding="utf-8"?>
+<file path=ppt/slides/slide23.xml><?xml version="1.0" encoding="utf-8"?>
 <p:sld xmlns:a="http://schemas.openxmlformats.org/drawingml/2006/main" xmlns:r="http://schemas.openxmlformats.org/officeDocument/2006/relationships" xmlns:p="http://schemas.openxmlformats.org/presentationml/2006/main" xmlns:m="http://schemas.openxmlformats.org/officeDocument/2006/math" xmlns:w="http://schemas.openxmlformats.org/wordprocessingml/2006/main" showMasterPhAnim="0" show="1">
   <p:cSld name="">
     <p:spTree>
@@ -6962,7 +11715,7 @@
 </p:sld>
 </file>
 
-<file path=ppt/slides/slide13.xml><?xml version="1.0" encoding="utf-8"?>
+<file path=ppt/slides/slide24.xml><?xml version="1.0" encoding="utf-8"?>
 <p:sld xmlns:a="http://schemas.openxmlformats.org/drawingml/2006/main" xmlns:r="http://schemas.openxmlformats.org/officeDocument/2006/relationships" xmlns:p="http://schemas.openxmlformats.org/presentationml/2006/main" xmlns:m="http://schemas.openxmlformats.org/officeDocument/2006/math" xmlns:w="http://schemas.openxmlformats.org/wordprocessingml/2006/main" showMasterPhAnim="0" show="1">
   <p:cSld name="">
     <p:spTree>
@@ -7173,1425 +11926,7 @@
 </p:sld>
 </file>
 
-<file path=ppt/slides/slide14.xml><?xml version="1.0" encoding="utf-8"?>
-<p:sld xmlns:a="http://schemas.openxmlformats.org/drawingml/2006/main" xmlns:r="http://schemas.openxmlformats.org/officeDocument/2006/relationships" xmlns:p="http://schemas.openxmlformats.org/presentationml/2006/main" xmlns:m="http://schemas.openxmlformats.org/officeDocument/2006/math" xmlns:w="http://schemas.openxmlformats.org/wordprocessingml/2006/main" showMasterPhAnim="0" show="1">
-  <p:cSld name="">
-    <p:spTree>
-      <p:nvGrpSpPr>
-        <p:cNvPr id="1" name=""/>
-        <p:cNvGrpSpPr/>
-        <p:nvPr/>
-      </p:nvGrpSpPr>
-      <p:grpSpPr bwMode="auto">
-        <a:xfrm>
-          <a:off x="0" y="0"/>
-          <a:ext cx="0" cy="0"/>
-          <a:chOff x="0" y="0"/>
-          <a:chExt cx="0" cy="0"/>
-        </a:xfrm>
-      </p:grpSpPr>
-      <p:sp>
-        <p:nvSpPr>
-          <p:cNvPr id="3" name="Rectangle 2"/>
-          <p:cNvSpPr/>
-          <p:nvPr/>
-        </p:nvSpPr>
-        <p:spPr bwMode="auto">
-          <a:xfrm>
-            <a:off x="-32068" y="1"/>
-            <a:ext cx="9483750" cy="762000"/>
-          </a:xfrm>
-          <a:prstGeom prst="rect">
-            <a:avLst/>
-          </a:prstGeom>
-        </p:spPr>
-        <p:txBody>
-          <a:bodyPr vert="horz" lIns="121898" tIns="60949" rIns="121898" bIns="60949" rtlCol="0" anchor="b">
-            <a:noAutofit/>
-          </a:bodyPr>
-          <a:lstStyle/>
-          <a:p>
-            <a:pPr>
-              <a:defRPr/>
-            </a:pPr>
-            <a:r>
-              <a:rPr lang="en-US" sz="4000" b="1"/>
-              <a:t>Take user input in JAVA</a:t>
-            </a:r>
-            <a:endParaRPr/>
-          </a:p>
-        </p:txBody>
-      </p:sp>
-      <p:sp>
-        <p:nvSpPr>
-          <p:cNvPr id="4" name="TextBox 3"/>
-          <p:cNvSpPr txBox="1"/>
-          <p:nvPr/>
-        </p:nvSpPr>
-        <p:spPr bwMode="auto">
-          <a:xfrm>
-            <a:off x="1065212" y="1295400"/>
-            <a:ext cx="10591799" cy="4893647"/>
-          </a:xfrm>
-          <a:prstGeom prst="rect">
-            <a:avLst/>
-          </a:prstGeom>
-          <a:noFill/>
-        </p:spPr>
-        <p:txBody>
-          <a:bodyPr wrap="square">
-            <a:spAutoFit/>
-          </a:bodyPr>
-          <a:lstStyle/>
-          <a:p>
-            <a:pPr>
-              <a:defRPr/>
-            </a:pPr>
-            <a:r>
-              <a:rPr lang="en-IN" b="1">
-                <a:solidFill>
-                  <a:schemeClr val="accent1"/>
-                </a:solidFill>
-              </a:rPr>
-              <a:t>Java Scanner Class</a:t>
-            </a:r>
-            <a:endParaRPr/>
-          </a:p>
-          <a:p>
-            <a:pPr>
-              <a:defRPr/>
-            </a:pPr>
-            <a:endParaRPr lang="en-IN" b="1">
-              <a:solidFill>
-                <a:schemeClr val="accent1"/>
-              </a:solidFill>
-            </a:endParaRPr>
-          </a:p>
-          <a:p>
-            <a:pPr>
-              <a:defRPr/>
-            </a:pPr>
-            <a:r>
-              <a:rPr lang="en-IN"/>
-              <a:t>Java Scanner class allows the user to take input from the console. It belongs to </a:t>
-            </a:r>
-            <a:r>
-              <a:rPr lang="en-IN" b="1"/>
-              <a:t>java.util</a:t>
-            </a:r>
-            <a:r>
-              <a:rPr lang="en-IN" b="1"/>
-              <a:t> </a:t>
-            </a:r>
-            <a:r>
-              <a:rPr lang="en-IN"/>
-              <a:t>package. It is used to read the input of primitive types like int, double, long, short, float, and byte. It is the easiest way to read input in Java program.</a:t>
-            </a:r>
-            <a:endParaRPr/>
-          </a:p>
-          <a:p>
-            <a:pPr>
-              <a:defRPr/>
-            </a:pPr>
-            <a:endParaRPr lang="en-IN"/>
-          </a:p>
-          <a:p>
-            <a:pPr>
-              <a:defRPr/>
-            </a:pPr>
-            <a:r>
-              <a:rPr lang="en-IN"/>
-              <a:t>Syntax</a:t>
-            </a:r>
-            <a:endParaRPr/>
-          </a:p>
-          <a:p>
-            <a:pPr>
-              <a:defRPr/>
-            </a:pPr>
-            <a:r>
-              <a:rPr lang="en-IN">
-                <a:solidFill>
-                  <a:schemeClr val="accent1"/>
-                </a:solidFill>
-              </a:rPr>
-              <a:t>Scanner </a:t>
-            </a:r>
-            <a:r>
-              <a:rPr lang="en-IN">
-                <a:solidFill>
-                  <a:schemeClr val="accent1"/>
-                </a:solidFill>
-              </a:rPr>
-              <a:t>sc</a:t>
-            </a:r>
-            <a:r>
-              <a:rPr lang="en-IN">
-                <a:solidFill>
-                  <a:schemeClr val="accent1"/>
-                </a:solidFill>
-              </a:rPr>
-              <a:t>=new Scanner(System.in);  </a:t>
-            </a:r>
-            <a:endParaRPr/>
-          </a:p>
-          <a:p>
-            <a:pPr>
-              <a:defRPr/>
-            </a:pPr>
-            <a:endParaRPr lang="en-IN">
-              <a:solidFill>
-                <a:schemeClr val="accent1"/>
-              </a:solidFill>
-            </a:endParaRPr>
-          </a:p>
-          <a:p>
-            <a:pPr>
-              <a:defRPr/>
-            </a:pPr>
-            <a:r>
-              <a:rPr lang="en-IN"/>
-              <a:t>The above statement creates a constructor of the Scanner class having System.in as an argument. It means it is going to read from the standard input stream of the program. The </a:t>
-            </a:r>
-            <a:r>
-              <a:rPr lang="en-IN"/>
-              <a:t>java.util</a:t>
-            </a:r>
-            <a:r>
-              <a:rPr lang="en-IN"/>
-              <a:t> package should be import while using Scanner class.</a:t>
-            </a:r>
-            <a:endParaRPr/>
-          </a:p>
-        </p:txBody>
-      </p:sp>
-    </p:spTree>
-  </p:cSld>
-  <p:clrMapOvr>
-    <a:masterClrMapping/>
-  </p:clrMapOvr>
-  <mc:AlternateContent xmlns:mc="http://schemas.openxmlformats.org/markup-compatibility/2006">
-    <mc:Choice xmlns:p14="http://schemas.microsoft.com/office/powerpoint/2010/main" Requires="p14">
-      <p:transition spd="med" p14:dur="700" advClick="1">
-        <p:fade thruBlk="0"/>
-      </p:transition>
-    </mc:Choice>
-    <mc:Fallback>
-      <p:transition spd="med" advClick="1">
-        <p:fade thruBlk="0"/>
-      </p:transition>
-    </mc:Fallback>
-  </mc:AlternateContent>
-</p:sld>
-</file>
-
-<file path=ppt/slides/slide15.xml><?xml version="1.0" encoding="utf-8"?>
-<p:sld xmlns:a="http://schemas.openxmlformats.org/drawingml/2006/main" xmlns:r="http://schemas.openxmlformats.org/officeDocument/2006/relationships" xmlns:p="http://schemas.openxmlformats.org/presentationml/2006/main" xmlns:m="http://schemas.openxmlformats.org/officeDocument/2006/math" xmlns:w="http://schemas.openxmlformats.org/wordprocessingml/2006/main" showMasterPhAnim="0" show="1">
-  <p:cSld name="">
-    <p:spTree>
-      <p:nvGrpSpPr>
-        <p:cNvPr id="1" name=""/>
-        <p:cNvGrpSpPr/>
-        <p:nvPr/>
-      </p:nvGrpSpPr>
-      <p:grpSpPr bwMode="auto">
-        <a:xfrm>
-          <a:off x="0" y="0"/>
-          <a:ext cx="0" cy="0"/>
-          <a:chOff x="0" y="0"/>
-          <a:chExt cx="0" cy="0"/>
-        </a:xfrm>
-      </p:grpSpPr>
-      <p:sp>
-        <p:nvSpPr>
-          <p:cNvPr id="3" name="Rectangle 2"/>
-          <p:cNvSpPr/>
-          <p:nvPr/>
-        </p:nvSpPr>
-        <p:spPr bwMode="auto">
-          <a:xfrm>
-            <a:off x="-32068" y="1"/>
-            <a:ext cx="9483750" cy="762000"/>
-          </a:xfrm>
-          <a:prstGeom prst="rect">
-            <a:avLst/>
-          </a:prstGeom>
-        </p:spPr>
-        <p:txBody>
-          <a:bodyPr vert="horz" lIns="121898" tIns="60949" rIns="121898" bIns="60949" rtlCol="0" anchor="b">
-            <a:noAutofit/>
-          </a:bodyPr>
-          <a:lstStyle/>
-          <a:p>
-            <a:pPr>
-              <a:defRPr/>
-            </a:pPr>
-            <a:r>
-              <a:rPr lang="en-US" sz="4000" b="1"/>
-              <a:t>Take user input in JAVA</a:t>
-            </a:r>
-            <a:endParaRPr/>
-          </a:p>
-        </p:txBody>
-      </p:sp>
-      <p:sp>
-        <p:nvSpPr>
-          <p:cNvPr id="4" name="TextBox 3"/>
-          <p:cNvSpPr txBox="1"/>
-          <p:nvPr/>
-        </p:nvSpPr>
-        <p:spPr bwMode="auto">
-          <a:xfrm>
-            <a:off x="1141412" y="914400"/>
-            <a:ext cx="10591799" cy="461665"/>
-          </a:xfrm>
-          <a:prstGeom prst="rect">
-            <a:avLst/>
-          </a:prstGeom>
-          <a:noFill/>
-        </p:spPr>
-        <p:txBody>
-          <a:bodyPr wrap="square">
-            <a:spAutoFit/>
-          </a:bodyPr>
-          <a:lstStyle/>
-          <a:p>
-            <a:pPr>
-              <a:defRPr/>
-            </a:pPr>
-            <a:r>
-              <a:rPr lang="en-IN" b="1"/>
-              <a:t>Methods of Scanner class:</a:t>
-            </a:r>
-            <a:endParaRPr/>
-          </a:p>
-        </p:txBody>
-      </p:sp>
-      <p:graphicFrame>
-        <p:nvGraphicFramePr>
-          <p:cNvPr id="2" name="Table 1"/>
-          <p:cNvGraphicFramePr>
-            <a:graphicFrameLocks xmlns:a="http://schemas.openxmlformats.org/drawingml/2006/main" noGrp="1"/>
-          </p:cNvGraphicFramePr>
-          <p:nvPr/>
-        </p:nvGraphicFramePr>
-        <p:xfrm>
-          <a:off x="379412" y="1528464"/>
-          <a:ext cx="10539268" cy="5206055"/>
-        </p:xfrm>
-        <a:graphic>
-          <a:graphicData uri="http://schemas.openxmlformats.org/drawingml/2006/table">
-            <a:tbl>
-              <a:tblPr firstRow="0" firstCol="0" lastRow="0" lastCol="0" bandRow="0" bandCol="0"/>
-              <a:tblGrid>
-                <a:gridCol w="2966229"/>
-                <a:gridCol w="7573039"/>
-              </a:tblGrid>
-              <a:tr h="222350">
-                <a:tc>
-                  <a:txBody>
-                    <a:bodyPr/>
-                    <a:p>
-                      <a:pPr algn="l">
-                        <a:defRPr/>
-                      </a:pPr>
-                      <a:r>
-                        <a:rPr lang="en-IN" sz="1800">
-                          <a:solidFill>
-                            <a:schemeClr val="bg1"/>
-                          </a:solidFill>
-                          <a:latin typeface="+mn-lt"/>
-                        </a:rPr>
-                        <a:t>Method</a:t>
-                      </a:r>
-                      <a:endParaRPr/>
-                    </a:p>
-                  </a:txBody>
-                  <a:tcPr marL="41066" marR="41066" marT="41066" marB="41066">
-                    <a:lnL w="9525" algn="ctr">
-                      <a:solidFill>
-                        <a:srgbClr val="2020D5"/>
-                      </a:solidFill>
-                    </a:lnL>
-                    <a:lnR w="9525" algn="ctr">
-                      <a:solidFill>
-                        <a:srgbClr val="2020D5"/>
-                      </a:solidFill>
-                    </a:lnR>
-                    <a:lnT w="9525" algn="ctr">
-                      <a:solidFill>
-                        <a:srgbClr val="2020D5"/>
-                      </a:solidFill>
-                    </a:lnT>
-                    <a:lnB w="9525" algn="ctr">
-                      <a:solidFill>
-                        <a:srgbClr val="C7CCBE"/>
-                      </a:solidFill>
-                    </a:lnB>
-                    <a:solidFill>
-                      <a:srgbClr val="FE750E"/>
-                    </a:solidFill>
-                  </a:tcPr>
-                </a:tc>
-                <a:tc>
-                  <a:txBody>
-                    <a:bodyPr/>
-                    <a:p>
-                      <a:pPr algn="l">
-                        <a:defRPr/>
-                      </a:pPr>
-                      <a:r>
-                        <a:rPr lang="en-IN" sz="1800">
-                          <a:solidFill>
-                            <a:schemeClr val="bg1"/>
-                          </a:solidFill>
-                          <a:latin typeface="+mn-lt"/>
-                        </a:rPr>
-                        <a:t>Description</a:t>
-                      </a:r>
-                      <a:endParaRPr/>
-                    </a:p>
-                  </a:txBody>
-                  <a:tcPr marL="41066" marR="41066" marT="41066" marB="41066">
-                    <a:lnL w="9525" algn="ctr">
-                      <a:solidFill>
-                        <a:srgbClr val="2020D5"/>
-                      </a:solidFill>
-                    </a:lnL>
-                    <a:lnR w="9525" algn="ctr">
-                      <a:solidFill>
-                        <a:srgbClr val="2020D5"/>
-                      </a:solidFill>
-                    </a:lnR>
-                    <a:lnT w="9525" algn="ctr">
-                      <a:solidFill>
-                        <a:srgbClr val="2020D5"/>
-                      </a:solidFill>
-                    </a:lnT>
-                    <a:lnB w="9525" algn="ctr">
-                      <a:solidFill>
-                        <a:srgbClr val="C7CCBE"/>
-                      </a:solidFill>
-                    </a:lnB>
-                    <a:solidFill>
-                      <a:srgbClr val="FE750E"/>
-                    </a:solidFill>
-                  </a:tcPr>
-                </a:tc>
-              </a:tr>
-              <a:tr h="472736">
-                <a:tc>
-                  <a:txBody>
-                    <a:bodyPr/>
-                    <a:p>
-                      <a:pPr algn="just">
-                        <a:defRPr/>
-                      </a:pPr>
-                      <a:r>
-                        <a:rPr lang="en-IN" sz="1800" b="1">
-                          <a:solidFill>
-                            <a:srgbClr val="333333"/>
-                          </a:solidFill>
-                          <a:latin typeface="+mn-lt"/>
-                        </a:rPr>
-                        <a:t>int nextInt()</a:t>
-                      </a:r>
-                      <a:endParaRPr lang="en-IN" sz="1800">
-                        <a:solidFill>
-                          <a:srgbClr val="333333"/>
-                        </a:solidFill>
-                        <a:latin typeface="+mn-lt"/>
-                      </a:endParaRPr>
-                    </a:p>
-                  </a:txBody>
-                  <a:tcPr marL="27377" marR="27377" marT="27377" marB="27377">
-                    <a:lnL w="9525" algn="ctr">
-                      <a:solidFill>
-                        <a:srgbClr val="C7CCBE"/>
-                      </a:solidFill>
-                    </a:lnL>
-                    <a:lnR w="9525" algn="ctr">
-                      <a:solidFill>
-                        <a:srgbClr val="C7CCBE"/>
-                      </a:solidFill>
-                    </a:lnR>
-                    <a:lnT w="9525" algn="ctr">
-                      <a:solidFill>
-                        <a:srgbClr val="C7CCBE"/>
-                      </a:solidFill>
-                    </a:lnT>
-                    <a:lnB w="9525" algn="ctr">
-                      <a:solidFill>
-                        <a:srgbClr val="C7CCBE"/>
-                      </a:solidFill>
-                    </a:lnB>
-                    <a:solidFill>
-                      <a:srgbClr val="FFFFFF"/>
-                    </a:solidFill>
-                  </a:tcPr>
-                </a:tc>
-                <a:tc>
-                  <a:txBody>
-                    <a:bodyPr/>
-                    <a:p>
-                      <a:pPr algn="just">
-                        <a:defRPr/>
-                      </a:pPr>
-                      <a:r>
-                        <a:rPr lang="en-GB" sz="1800">
-                          <a:solidFill>
-                            <a:srgbClr val="333333"/>
-                          </a:solidFill>
-                          <a:latin typeface="+mn-lt"/>
-                        </a:rPr>
-                        <a:t>It is used to scan the next token of the input as an integer.</a:t>
-                      </a:r>
-                      <a:endParaRPr/>
-                    </a:p>
-                  </a:txBody>
-                  <a:tcPr marL="27377" marR="27377" marT="27377" marB="27377">
-                    <a:lnL w="9525" algn="ctr">
-                      <a:solidFill>
-                        <a:srgbClr val="C7CCBE"/>
-                      </a:solidFill>
-                    </a:lnL>
-                    <a:lnR w="9525" algn="ctr">
-                      <a:solidFill>
-                        <a:srgbClr val="C7CCBE"/>
-                      </a:solidFill>
-                    </a:lnR>
-                    <a:lnT w="9525" algn="ctr">
-                      <a:solidFill>
-                        <a:srgbClr val="C7CCBE"/>
-                      </a:solidFill>
-                    </a:lnT>
-                    <a:lnB w="9525" algn="ctr">
-                      <a:solidFill>
-                        <a:srgbClr val="C7CCBE"/>
-                      </a:solidFill>
-                    </a:lnB>
-                    <a:solidFill>
-                      <a:srgbClr val="FFFFFF"/>
-                    </a:solidFill>
-                  </a:tcPr>
-                </a:tc>
-              </a:tr>
-              <a:tr h="472736">
-                <a:tc>
-                  <a:txBody>
-                    <a:bodyPr/>
-                    <a:p>
-                      <a:pPr algn="just">
-                        <a:defRPr/>
-                      </a:pPr>
-                      <a:r>
-                        <a:rPr lang="en-IN" sz="1800" b="1">
-                          <a:solidFill>
-                            <a:srgbClr val="333333"/>
-                          </a:solidFill>
-                          <a:latin typeface="+mn-lt"/>
-                        </a:rPr>
-                        <a:t>float nextFloat()</a:t>
-                      </a:r>
-                      <a:endParaRPr lang="en-IN" sz="1800">
-                        <a:solidFill>
-                          <a:srgbClr val="333333"/>
-                        </a:solidFill>
-                        <a:latin typeface="+mn-lt"/>
-                      </a:endParaRPr>
-                    </a:p>
-                  </a:txBody>
-                  <a:tcPr marL="27377" marR="27377" marT="27377" marB="27377">
-                    <a:lnL w="9525" algn="ctr">
-                      <a:solidFill>
-                        <a:srgbClr val="C7CCBE"/>
-                      </a:solidFill>
-                    </a:lnL>
-                    <a:lnR w="9525" algn="ctr">
-                      <a:solidFill>
-                        <a:srgbClr val="C7CCBE"/>
-                      </a:solidFill>
-                    </a:lnR>
-                    <a:lnT w="9525" algn="ctr">
-                      <a:solidFill>
-                        <a:srgbClr val="C7CCBE"/>
-                      </a:solidFill>
-                    </a:lnT>
-                    <a:lnB w="9525" algn="ctr">
-                      <a:solidFill>
-                        <a:srgbClr val="C7CCBE"/>
-                      </a:solidFill>
-                    </a:lnB>
-                    <a:solidFill>
-                      <a:srgbClr val="EFF1EB"/>
-                    </a:solidFill>
-                  </a:tcPr>
-                </a:tc>
-                <a:tc>
-                  <a:txBody>
-                    <a:bodyPr/>
-                    <a:p>
-                      <a:pPr algn="just">
-                        <a:defRPr/>
-                      </a:pPr>
-                      <a:r>
-                        <a:rPr lang="en-GB" sz="1800">
-                          <a:solidFill>
-                            <a:srgbClr val="333333"/>
-                          </a:solidFill>
-                          <a:latin typeface="+mn-lt"/>
-                        </a:rPr>
-                        <a:t>It is used to scan the next token of the input as a float.</a:t>
-                      </a:r>
-                      <a:endParaRPr/>
-                    </a:p>
-                  </a:txBody>
-                  <a:tcPr marL="27377" marR="27377" marT="27377" marB="27377">
-                    <a:lnL w="9525" algn="ctr">
-                      <a:solidFill>
-                        <a:srgbClr val="C7CCBE"/>
-                      </a:solidFill>
-                    </a:lnL>
-                    <a:lnR w="9525" algn="ctr">
-                      <a:solidFill>
-                        <a:srgbClr val="C7CCBE"/>
-                      </a:solidFill>
-                    </a:lnR>
-                    <a:lnT w="9525" algn="ctr">
-                      <a:solidFill>
-                        <a:srgbClr val="C7CCBE"/>
-                      </a:solidFill>
-                    </a:lnT>
-                    <a:lnB w="9525" algn="ctr">
-                      <a:solidFill>
-                        <a:srgbClr val="C7CCBE"/>
-                      </a:solidFill>
-                    </a:lnB>
-                    <a:solidFill>
-                      <a:srgbClr val="EFF1EB"/>
-                    </a:solidFill>
-                  </a:tcPr>
-                </a:tc>
-              </a:tr>
-              <a:tr h="472736">
-                <a:tc>
-                  <a:txBody>
-                    <a:bodyPr/>
-                    <a:p>
-                      <a:pPr algn="just">
-                        <a:defRPr/>
-                      </a:pPr>
-                      <a:r>
-                        <a:rPr lang="en-IN" sz="1800" b="1">
-                          <a:solidFill>
-                            <a:srgbClr val="333333"/>
-                          </a:solidFill>
-                          <a:latin typeface="+mn-lt"/>
-                        </a:rPr>
-                        <a:t>double nextDouble()</a:t>
-                      </a:r>
-                      <a:endParaRPr lang="en-IN" sz="1800">
-                        <a:solidFill>
-                          <a:srgbClr val="333333"/>
-                        </a:solidFill>
-                        <a:latin typeface="+mn-lt"/>
-                      </a:endParaRPr>
-                    </a:p>
-                  </a:txBody>
-                  <a:tcPr marL="27377" marR="27377" marT="27377" marB="27377">
-                    <a:lnL w="9525" algn="ctr">
-                      <a:solidFill>
-                        <a:srgbClr val="C7CCBE"/>
-                      </a:solidFill>
-                    </a:lnL>
-                    <a:lnR w="9525" algn="ctr">
-                      <a:solidFill>
-                        <a:srgbClr val="C7CCBE"/>
-                      </a:solidFill>
-                    </a:lnR>
-                    <a:lnT w="9525" algn="ctr">
-                      <a:solidFill>
-                        <a:srgbClr val="C7CCBE"/>
-                      </a:solidFill>
-                    </a:lnT>
-                    <a:lnB w="9525" algn="ctr">
-                      <a:solidFill>
-                        <a:srgbClr val="C7CCBE"/>
-                      </a:solidFill>
-                    </a:lnB>
-                    <a:solidFill>
-                      <a:srgbClr val="FFFFFF"/>
-                    </a:solidFill>
-                  </a:tcPr>
-                </a:tc>
-                <a:tc>
-                  <a:txBody>
-                    <a:bodyPr/>
-                    <a:p>
-                      <a:pPr algn="just">
-                        <a:defRPr/>
-                      </a:pPr>
-                      <a:r>
-                        <a:rPr lang="en-GB" sz="1800">
-                          <a:solidFill>
-                            <a:srgbClr val="333333"/>
-                          </a:solidFill>
-                          <a:latin typeface="+mn-lt"/>
-                        </a:rPr>
-                        <a:t>It is used to scan the next token of the input as a double.</a:t>
-                      </a:r>
-                      <a:endParaRPr/>
-                    </a:p>
-                  </a:txBody>
-                  <a:tcPr marL="27377" marR="27377" marT="27377" marB="27377">
-                    <a:lnL w="9525" algn="ctr">
-                      <a:solidFill>
-                        <a:srgbClr val="C7CCBE"/>
-                      </a:solidFill>
-                    </a:lnL>
-                    <a:lnR w="9525" algn="ctr">
-                      <a:solidFill>
-                        <a:srgbClr val="C7CCBE"/>
-                      </a:solidFill>
-                    </a:lnR>
-                    <a:lnT w="9525" algn="ctr">
-                      <a:solidFill>
-                        <a:srgbClr val="C7CCBE"/>
-                      </a:solidFill>
-                    </a:lnT>
-                    <a:lnB w="9525" algn="ctr">
-                      <a:solidFill>
-                        <a:srgbClr val="C7CCBE"/>
-                      </a:solidFill>
-                    </a:lnB>
-                    <a:solidFill>
-                      <a:srgbClr val="FFFFFF"/>
-                    </a:solidFill>
-                  </a:tcPr>
-                </a:tc>
-              </a:tr>
-              <a:tr h="472736">
-                <a:tc>
-                  <a:txBody>
-                    <a:bodyPr/>
-                    <a:p>
-                      <a:pPr algn="just">
-                        <a:defRPr/>
-                      </a:pPr>
-                      <a:r>
-                        <a:rPr lang="en-IN" sz="1800" b="1">
-                          <a:solidFill>
-                            <a:srgbClr val="333333"/>
-                          </a:solidFill>
-                          <a:latin typeface="+mn-lt"/>
-                        </a:rPr>
-                        <a:t>byte nextByte()</a:t>
-                      </a:r>
-                      <a:endParaRPr lang="en-IN" sz="1800">
-                        <a:solidFill>
-                          <a:srgbClr val="333333"/>
-                        </a:solidFill>
-                        <a:latin typeface="+mn-lt"/>
-                      </a:endParaRPr>
-                    </a:p>
-                  </a:txBody>
-                  <a:tcPr marL="27377" marR="27377" marT="27377" marB="27377">
-                    <a:lnL w="9525" algn="ctr">
-                      <a:solidFill>
-                        <a:srgbClr val="C7CCBE"/>
-                      </a:solidFill>
-                    </a:lnL>
-                    <a:lnR w="9525" algn="ctr">
-                      <a:solidFill>
-                        <a:srgbClr val="C7CCBE"/>
-                      </a:solidFill>
-                    </a:lnR>
-                    <a:lnT w="9525" algn="ctr">
-                      <a:solidFill>
-                        <a:srgbClr val="C7CCBE"/>
-                      </a:solidFill>
-                    </a:lnT>
-                    <a:lnB w="9525" algn="ctr">
-                      <a:solidFill>
-                        <a:srgbClr val="C7CCBE"/>
-                      </a:solidFill>
-                    </a:lnB>
-                    <a:solidFill>
-                      <a:srgbClr val="EFF1EB"/>
-                    </a:solidFill>
-                  </a:tcPr>
-                </a:tc>
-                <a:tc>
-                  <a:txBody>
-                    <a:bodyPr/>
-                    <a:p>
-                      <a:pPr algn="just">
-                        <a:defRPr/>
-                      </a:pPr>
-                      <a:r>
-                        <a:rPr lang="en-GB" sz="1800">
-                          <a:solidFill>
-                            <a:srgbClr val="333333"/>
-                          </a:solidFill>
-                          <a:latin typeface="+mn-lt"/>
-                        </a:rPr>
-                        <a:t>It is used to scan the next token of the input as a byte.</a:t>
-                      </a:r>
-                      <a:endParaRPr/>
-                    </a:p>
-                  </a:txBody>
-                  <a:tcPr marL="27377" marR="27377" marT="27377" marB="27377">
-                    <a:lnL w="9525" algn="ctr">
-                      <a:solidFill>
-                        <a:srgbClr val="C7CCBE"/>
-                      </a:solidFill>
-                    </a:lnL>
-                    <a:lnR w="9525" algn="ctr">
-                      <a:solidFill>
-                        <a:srgbClr val="C7CCBE"/>
-                      </a:solidFill>
-                    </a:lnR>
-                    <a:lnT w="9525" algn="ctr">
-                      <a:solidFill>
-                        <a:srgbClr val="C7CCBE"/>
-                      </a:solidFill>
-                    </a:lnT>
-                    <a:lnB w="9525" algn="ctr">
-                      <a:solidFill>
-                        <a:srgbClr val="C7CCBE"/>
-                      </a:solidFill>
-                    </a:lnB>
-                    <a:solidFill>
-                      <a:srgbClr val="EFF1EB"/>
-                    </a:solidFill>
-                  </a:tcPr>
-                </a:tc>
-              </a:tr>
-              <a:tr h="333663">
-                <a:tc>
-                  <a:txBody>
-                    <a:bodyPr/>
-                    <a:p>
-                      <a:pPr algn="just">
-                        <a:defRPr/>
-                      </a:pPr>
-                      <a:r>
-                        <a:rPr lang="en-IN" sz="1800" b="1">
-                          <a:solidFill>
-                            <a:srgbClr val="333333"/>
-                          </a:solidFill>
-                          <a:latin typeface="+mn-lt"/>
-                        </a:rPr>
-                        <a:t>String nextLine()</a:t>
-                      </a:r>
-                      <a:endParaRPr lang="en-IN" sz="1800">
-                        <a:solidFill>
-                          <a:srgbClr val="333333"/>
-                        </a:solidFill>
-                        <a:latin typeface="+mn-lt"/>
-                      </a:endParaRPr>
-                    </a:p>
-                  </a:txBody>
-                  <a:tcPr marL="27377" marR="27377" marT="27377" marB="27377">
-                    <a:lnL w="9525" algn="ctr">
-                      <a:solidFill>
-                        <a:srgbClr val="C7CCBE"/>
-                      </a:solidFill>
-                    </a:lnL>
-                    <a:lnR w="9525" algn="ctr">
-                      <a:solidFill>
-                        <a:srgbClr val="C7CCBE"/>
-                      </a:solidFill>
-                    </a:lnR>
-                    <a:lnT w="9525" algn="ctr">
-                      <a:solidFill>
-                        <a:srgbClr val="C7CCBE"/>
-                      </a:solidFill>
-                    </a:lnT>
-                    <a:lnB w="9525" algn="ctr">
-                      <a:solidFill>
-                        <a:srgbClr val="C7CCBE"/>
-                      </a:solidFill>
-                    </a:lnB>
-                    <a:solidFill>
-                      <a:srgbClr val="FFFFFF"/>
-                    </a:solidFill>
-                  </a:tcPr>
-                </a:tc>
-                <a:tc>
-                  <a:txBody>
-                    <a:bodyPr/>
-                    <a:p>
-                      <a:pPr algn="just">
-                        <a:defRPr/>
-                      </a:pPr>
-                      <a:r>
-                        <a:rPr lang="en-GB" sz="1800">
-                          <a:solidFill>
-                            <a:srgbClr val="333333"/>
-                          </a:solidFill>
-                          <a:latin typeface="+mn-lt"/>
-                        </a:rPr>
-                        <a:t>Advances this scanner past the current line.</a:t>
-                      </a:r>
-                      <a:endParaRPr/>
-                    </a:p>
-                  </a:txBody>
-                  <a:tcPr marL="27377" marR="27377" marT="27377" marB="27377">
-                    <a:lnL w="9525" algn="ctr">
-                      <a:solidFill>
-                        <a:srgbClr val="C7CCBE"/>
-                      </a:solidFill>
-                    </a:lnL>
-                    <a:lnR w="9525" algn="ctr">
-                      <a:solidFill>
-                        <a:srgbClr val="C7CCBE"/>
-                      </a:solidFill>
-                    </a:lnR>
-                    <a:lnT w="9525" algn="ctr">
-                      <a:solidFill>
-                        <a:srgbClr val="C7CCBE"/>
-                      </a:solidFill>
-                    </a:lnT>
-                    <a:lnB w="9525" algn="ctr">
-                      <a:solidFill>
-                        <a:srgbClr val="C7CCBE"/>
-                      </a:solidFill>
-                    </a:lnB>
-                    <a:solidFill>
-                      <a:srgbClr val="FFFFFF"/>
-                    </a:solidFill>
-                  </a:tcPr>
-                </a:tc>
-              </a:tr>
-              <a:tr h="472736">
-                <a:tc>
-                  <a:txBody>
-                    <a:bodyPr/>
-                    <a:p>
-                      <a:pPr algn="just">
-                        <a:defRPr/>
-                      </a:pPr>
-                      <a:r>
-                        <a:rPr lang="en-IN" sz="1800" b="1">
-                          <a:solidFill>
-                            <a:srgbClr val="333333"/>
-                          </a:solidFill>
-                          <a:latin typeface="+mn-lt"/>
-                        </a:rPr>
-                        <a:t>boolean nextBoolean()</a:t>
-                      </a:r>
-                      <a:endParaRPr lang="en-IN" sz="1800">
-                        <a:solidFill>
-                          <a:srgbClr val="333333"/>
-                        </a:solidFill>
-                        <a:latin typeface="+mn-lt"/>
-                      </a:endParaRPr>
-                    </a:p>
-                  </a:txBody>
-                  <a:tcPr marL="27377" marR="27377" marT="27377" marB="27377">
-                    <a:lnL w="9525" algn="ctr">
-                      <a:solidFill>
-                        <a:srgbClr val="C7CCBE"/>
-                      </a:solidFill>
-                    </a:lnL>
-                    <a:lnR w="9525" algn="ctr">
-                      <a:solidFill>
-                        <a:srgbClr val="C7CCBE"/>
-                      </a:solidFill>
-                    </a:lnR>
-                    <a:lnT w="9525" algn="ctr">
-                      <a:solidFill>
-                        <a:srgbClr val="C7CCBE"/>
-                      </a:solidFill>
-                    </a:lnT>
-                    <a:lnB w="9525" algn="ctr">
-                      <a:solidFill>
-                        <a:srgbClr val="C7CCBE"/>
-                      </a:solidFill>
-                    </a:lnB>
-                    <a:solidFill>
-                      <a:srgbClr val="EFF1EB"/>
-                    </a:solidFill>
-                  </a:tcPr>
-                </a:tc>
-                <a:tc>
-                  <a:txBody>
-                    <a:bodyPr/>
-                    <a:p>
-                      <a:pPr algn="just">
-                        <a:defRPr/>
-                      </a:pPr>
-                      <a:r>
-                        <a:rPr lang="en-GB" sz="1800">
-                          <a:solidFill>
-                            <a:srgbClr val="333333"/>
-                          </a:solidFill>
-                          <a:latin typeface="+mn-lt"/>
-                        </a:rPr>
-                        <a:t>It is used to scan the next token of the input into a boolean value.</a:t>
-                      </a:r>
-                      <a:endParaRPr/>
-                    </a:p>
-                  </a:txBody>
-                  <a:tcPr marL="27377" marR="27377" marT="27377" marB="27377">
-                    <a:lnL w="9525" algn="ctr">
-                      <a:solidFill>
-                        <a:srgbClr val="C7CCBE"/>
-                      </a:solidFill>
-                    </a:lnL>
-                    <a:lnR w="9525" algn="ctr">
-                      <a:solidFill>
-                        <a:srgbClr val="C7CCBE"/>
-                      </a:solidFill>
-                    </a:lnR>
-                    <a:lnT w="9525" algn="ctr">
-                      <a:solidFill>
-                        <a:srgbClr val="C7CCBE"/>
-                      </a:solidFill>
-                    </a:lnT>
-                    <a:lnB w="9525" algn="ctr">
-                      <a:solidFill>
-                        <a:srgbClr val="C7CCBE"/>
-                      </a:solidFill>
-                    </a:lnB>
-                    <a:solidFill>
-                      <a:srgbClr val="EFF1EB"/>
-                    </a:solidFill>
-                  </a:tcPr>
-                </a:tc>
-              </a:tr>
-              <a:tr h="472736">
-                <a:tc>
-                  <a:txBody>
-                    <a:bodyPr/>
-                    <a:p>
-                      <a:pPr algn="just">
-                        <a:defRPr/>
-                      </a:pPr>
-                      <a:r>
-                        <a:rPr lang="en-IN" sz="1800" b="1">
-                          <a:solidFill>
-                            <a:srgbClr val="333333"/>
-                          </a:solidFill>
-                          <a:latin typeface="+mn-lt"/>
-                        </a:rPr>
-                        <a:t>long nextLong()</a:t>
-                      </a:r>
-                      <a:endParaRPr lang="en-IN" sz="1800">
-                        <a:solidFill>
-                          <a:srgbClr val="333333"/>
-                        </a:solidFill>
-                        <a:latin typeface="+mn-lt"/>
-                      </a:endParaRPr>
-                    </a:p>
-                  </a:txBody>
-                  <a:tcPr marL="27377" marR="27377" marT="27377" marB="27377">
-                    <a:lnL w="9525" algn="ctr">
-                      <a:solidFill>
-                        <a:srgbClr val="C7CCBE"/>
-                      </a:solidFill>
-                    </a:lnL>
-                    <a:lnR w="9525" algn="ctr">
-                      <a:solidFill>
-                        <a:srgbClr val="C7CCBE"/>
-                      </a:solidFill>
-                    </a:lnR>
-                    <a:lnT w="9525" algn="ctr">
-                      <a:solidFill>
-                        <a:srgbClr val="C7CCBE"/>
-                      </a:solidFill>
-                    </a:lnT>
-                    <a:lnB w="9525" algn="ctr">
-                      <a:solidFill>
-                        <a:srgbClr val="C7CCBE"/>
-                      </a:solidFill>
-                    </a:lnB>
-                    <a:solidFill>
-                      <a:srgbClr val="FFFFFF"/>
-                    </a:solidFill>
-                  </a:tcPr>
-                </a:tc>
-                <a:tc>
-                  <a:txBody>
-                    <a:bodyPr/>
-                    <a:p>
-                      <a:pPr algn="just">
-                        <a:defRPr/>
-                      </a:pPr>
-                      <a:r>
-                        <a:rPr lang="en-GB" sz="1800">
-                          <a:solidFill>
-                            <a:srgbClr val="333333"/>
-                          </a:solidFill>
-                          <a:latin typeface="+mn-lt"/>
-                        </a:rPr>
-                        <a:t>It is used to scan the next token of the input as a long.</a:t>
-                      </a:r>
-                      <a:endParaRPr/>
-                    </a:p>
-                  </a:txBody>
-                  <a:tcPr marL="27377" marR="27377" marT="27377" marB="27377">
-                    <a:lnL w="9525" algn="ctr">
-                      <a:solidFill>
-                        <a:srgbClr val="C7CCBE"/>
-                      </a:solidFill>
-                    </a:lnL>
-                    <a:lnR w="9525" algn="ctr">
-                      <a:solidFill>
-                        <a:srgbClr val="C7CCBE"/>
-                      </a:solidFill>
-                    </a:lnR>
-                    <a:lnT w="9525" algn="ctr">
-                      <a:solidFill>
-                        <a:srgbClr val="C7CCBE"/>
-                      </a:solidFill>
-                    </a:lnT>
-                    <a:lnB w="9525" algn="ctr">
-                      <a:solidFill>
-                        <a:srgbClr val="C7CCBE"/>
-                      </a:solidFill>
-                    </a:lnB>
-                    <a:solidFill>
-                      <a:srgbClr val="FFFFFF"/>
-                    </a:solidFill>
-                  </a:tcPr>
-                </a:tc>
-              </a:tr>
-              <a:tr h="472736">
-                <a:tc>
-                  <a:txBody>
-                    <a:bodyPr/>
-                    <a:p>
-                      <a:pPr algn="just">
-                        <a:defRPr/>
-                      </a:pPr>
-                      <a:r>
-                        <a:rPr lang="en-IN" sz="1800" b="1">
-                          <a:solidFill>
-                            <a:srgbClr val="333333"/>
-                          </a:solidFill>
-                          <a:latin typeface="+mn-lt"/>
-                        </a:rPr>
-                        <a:t>short nextShort()</a:t>
-                      </a:r>
-                      <a:endParaRPr lang="en-IN" sz="1800">
-                        <a:solidFill>
-                          <a:srgbClr val="333333"/>
-                        </a:solidFill>
-                        <a:latin typeface="+mn-lt"/>
-                      </a:endParaRPr>
-                    </a:p>
-                  </a:txBody>
-                  <a:tcPr marL="27377" marR="27377" marT="27377" marB="27377">
-                    <a:lnL w="9525" algn="ctr">
-                      <a:solidFill>
-                        <a:srgbClr val="C7CCBE"/>
-                      </a:solidFill>
-                    </a:lnL>
-                    <a:lnR w="9525" algn="ctr">
-                      <a:solidFill>
-                        <a:srgbClr val="C7CCBE"/>
-                      </a:solidFill>
-                    </a:lnR>
-                    <a:lnT w="9525" algn="ctr">
-                      <a:solidFill>
-                        <a:srgbClr val="C7CCBE"/>
-                      </a:solidFill>
-                    </a:lnT>
-                    <a:lnB w="9525" algn="ctr">
-                      <a:solidFill>
-                        <a:srgbClr val="C7CCBE"/>
-                      </a:solidFill>
-                    </a:lnB>
-                    <a:solidFill>
-                      <a:srgbClr val="EFF1EB"/>
-                    </a:solidFill>
-                  </a:tcPr>
-                </a:tc>
-                <a:tc>
-                  <a:txBody>
-                    <a:bodyPr/>
-                    <a:p>
-                      <a:pPr algn="just">
-                        <a:defRPr/>
-                      </a:pPr>
-                      <a:r>
-                        <a:rPr lang="en-GB" sz="1800">
-                          <a:solidFill>
-                            <a:srgbClr val="333333"/>
-                          </a:solidFill>
-                          <a:latin typeface="+mn-lt"/>
-                        </a:rPr>
-                        <a:t>It is used to scan the next token of the input as a Short.</a:t>
-                      </a:r>
-                      <a:endParaRPr/>
-                    </a:p>
-                  </a:txBody>
-                  <a:tcPr marL="27377" marR="27377" marT="27377" marB="27377">
-                    <a:lnL w="9525" algn="ctr">
-                      <a:solidFill>
-                        <a:srgbClr val="C7CCBE"/>
-                      </a:solidFill>
-                    </a:lnL>
-                    <a:lnR w="9525" algn="ctr">
-                      <a:solidFill>
-                        <a:srgbClr val="C7CCBE"/>
-                      </a:solidFill>
-                    </a:lnR>
-                    <a:lnT w="9525" algn="ctr">
-                      <a:solidFill>
-                        <a:srgbClr val="C7CCBE"/>
-                      </a:solidFill>
-                    </a:lnT>
-                    <a:lnB w="9525" algn="ctr">
-                      <a:solidFill>
-                        <a:srgbClr val="C7CCBE"/>
-                      </a:solidFill>
-                    </a:lnB>
-                    <a:solidFill>
-                      <a:srgbClr val="EFF1EB"/>
-                    </a:solidFill>
-                  </a:tcPr>
-                </a:tc>
-              </a:tr>
-              <a:tr h="472736">
-                <a:tc>
-                  <a:txBody>
-                    <a:bodyPr/>
-                    <a:p>
-                      <a:pPr algn="just">
-                        <a:defRPr/>
-                      </a:pPr>
-                      <a:r>
-                        <a:rPr lang="en-IN" sz="1800" b="1">
-                          <a:solidFill>
-                            <a:srgbClr val="333333"/>
-                          </a:solidFill>
-                          <a:latin typeface="+mn-lt"/>
-                        </a:rPr>
-                        <a:t>BigInteger nextBigInteger()</a:t>
-                      </a:r>
-                      <a:endParaRPr lang="en-IN" sz="1800">
-                        <a:solidFill>
-                          <a:srgbClr val="333333"/>
-                        </a:solidFill>
-                        <a:latin typeface="+mn-lt"/>
-                      </a:endParaRPr>
-                    </a:p>
-                  </a:txBody>
-                  <a:tcPr marL="27377" marR="27377" marT="27377" marB="27377">
-                    <a:lnL w="9525" algn="ctr">
-                      <a:solidFill>
-                        <a:srgbClr val="C7CCBE"/>
-                      </a:solidFill>
-                    </a:lnL>
-                    <a:lnR w="9525" algn="ctr">
-                      <a:solidFill>
-                        <a:srgbClr val="C7CCBE"/>
-                      </a:solidFill>
-                    </a:lnR>
-                    <a:lnT w="9525" algn="ctr">
-                      <a:solidFill>
-                        <a:srgbClr val="C7CCBE"/>
-                      </a:solidFill>
-                    </a:lnT>
-                    <a:lnB w="9525" algn="ctr">
-                      <a:solidFill>
-                        <a:srgbClr val="C7CCBE"/>
-                      </a:solidFill>
-                    </a:lnB>
-                    <a:solidFill>
-                      <a:srgbClr val="FFFFFF"/>
-                    </a:solidFill>
-                  </a:tcPr>
-                </a:tc>
-                <a:tc>
-                  <a:txBody>
-                    <a:bodyPr/>
-                    <a:p>
-                      <a:pPr algn="just">
-                        <a:defRPr/>
-                      </a:pPr>
-                      <a:r>
-                        <a:rPr lang="en-GB" sz="1800">
-                          <a:solidFill>
-                            <a:srgbClr val="333333"/>
-                          </a:solidFill>
-                          <a:latin typeface="+mn-lt"/>
-                        </a:rPr>
-                        <a:t>It is used to scan the next token of the input as a BigInteger.</a:t>
-                      </a:r>
-                      <a:endParaRPr/>
-                    </a:p>
-                  </a:txBody>
-                  <a:tcPr marL="27377" marR="27377" marT="27377" marB="27377">
-                    <a:lnL w="9525" algn="ctr">
-                      <a:solidFill>
-                        <a:srgbClr val="C7CCBE"/>
-                      </a:solidFill>
-                    </a:lnL>
-                    <a:lnR w="9525" algn="ctr">
-                      <a:solidFill>
-                        <a:srgbClr val="C7CCBE"/>
-                      </a:solidFill>
-                    </a:lnR>
-                    <a:lnT w="9525" algn="ctr">
-                      <a:solidFill>
-                        <a:srgbClr val="C7CCBE"/>
-                      </a:solidFill>
-                    </a:lnT>
-                    <a:lnB w="9525" algn="ctr">
-                      <a:solidFill>
-                        <a:srgbClr val="C7CCBE"/>
-                      </a:solidFill>
-                    </a:lnB>
-                    <a:solidFill>
-                      <a:srgbClr val="FFFFFF"/>
-                    </a:solidFill>
-                  </a:tcPr>
-                </a:tc>
-              </a:tr>
-              <a:tr h="472736">
-                <a:tc>
-                  <a:txBody>
-                    <a:bodyPr/>
-                    <a:p>
-                      <a:pPr algn="just">
-                        <a:defRPr/>
-                      </a:pPr>
-                      <a:r>
-                        <a:rPr lang="en-IN" sz="1800" b="1">
-                          <a:solidFill>
-                            <a:srgbClr val="333333"/>
-                          </a:solidFill>
-                          <a:latin typeface="+mn-lt"/>
-                        </a:rPr>
-                        <a:t>BigDecimal nextBigDecimal()</a:t>
-                      </a:r>
-                      <a:endParaRPr lang="en-IN" sz="1800">
-                        <a:solidFill>
-                          <a:srgbClr val="333333"/>
-                        </a:solidFill>
-                        <a:latin typeface="+mn-lt"/>
-                      </a:endParaRPr>
-                    </a:p>
-                  </a:txBody>
-                  <a:tcPr marL="27377" marR="27377" marT="27377" marB="27377">
-                    <a:lnL w="9525" algn="ctr">
-                      <a:solidFill>
-                        <a:srgbClr val="C7CCBE"/>
-                      </a:solidFill>
-                    </a:lnL>
-                    <a:lnR w="9525" algn="ctr">
-                      <a:solidFill>
-                        <a:srgbClr val="C7CCBE"/>
-                      </a:solidFill>
-                    </a:lnR>
-                    <a:lnT w="9525" algn="ctr">
-                      <a:solidFill>
-                        <a:srgbClr val="C7CCBE"/>
-                      </a:solidFill>
-                    </a:lnT>
-                    <a:lnB w="9525" algn="ctr">
-                      <a:solidFill>
-                        <a:srgbClr val="C7CCBE"/>
-                      </a:solidFill>
-                    </a:lnB>
-                    <a:solidFill>
-                      <a:srgbClr val="EFF1EB"/>
-                    </a:solidFill>
-                  </a:tcPr>
-                </a:tc>
-                <a:tc>
-                  <a:txBody>
-                    <a:bodyPr/>
-                    <a:p>
-                      <a:pPr algn="just">
-                        <a:defRPr/>
-                      </a:pPr>
-                      <a:r>
-                        <a:rPr lang="en-GB" sz="1800">
-                          <a:solidFill>
-                            <a:srgbClr val="333333"/>
-                          </a:solidFill>
-                          <a:latin typeface="+mn-lt"/>
-                        </a:rPr>
-                        <a:t>It is used to scan the next token of the input as a </a:t>
-                      </a:r>
-                      <a:r>
-                        <a:rPr lang="en-GB" sz="1800">
-                          <a:solidFill>
-                            <a:srgbClr val="333333"/>
-                          </a:solidFill>
-                          <a:latin typeface="+mn-lt"/>
-                        </a:rPr>
-                        <a:t>BigDecimal</a:t>
-                      </a:r>
-                      <a:r>
-                        <a:rPr lang="en-GB" sz="1800">
-                          <a:solidFill>
-                            <a:srgbClr val="333333"/>
-                          </a:solidFill>
-                          <a:latin typeface="+mn-lt"/>
-                        </a:rPr>
-                        <a:t>.</a:t>
-                      </a:r>
-                      <a:endParaRPr/>
-                    </a:p>
-                  </a:txBody>
-                  <a:tcPr marL="27377" marR="27377" marT="27377" marB="27377">
-                    <a:lnL w="9525" algn="ctr">
-                      <a:solidFill>
-                        <a:srgbClr val="C7CCBE"/>
-                      </a:solidFill>
-                    </a:lnL>
-                    <a:lnR w="9525" algn="ctr">
-                      <a:solidFill>
-                        <a:srgbClr val="C7CCBE"/>
-                      </a:solidFill>
-                    </a:lnR>
-                    <a:lnT w="9525" algn="ctr">
-                      <a:solidFill>
-                        <a:srgbClr val="C7CCBE"/>
-                      </a:solidFill>
-                    </a:lnT>
-                    <a:lnB w="9525" algn="ctr">
-                      <a:solidFill>
-                        <a:srgbClr val="C7CCBE"/>
-                      </a:solidFill>
-                    </a:lnB>
-                    <a:solidFill>
-                      <a:srgbClr val="EFF1EB"/>
-                    </a:solidFill>
-                  </a:tcPr>
-                </a:tc>
-              </a:tr>
-            </a:tbl>
-          </a:graphicData>
-        </a:graphic>
-      </p:graphicFrame>
-    </p:spTree>
-  </p:cSld>
-  <p:clrMapOvr>
-    <a:masterClrMapping/>
-  </p:clrMapOvr>
-  <mc:AlternateContent xmlns:mc="http://schemas.openxmlformats.org/markup-compatibility/2006">
-    <mc:Choice xmlns:p14="http://schemas.microsoft.com/office/powerpoint/2010/main" Requires="p14">
-      <p:transition spd="med" p14:dur="700" advClick="1">
-        <p:fade thruBlk="0"/>
-      </p:transition>
-    </mc:Choice>
-    <mc:Fallback>
-      <p:transition spd="med" advClick="1">
-        <p:fade thruBlk="0"/>
-      </p:transition>
-    </mc:Fallback>
-  </mc:AlternateContent>
-</p:sld>
-</file>
-
-<file path=ppt/slides/slide16.xml><?xml version="1.0" encoding="utf-8"?>
+<file path=ppt/slides/slide25.xml><?xml version="1.0" encoding="utf-8"?>
 <p:sld xmlns:a="http://schemas.openxmlformats.org/drawingml/2006/main" xmlns:r="http://schemas.openxmlformats.org/officeDocument/2006/relationships" xmlns:p="http://schemas.openxmlformats.org/presentationml/2006/main" xmlns:m="http://schemas.openxmlformats.org/officeDocument/2006/math" xmlns:w="http://schemas.openxmlformats.org/wordprocessingml/2006/main" showMasterPhAnim="0" show="1">
   <p:cSld name="">
     <p:spTree>
@@ -8654,263 +11989,12 @@
           <a:bodyPr/>
           <a:lstStyle/>
           <a:p>
-            <a:pPr>
+            <a:pPr algn="r">
               <a:defRPr/>
             </a:pPr>
             <a:r>
               <a:rPr lang="en-US"/>
               <a:t>Anirudha Gaikwad</a:t>
-            </a:r>
-            <a:endParaRPr/>
-          </a:p>
-        </p:txBody>
-      </p:sp>
-    </p:spTree>
-  </p:cSld>
-  <p:clrMapOvr>
-    <a:masterClrMapping/>
-  </p:clrMapOvr>
-  <mc:AlternateContent xmlns:mc="http://schemas.openxmlformats.org/markup-compatibility/2006">
-    <mc:Choice xmlns:p14="http://schemas.microsoft.com/office/powerpoint/2010/main" Requires="p14">
-      <p:transition spd="med" p14:dur="700" advClick="1">
-        <p:fade thruBlk="0"/>
-      </p:transition>
-    </mc:Choice>
-    <mc:Fallback>
-      <p:transition spd="med" advClick="1">
-        <p:fade thruBlk="0"/>
-      </p:transition>
-    </mc:Fallback>
-  </mc:AlternateContent>
-</p:sld>
-</file>
-
-<file path=ppt/slides/slide2.xml><?xml version="1.0" encoding="utf-8"?>
-<p:sld xmlns:a="http://schemas.openxmlformats.org/drawingml/2006/main" xmlns:r="http://schemas.openxmlformats.org/officeDocument/2006/relationships" xmlns:p="http://schemas.openxmlformats.org/presentationml/2006/main" xmlns:m="http://schemas.openxmlformats.org/officeDocument/2006/math" xmlns:w="http://schemas.openxmlformats.org/wordprocessingml/2006/main" showMasterPhAnim="0" show="1">
-  <p:cSld name="">
-    <p:spTree>
-      <p:nvGrpSpPr>
-        <p:cNvPr id="1" name=""/>
-        <p:cNvGrpSpPr/>
-        <p:nvPr/>
-      </p:nvGrpSpPr>
-      <p:grpSpPr bwMode="auto">
-        <a:xfrm>
-          <a:off x="0" y="0"/>
-          <a:ext cx="0" cy="0"/>
-          <a:chOff x="0" y="0"/>
-          <a:chExt cx="0" cy="0"/>
-        </a:xfrm>
-      </p:grpSpPr>
-      <p:sp>
-        <p:nvSpPr>
-          <p:cNvPr id="3" name="Content Placeholder 2"/>
-          <p:cNvSpPr>
-            <a:spLocks noGrp="1"/>
-          </p:cNvSpPr>
-          <p:nvPr>
-            <p:ph sz="half" idx="1"/>
-          </p:nvPr>
-        </p:nvSpPr>
-        <p:spPr bwMode="auto">
-          <a:xfrm>
-            <a:off x="354514" y="1371600"/>
-            <a:ext cx="11479796" cy="5181600"/>
-          </a:xfrm>
-        </p:spPr>
-        <p:txBody>
-          <a:bodyPr vertOverflow="overflow" horzOverflow="overflow" vert="horz" wrap="square" lIns="121897" tIns="60948" rIns="121897" bIns="60948" numCol="1" spcCol="0" rtlCol="0" fromWordArt="0" anchor="t" anchorCtr="0" forceAA="0" upright="0" compatLnSpc="0">
-            <a:normAutofit/>
-          </a:bodyPr>
-          <a:lstStyle/>
-          <a:p>
-            <a:pPr>
-              <a:defRPr/>
-            </a:pPr>
-            <a:r>
-              <a:rPr lang="en-US" b="0" i="0">
-                <a:solidFill>
-                  <a:srgbClr val="000000"/>
-                </a:solidFill>
-                <a:latin typeface="-apple-system"/>
-              </a:rPr>
-              <a:t>Tokens are the various elements in the java program that are identified by </a:t>
-            </a:r>
-            <a:r>
-              <a:rPr lang="en-US" b="1" i="0" u="none" strike="noStrike">
-                <a:solidFill>
-                  <a:srgbClr val="C00000"/>
-                </a:solidFill>
-                <a:latin typeface="-apple-system"/>
-              </a:rPr>
-              <a:t>Java compiler</a:t>
-            </a:r>
-            <a:r>
-              <a:rPr lang="en-US" b="0" i="0">
-                <a:solidFill>
-                  <a:srgbClr val="000000"/>
-                </a:solidFill>
-                <a:latin typeface="-apple-system"/>
-              </a:rPr>
-              <a:t>. A token is the smallest individual element (unit) in a program that is meaningful to the compiler.</a:t>
-            </a:r>
-            <a:endParaRPr/>
-          </a:p>
-          <a:p>
-            <a:pPr marL="0" indent="0" algn="l">
-              <a:buNone/>
-              <a:defRPr/>
-            </a:pPr>
-            <a:r>
-              <a:rPr lang="en-US" b="1" i="0">
-                <a:solidFill>
-                  <a:srgbClr val="000000"/>
-                </a:solidFill>
-                <a:latin typeface="-apple-system"/>
-              </a:rPr>
-              <a:t>Java language contains five types of tokens that are as follows:</a:t>
-            </a:r>
-            <a:endParaRPr/>
-          </a:p>
-          <a:p>
-            <a:pPr algn="l">
-              <a:buFont typeface="Wingdings"/>
-              <a:buChar char="Ø"/>
-              <a:defRPr/>
-            </a:pPr>
-            <a:r>
-              <a:rPr lang="en-US" sz="2800" b="0" i="0" u="none" strike="noStrike" cap="none" spc="0">
-                <a:solidFill>
-                  <a:srgbClr val="000000"/>
-                </a:solidFill>
-                <a:latin typeface="-apple-system"/>
-                <a:ea typeface="-apple-system"/>
-                <a:cs typeface="-apple-system"/>
-              </a:rPr>
-              <a:t>Identifiers</a:t>
-            </a:r>
-            <a:endParaRPr lang="en-US" b="0" i="0">
-              <a:solidFill>
-                <a:srgbClr val="000000"/>
-              </a:solidFill>
-              <a:latin typeface="-apple-system"/>
-            </a:endParaRPr>
-          </a:p>
-          <a:p>
-            <a:pPr algn="l">
-              <a:buFont typeface="Wingdings"/>
-              <a:buChar char="Ø"/>
-              <a:defRPr/>
-            </a:pPr>
-            <a:r>
-              <a:rPr lang="en-US" b="0" i="0">
-                <a:solidFill>
-                  <a:srgbClr val="000000"/>
-                </a:solidFill>
-                <a:latin typeface="-apple-system"/>
-              </a:rPr>
-              <a:t>Keywords</a:t>
-            </a:r>
-            <a:endParaRPr/>
-          </a:p>
-          <a:p>
-            <a:pPr algn="l">
-              <a:buFont typeface="Wingdings"/>
-              <a:buChar char="Ø"/>
-              <a:defRPr/>
-            </a:pPr>
-            <a:r>
-              <a:rPr lang="en-US" b="0" i="0">
-                <a:solidFill>
-                  <a:srgbClr val="000000"/>
-                </a:solidFill>
-                <a:latin typeface="-apple-system"/>
-              </a:rPr>
-              <a:t>Literals</a:t>
-            </a:r>
-            <a:endParaRPr/>
-          </a:p>
-          <a:p>
-            <a:pPr algn="l">
-              <a:buFont typeface="Wingdings"/>
-              <a:buChar char="Ø"/>
-              <a:defRPr/>
-            </a:pPr>
-            <a:r>
-              <a:rPr lang="en-US" b="0" i="0">
-                <a:solidFill>
-                  <a:srgbClr val="000000"/>
-                </a:solidFill>
-                <a:latin typeface="-apple-system"/>
-              </a:rPr>
-              <a:t>Operators</a:t>
-            </a:r>
-            <a:endParaRPr/>
-          </a:p>
-          <a:p>
-            <a:pPr marR="0">
-              <a:buFont typeface="Wingdings"/>
-              <a:buChar char="Ø"/>
-              <a:defRPr/>
-            </a:pPr>
-            <a:r>
-              <a:rPr lang="en-US">
-                <a:solidFill>
-                  <a:srgbClr val="000000"/>
-                </a:solidFill>
-                <a:latin typeface="-apple-system"/>
-              </a:rPr>
-              <a:t>Special Symbols</a:t>
-            </a:r>
-            <a:endParaRPr/>
-          </a:p>
-        </p:txBody>
-      </p:sp>
-      <p:sp>
-        <p:nvSpPr>
-          <p:cNvPr id="4" name="Rectangle 3"/>
-          <p:cNvSpPr/>
-          <p:nvPr/>
-        </p:nvSpPr>
-        <p:spPr bwMode="auto">
-          <a:xfrm>
-            <a:off x="0" y="8709"/>
-            <a:ext cx="9385775" cy="849462"/>
-          </a:xfrm>
-          <a:prstGeom prst="rect">
-            <a:avLst/>
-          </a:prstGeom>
-        </p:spPr>
-        <p:txBody>
-          <a:bodyPr vert="horz" lIns="121898" tIns="60949" rIns="121898" bIns="60949" rtlCol="0" anchor="b">
-            <a:noAutofit/>
-          </a:bodyPr>
-          <a:lstStyle/>
-          <a:p>
-            <a:pPr marR="0" lvl="0" algn="l" defTabSz="914400">
-              <a:lnSpc>
-                <a:spcPct val="100000"/>
-              </a:lnSpc>
-              <a:spcBef>
-                <a:spcPts val="0"/>
-              </a:spcBef>
-              <a:spcAft>
-                <a:spcPts val="0"/>
-              </a:spcAft>
-              <a:buClrTx/>
-              <a:buSzTx/>
-              <a:defRPr/>
-            </a:pPr>
-            <a:r>
-              <a:rPr lang="en-US" sz="4000" b="1">
-                <a:solidFill>
-                  <a:schemeClr val="dk1"/>
-                </a:solidFill>
-                <a:latin typeface="+mn-lt"/>
-                <a:ea typeface="+mn-ea"/>
-                <a:cs typeface="+mn-cs"/>
-              </a:rPr>
-              <a:t>Java Tokens  </a:t>
             </a:r>
             <a:endParaRPr/>
           </a:p>
@@ -10172,28 +13256,6 @@
           </a:p>
         </p:txBody>
       </p:sp>
-      <p:sp>
-        <p:nvSpPr>
-          <p:cNvPr id="5" name="Content Placeholder 4"/>
-          <p:cNvSpPr>
-            <a:spLocks noGrp="1"/>
-          </p:cNvSpPr>
-          <p:nvPr>
-            <p:ph sz="half" idx="1"/>
-          </p:nvPr>
-        </p:nvSpPr>
-        <p:spPr bwMode="auto"/>
-        <p:txBody>
-          <a:bodyPr/>
-          <a:lstStyle/>
-          <a:p>
-            <a:pPr>
-              <a:defRPr/>
-            </a:pPr>
-            <a:endParaRPr lang="en-US"/>
-          </a:p>
-        </p:txBody>
-      </p:sp>
       <p:graphicFrame>
         <p:nvGraphicFramePr>
           <p:cNvPr id="6" name="Table 5"/>
@@ -10203,8 +13265,8 @@
           <p:nvPr/>
         </p:nvGraphicFramePr>
         <p:xfrm>
-          <a:off x="792480" y="1589266"/>
-          <a:ext cx="10523220" cy="4610100"/>
+          <a:off x="755330" y="2133551"/>
+          <a:ext cx="10535919" cy="4622799"/>
         </p:xfrm>
         <a:graphic>
           <a:graphicData uri="http://schemas.openxmlformats.org/drawingml/2006/table">
@@ -11411,6 +14473,48 @@
           </a:graphicData>
         </a:graphic>
       </p:graphicFrame>
+      <p:sp>
+        <p:nvSpPr>
+          <p:cNvPr id="441280418" name=""/>
+          <p:cNvSpPr txBox="1"/>
+          <p:nvPr/>
+        </p:nvSpPr>
+        <p:spPr bwMode="auto">
+          <a:xfrm flipH="0" flipV="0">
+            <a:off x="281858" y="1197535"/>
+            <a:ext cx="11625107" cy="823320"/>
+          </a:xfrm>
+          <a:prstGeom prst="rect">
+            <a:avLst/>
+          </a:prstGeom>
+          <a:noFill/>
+        </p:spPr>
+        <p:txBody>
+          <a:bodyPr vertOverflow="overflow" horzOverflow="overflow" vert="horz" wrap="square" lIns="91440" tIns="45720" rIns="91440" bIns="45720" numCol="1" spcCol="0" rtlCol="0" fromWordArt="0" anchor="t" anchorCtr="0" forceAA="0" upright="0" compatLnSpc="0">
+            <a:spAutoFit/>
+          </a:bodyPr>
+          <a:p>
+            <a:pPr algn="l">
+              <a:defRPr/>
+            </a:pPr>
+            <a:r>
+              <a:rPr/>
+              <a:t>Keywords in Java are predefined or reserved words that have special meaning to the</a:t>
+            </a:r>
+            <a:endParaRPr/>
+          </a:p>
+          <a:p>
+            <a:pPr algn="l">
+              <a:defRPr/>
+            </a:pPr>
+            <a:r>
+              <a:rPr/>
+              <a:t>Java compiler.</a:t>
+            </a:r>
+            <a:endParaRPr/>
+          </a:p>
+        </p:txBody>
+      </p:sp>
     </p:spTree>
   </p:cSld>
   <p:clrMapOvr>
@@ -11726,64 +14830,178 @@
             </a:endParaRPr>
           </a:p>
           <a:p>
-            <a:pPr>
-              <a:buFont typeface="Wingdings"/>
-              <a:buChar char="Ø"/>
-              <a:defRPr/>
-            </a:pPr>
-            <a:r>
-              <a:rPr lang="en-US" sz="2800"/>
-              <a:t>Arithmetic Operators</a:t>
-            </a:r>
-            <a:endParaRPr/>
-          </a:p>
-          <a:p>
-            <a:pPr>
-              <a:buFont typeface="Wingdings"/>
-              <a:buChar char="Ø"/>
-              <a:defRPr/>
-            </a:pPr>
-            <a:r>
-              <a:rPr lang="en-US" sz="2800"/>
-              <a:t>Unary Operators</a:t>
-            </a:r>
-            <a:endParaRPr/>
-          </a:p>
-          <a:p>
-            <a:pPr>
-              <a:buFont typeface="Wingdings"/>
-              <a:buChar char="Ø"/>
-              <a:defRPr/>
-            </a:pPr>
-            <a:r>
-              <a:rPr lang="en-US" sz="2800"/>
-              <a:t>Equality and Relational Operators</a:t>
-            </a:r>
-            <a:endParaRPr/>
-          </a:p>
-          <a:p>
-            <a:pPr>
-              <a:buFont typeface="Wingdings"/>
-              <a:buChar char="Ø"/>
-              <a:defRPr/>
-            </a:pPr>
-            <a:r>
-              <a:rPr lang="en-US" sz="2800"/>
-              <a:t>Conditional Operators</a:t>
-            </a:r>
-            <a:endParaRPr/>
-          </a:p>
-          <a:p>
-            <a:pPr>
-              <a:buFont typeface="Wingdings"/>
-              <a:buChar char="Ø"/>
-              <a:defRPr/>
-            </a:pPr>
-            <a:r>
-              <a:rPr lang="en-US" sz="2800"/>
-              <a:t>Type Comparison Operator</a:t>
-            </a:r>
-            <a:endParaRPr lang="en-US"/>
+            <a:pPr marL="304746" indent="-304746">
+              <a:lnSpc>
+                <a:spcPct val="90000"/>
+              </a:lnSpc>
+              <a:spcBef>
+                <a:spcPts val="1799"/>
+              </a:spcBef>
+              <a:buClr>
+                <a:schemeClr val="accent1">
+                  <a:lumMod val="75000"/>
+                </a:schemeClr>
+              </a:buClr>
+              <a:buFont typeface="Arial"/>
+              <a:buChar char="•"/>
+              <a:defRPr/>
+            </a:pPr>
+            <a:r>
+              <a:rPr lang="en-US" sz="2800" b="0" i="0" u="none" strike="noStrike" cap="none" spc="0">
+                <a:solidFill>
+                  <a:schemeClr val="tx1"/>
+                </a:solidFill>
+                <a:latin typeface="+mn-lt"/>
+                <a:ea typeface="+mn-ea"/>
+                <a:cs typeface="+mn-cs"/>
+              </a:rPr>
+              <a:t>Java language supports a rich set of </a:t>
+            </a:r>
+            <a:r>
+              <a:rPr lang="en-US" sz="2800" b="1" i="0" u="none" strike="noStrike" cap="none" spc="0">
+                <a:solidFill>
+                  <a:schemeClr val="accent6">
+                    <a:lumMod val="75000"/>
+                  </a:schemeClr>
+                </a:solidFill>
+                <a:latin typeface="+mn-lt"/>
+                <a:ea typeface="+mn-ea"/>
+                <a:cs typeface="+mn-cs"/>
+              </a:rPr>
+              <a:t>built-in operators</a:t>
+            </a:r>
+            <a:r>
+              <a:rPr lang="en-US" sz="2800" b="0" i="0" u="none" strike="noStrike" cap="none" spc="0">
+                <a:solidFill>
+                  <a:schemeClr val="tx1"/>
+                </a:solidFill>
+                <a:latin typeface="+mn-lt"/>
+                <a:ea typeface="+mn-ea"/>
+                <a:cs typeface="+mn-cs"/>
+              </a:rPr>
+              <a:t>. An operator is a symbol that tells the compiler to perform a certain mathematical or logical operations, based on the values provided to the operator.</a:t>
+            </a:r>
+            <a:endParaRPr sz="2800"/>
+          </a:p>
+          <a:p>
+            <a:pPr marL="304746" indent="-304746">
+              <a:lnSpc>
+                <a:spcPct val="90000"/>
+              </a:lnSpc>
+              <a:spcBef>
+                <a:spcPts val="1799"/>
+              </a:spcBef>
+              <a:buClr>
+                <a:schemeClr val="accent1">
+                  <a:lumMod val="75000"/>
+                </a:schemeClr>
+              </a:buClr>
+              <a:buFont typeface="Arial"/>
+              <a:buChar char="•"/>
+              <a:defRPr/>
+            </a:pPr>
+            <a:r>
+              <a:rPr lang="en-US" sz="2800" b="0" i="0" u="none" strike="noStrike" cap="none" spc="0">
+                <a:solidFill>
+                  <a:schemeClr val="tx1"/>
+                </a:solidFill>
+                <a:latin typeface="+mn-lt"/>
+                <a:ea typeface="+mn-ea"/>
+                <a:cs typeface="+mn-cs"/>
+              </a:rPr>
+              <a:t>An </a:t>
+            </a:r>
+            <a:r>
+              <a:rPr lang="en-US" sz="2800" b="1" i="0" u="none" strike="noStrike" cap="none" spc="0">
+                <a:solidFill>
+                  <a:schemeClr val="accent6">
+                    <a:lumMod val="75000"/>
+                  </a:schemeClr>
+                </a:solidFill>
+                <a:latin typeface="+mn-lt"/>
+                <a:ea typeface="+mn-ea"/>
+                <a:cs typeface="+mn-cs"/>
+              </a:rPr>
+              <a:t>operand</a:t>
+            </a:r>
+            <a:r>
+              <a:rPr lang="en-US" sz="2800" b="0" i="0" u="none" strike="noStrike" cap="none" spc="0">
+                <a:solidFill>
+                  <a:schemeClr val="tx1"/>
+                </a:solidFill>
+                <a:latin typeface="+mn-lt"/>
+                <a:ea typeface="+mn-ea"/>
+                <a:cs typeface="+mn-cs"/>
+              </a:rPr>
+              <a:t> is a value on which any operator works. For example, when we say </a:t>
+            </a:r>
+            <a:r>
+              <a:rPr lang="en-US" sz="2800" b="0" i="0" u="none" strike="noStrike" cap="none" spc="0">
+                <a:solidFill>
+                  <a:schemeClr val="tx1"/>
+                </a:solidFill>
+                <a:latin typeface="Times New Roman"/>
+                <a:ea typeface="Times New Roman"/>
+                <a:cs typeface="Times New Roman"/>
+              </a:rPr>
+              <a:t>7+5</a:t>
+            </a:r>
+            <a:r>
+              <a:rPr lang="en-US" sz="2800" b="0" i="0" u="none" strike="noStrike" cap="none" spc="0">
+                <a:solidFill>
+                  <a:schemeClr val="tx1"/>
+                </a:solidFill>
+                <a:latin typeface="+mn-lt"/>
+                <a:ea typeface="+mn-ea"/>
+                <a:cs typeface="+mn-cs"/>
+              </a:rPr>
+              <a:t>, here, numbers </a:t>
+            </a:r>
+            <a:r>
+              <a:rPr lang="en-US" sz="2800" b="0" i="0" u="none" strike="noStrike" cap="none" spc="0">
+                <a:solidFill>
+                  <a:schemeClr val="tx1"/>
+                </a:solidFill>
+                <a:latin typeface="Times New Roman"/>
+                <a:ea typeface="Times New Roman"/>
+                <a:cs typeface="Times New Roman"/>
+              </a:rPr>
+              <a:t>7</a:t>
+            </a:r>
+            <a:r>
+              <a:rPr lang="en-US" sz="2800" b="0" i="0" u="none" strike="noStrike" cap="none" spc="0">
+                <a:solidFill>
+                  <a:schemeClr val="tx1"/>
+                </a:solidFill>
+                <a:latin typeface="+mn-lt"/>
+                <a:ea typeface="+mn-ea"/>
+                <a:cs typeface="+mn-cs"/>
+              </a:rPr>
+              <a:t> and </a:t>
+            </a:r>
+            <a:r>
+              <a:rPr lang="en-US" sz="2800" b="0" i="0" u="none" strike="noStrike" cap="none" spc="0">
+                <a:solidFill>
+                  <a:schemeClr val="tx1"/>
+                </a:solidFill>
+                <a:latin typeface="Times New Roman"/>
+                <a:ea typeface="Times New Roman"/>
+                <a:cs typeface="Times New Roman"/>
+              </a:rPr>
+              <a:t>5</a:t>
+            </a:r>
+            <a:r>
+              <a:rPr lang="en-US" sz="2800" b="0" i="0" u="none" strike="noStrike" cap="none" spc="0">
+                <a:solidFill>
+                  <a:schemeClr val="tx1"/>
+                </a:solidFill>
+                <a:latin typeface="+mn-lt"/>
+                <a:ea typeface="+mn-ea"/>
+                <a:cs typeface="+mn-cs"/>
+              </a:rPr>
+              <a:t> are operands whereas + is an operator</a:t>
+            </a:r>
+            <a:endParaRPr sz="2800"/>
           </a:p>
           <a:p>
             <a:pPr>
